--- a/Project3_20161027.pptx
+++ b/Project3_20161027.pptx
@@ -5,28 +5,23 @@
     <p:sldMasterId id="2147483648" r:id="rId2"/>
   </p:sldMasterIdLst>
   <p:notesMasterIdLst>
-    <p:notesMasterId r:id="rId19"/>
+    <p:notesMasterId r:id="rId14"/>
   </p:notesMasterIdLst>
   <p:handoutMasterIdLst>
-    <p:handoutMasterId r:id="rId20"/>
+    <p:handoutMasterId r:id="rId15"/>
   </p:handoutMasterIdLst>
   <p:sldIdLst>
     <p:sldId id="257" r:id="rId3"/>
     <p:sldId id="270" r:id="rId4"/>
     <p:sldId id="258" r:id="rId5"/>
     <p:sldId id="273" r:id="rId6"/>
-    <p:sldId id="263" r:id="rId7"/>
-    <p:sldId id="272" r:id="rId8"/>
-    <p:sldId id="264" r:id="rId9"/>
-    <p:sldId id="271" r:id="rId10"/>
-    <p:sldId id="265" r:id="rId11"/>
-    <p:sldId id="266" r:id="rId12"/>
-    <p:sldId id="267" r:id="rId13"/>
-    <p:sldId id="268" r:id="rId14"/>
-    <p:sldId id="269" r:id="rId15"/>
-    <p:sldId id="259" r:id="rId16"/>
-    <p:sldId id="260" r:id="rId17"/>
-    <p:sldId id="261" r:id="rId18"/>
+    <p:sldId id="274" r:id="rId7"/>
+    <p:sldId id="263" r:id="rId8"/>
+    <p:sldId id="272" r:id="rId9"/>
+    <p:sldId id="275" r:id="rId10"/>
+    <p:sldId id="259" r:id="rId11"/>
+    <p:sldId id="260" r:id="rId12"/>
+    <p:sldId id="261" r:id="rId13"/>
   </p:sldIdLst>
   <p:sldSz cx="12192000" cy="6858000"/>
   <p:notesSz cx="6858000" cy="9144000"/>
@@ -137,7 +132,7 @@
 </file>
 
 <file path=ppt/charts/chart1.xml><?xml version="1.0" encoding="utf-8"?>
-<c:chartSpace xmlns:c="http://schemas.openxmlformats.org/drawingml/2006/chart" xmlns:a="http://schemas.openxmlformats.org/drawingml/2006/main" xmlns:r="http://schemas.openxmlformats.org/officeDocument/2006/relationships" xmlns:c16r2="http://schemas.microsoft.com/office/drawing/2015/06/chart">
+<c:chartSpace xmlns:c="http://schemas.openxmlformats.org/drawingml/2006/chart" xmlns:a="http://schemas.openxmlformats.org/drawingml/2006/main" xmlns:r="http://schemas.openxmlformats.org/officeDocument/2006/relationships">
   <c:date1904 val="0"/>
   <c:lang val="en-US"/>
   <c:roundedCorners val="0"/>
@@ -245,7 +240,7 @@
               </c:numCache>
             </c:numRef>
           </c:val>
-          <c:extLst>
+          <c:extLst xmlns:c16r2="http://schemas.microsoft.com/office/drawing/2015/06/chart">
             <c:ext xmlns:c16="http://schemas.microsoft.com/office/drawing/2014/chart" uri="{C3380CC4-5D6E-409C-BE32-E72D297353CC}">
               <c16:uniqueId val="{00000000-7C27-4362-B5A7-21182D649E6F}"/>
             </c:ext>
@@ -328,7 +323,7 @@
                   <c:v>2.4</c:v>
                 </c:pt>
                 <c:pt idx="1">
-                  <c:v>4.4000000000000004</c:v>
+                  <c:v>4.4</c:v>
                 </c:pt>
                 <c:pt idx="2">
                   <c:v>1.8</c:v>
@@ -339,7 +334,7 @@
               </c:numCache>
             </c:numRef>
           </c:val>
-          <c:extLst>
+          <c:extLst xmlns:c16r2="http://schemas.microsoft.com/office/drawing/2015/06/chart">
             <c:ext xmlns:c16="http://schemas.microsoft.com/office/drawing/2014/chart" uri="{C3380CC4-5D6E-409C-BE32-E72D297353CC}">
               <c16:uniqueId val="{00000001-7C27-4362-B5A7-21182D649E6F}"/>
             </c:ext>
@@ -419,21 +414,21 @@
                 <c:formatCode>General</c:formatCode>
                 <c:ptCount val="4"/>
                 <c:pt idx="0">
-                  <c:v>2</c:v>
+                  <c:v>2.0</c:v>
                 </c:pt>
                 <c:pt idx="1">
-                  <c:v>2</c:v>
+                  <c:v>2.0</c:v>
                 </c:pt>
                 <c:pt idx="2">
-                  <c:v>3</c:v>
+                  <c:v>3.0</c:v>
                 </c:pt>
                 <c:pt idx="3">
-                  <c:v>5</c:v>
+                  <c:v>5.0</c:v>
                 </c:pt>
               </c:numCache>
             </c:numRef>
           </c:val>
-          <c:extLst>
+          <c:extLst xmlns:c16r2="http://schemas.microsoft.com/office/drawing/2015/06/chart">
             <c:ext xmlns:c16="http://schemas.microsoft.com/office/drawing/2014/chart" uri="{C3380CC4-5D6E-409C-BE32-E72D297353CC}">
               <c16:uniqueId val="{00000002-7C27-4362-B5A7-21182D649E6F}"/>
             </c:ext>
@@ -449,11 +444,11 @@
         </c:dLbls>
         <c:gapWidth val="100"/>
         <c:overlap val="-24"/>
-        <c:axId val="355301032"/>
-        <c:axId val="355303776"/>
+        <c:axId val="-1778669600"/>
+        <c:axId val="-1778664848"/>
       </c:barChart>
       <c:catAx>
-        <c:axId val="355301032"/>
+        <c:axId val="-1778669600"/>
         <c:scaling>
           <c:orientation val="minMax"/>
         </c:scaling>
@@ -493,7 +488,7 @@
             <a:endParaRPr lang="en-US"/>
           </a:p>
         </c:txPr>
-        <c:crossAx val="355303776"/>
+        <c:crossAx val="-1778664848"/>
         <c:crosses val="autoZero"/>
         <c:auto val="1"/>
         <c:lblAlgn val="ctr"/>
@@ -501,7 +496,7 @@
         <c:noMultiLvlLbl val="0"/>
       </c:catAx>
       <c:valAx>
-        <c:axId val="355303776"/>
+        <c:axId val="-1778664848"/>
         <c:scaling>
           <c:orientation val="minMax"/>
         </c:scaling>
@@ -549,7 +544,7 @@
             <a:endParaRPr lang="en-US"/>
           </a:p>
         </c:txPr>
-        <c:crossAx val="355301032"/>
+        <c:crossAx val="-1778669600"/>
         <c:crosses val="autoZero"/>
         <c:crossBetween val="between"/>
       </c:valAx>
@@ -563,6 +558,7 @@
     </c:plotArea>
     <c:legend>
       <c:legendPos val="b"/>
+      <c:layout/>
       <c:overlay val="0"/>
       <c:spPr>
         <a:noFill/>
@@ -1126,6 +1122,753 @@
 </file>
 
 <file path=ppt/diagrams/colors1.xml><?xml version="1.0" encoding="utf-8"?>
+<dgm:colorsDef xmlns:dgm="http://schemas.openxmlformats.org/drawingml/2006/diagram" xmlns:a="http://schemas.openxmlformats.org/drawingml/2006/main" uniqueId="urn:microsoft.com/office/officeart/2005/8/colors/accent1_2">
+  <dgm:title val=""/>
+  <dgm:desc val=""/>
+  <dgm:catLst>
+    <dgm:cat type="accent1" pri="11200"/>
+  </dgm:catLst>
+  <dgm:styleLbl name="node0">
+    <dgm:fillClrLst meth="repeat">
+      <a:schemeClr val="accent1"/>
+    </dgm:fillClrLst>
+    <dgm:linClrLst meth="repeat">
+      <a:schemeClr val="lt1"/>
+    </dgm:linClrLst>
+    <dgm:effectClrLst/>
+    <dgm:txLinClrLst/>
+    <dgm:txFillClrLst/>
+    <dgm:txEffectClrLst/>
+  </dgm:styleLbl>
+  <dgm:styleLbl name="alignNode1">
+    <dgm:fillClrLst meth="repeat">
+      <a:schemeClr val="accent1"/>
+    </dgm:fillClrLst>
+    <dgm:linClrLst meth="repeat">
+      <a:schemeClr val="accent1"/>
+    </dgm:linClrLst>
+    <dgm:effectClrLst/>
+    <dgm:txLinClrLst/>
+    <dgm:txFillClrLst/>
+    <dgm:txEffectClrLst/>
+  </dgm:styleLbl>
+  <dgm:styleLbl name="node1">
+    <dgm:fillClrLst meth="repeat">
+      <a:schemeClr val="accent1"/>
+    </dgm:fillClrLst>
+    <dgm:linClrLst meth="repeat">
+      <a:schemeClr val="lt1"/>
+    </dgm:linClrLst>
+    <dgm:effectClrLst/>
+    <dgm:txLinClrLst/>
+    <dgm:txFillClrLst/>
+    <dgm:txEffectClrLst/>
+  </dgm:styleLbl>
+  <dgm:styleLbl name="lnNode1">
+    <dgm:fillClrLst meth="repeat">
+      <a:schemeClr val="accent1"/>
+    </dgm:fillClrLst>
+    <dgm:linClrLst meth="repeat">
+      <a:schemeClr val="lt1"/>
+    </dgm:linClrLst>
+    <dgm:effectClrLst/>
+    <dgm:txLinClrLst/>
+    <dgm:txFillClrLst/>
+    <dgm:txEffectClrLst/>
+  </dgm:styleLbl>
+  <dgm:styleLbl name="vennNode1">
+    <dgm:fillClrLst meth="repeat">
+      <a:schemeClr val="accent1">
+        <a:alpha val="50000"/>
+      </a:schemeClr>
+    </dgm:fillClrLst>
+    <dgm:linClrLst meth="repeat">
+      <a:schemeClr val="lt1"/>
+    </dgm:linClrLst>
+    <dgm:effectClrLst/>
+    <dgm:txLinClrLst/>
+    <dgm:txFillClrLst/>
+    <dgm:txEffectClrLst/>
+  </dgm:styleLbl>
+  <dgm:styleLbl name="node2">
+    <dgm:fillClrLst meth="repeat">
+      <a:schemeClr val="accent1"/>
+    </dgm:fillClrLst>
+    <dgm:linClrLst meth="repeat">
+      <a:schemeClr val="lt1"/>
+    </dgm:linClrLst>
+    <dgm:effectClrLst/>
+    <dgm:txLinClrLst/>
+    <dgm:txFillClrLst/>
+    <dgm:txEffectClrLst/>
+  </dgm:styleLbl>
+  <dgm:styleLbl name="node3">
+    <dgm:fillClrLst meth="repeat">
+      <a:schemeClr val="accent1"/>
+    </dgm:fillClrLst>
+    <dgm:linClrLst meth="repeat">
+      <a:schemeClr val="lt1"/>
+    </dgm:linClrLst>
+    <dgm:effectClrLst/>
+    <dgm:txLinClrLst/>
+    <dgm:txFillClrLst/>
+    <dgm:txEffectClrLst/>
+  </dgm:styleLbl>
+  <dgm:styleLbl name="node4">
+    <dgm:fillClrLst meth="repeat">
+      <a:schemeClr val="accent1"/>
+    </dgm:fillClrLst>
+    <dgm:linClrLst meth="repeat">
+      <a:schemeClr val="lt1"/>
+    </dgm:linClrLst>
+    <dgm:effectClrLst/>
+    <dgm:txLinClrLst/>
+    <dgm:txFillClrLst/>
+    <dgm:txEffectClrLst/>
+  </dgm:styleLbl>
+  <dgm:styleLbl name="fgImgPlace1">
+    <dgm:fillClrLst meth="repeat">
+      <a:schemeClr val="accent1">
+        <a:tint val="50000"/>
+      </a:schemeClr>
+    </dgm:fillClrLst>
+    <dgm:linClrLst meth="repeat">
+      <a:schemeClr val="lt1"/>
+    </dgm:linClrLst>
+    <dgm:effectClrLst/>
+    <dgm:txLinClrLst/>
+    <dgm:txFillClrLst meth="repeat">
+      <a:schemeClr val="lt1"/>
+    </dgm:txFillClrLst>
+    <dgm:txEffectClrLst/>
+  </dgm:styleLbl>
+  <dgm:styleLbl name="alignImgPlace1">
+    <dgm:fillClrLst meth="repeat">
+      <a:schemeClr val="accent1">
+        <a:tint val="50000"/>
+      </a:schemeClr>
+    </dgm:fillClrLst>
+    <dgm:linClrLst meth="repeat">
+      <a:schemeClr val="lt1"/>
+    </dgm:linClrLst>
+    <dgm:effectClrLst/>
+    <dgm:txLinClrLst/>
+    <dgm:txFillClrLst meth="repeat">
+      <a:schemeClr val="lt1"/>
+    </dgm:txFillClrLst>
+    <dgm:txEffectClrLst/>
+  </dgm:styleLbl>
+  <dgm:styleLbl name="bgImgPlace1">
+    <dgm:fillClrLst meth="repeat">
+      <a:schemeClr val="accent1">
+        <a:tint val="50000"/>
+      </a:schemeClr>
+    </dgm:fillClrLst>
+    <dgm:linClrLst meth="repeat">
+      <a:schemeClr val="lt1"/>
+    </dgm:linClrLst>
+    <dgm:effectClrLst/>
+    <dgm:txLinClrLst/>
+    <dgm:txFillClrLst meth="repeat">
+      <a:schemeClr val="lt1"/>
+    </dgm:txFillClrLst>
+    <dgm:txEffectClrLst/>
+  </dgm:styleLbl>
+  <dgm:styleLbl name="sibTrans2D1">
+    <dgm:fillClrLst meth="repeat">
+      <a:schemeClr val="accent1">
+        <a:tint val="60000"/>
+      </a:schemeClr>
+    </dgm:fillClrLst>
+    <dgm:linClrLst meth="repeat">
+      <a:schemeClr val="accent1">
+        <a:tint val="60000"/>
+      </a:schemeClr>
+    </dgm:linClrLst>
+    <dgm:effectClrLst/>
+    <dgm:txLinClrLst/>
+    <dgm:txFillClrLst/>
+    <dgm:txEffectClrLst/>
+  </dgm:styleLbl>
+  <dgm:styleLbl name="fgSibTrans2D1">
+    <dgm:fillClrLst meth="repeat">
+      <a:schemeClr val="accent1">
+        <a:tint val="60000"/>
+      </a:schemeClr>
+    </dgm:fillClrLst>
+    <dgm:linClrLst meth="repeat">
+      <a:schemeClr val="accent1">
+        <a:tint val="60000"/>
+      </a:schemeClr>
+    </dgm:linClrLst>
+    <dgm:effectClrLst/>
+    <dgm:txLinClrLst/>
+    <dgm:txFillClrLst/>
+    <dgm:txEffectClrLst/>
+  </dgm:styleLbl>
+  <dgm:styleLbl name="bgSibTrans2D1">
+    <dgm:fillClrLst meth="repeat">
+      <a:schemeClr val="accent1">
+        <a:tint val="60000"/>
+      </a:schemeClr>
+    </dgm:fillClrLst>
+    <dgm:linClrLst meth="repeat">
+      <a:schemeClr val="accent1">
+        <a:tint val="60000"/>
+      </a:schemeClr>
+    </dgm:linClrLst>
+    <dgm:effectClrLst/>
+    <dgm:txLinClrLst/>
+    <dgm:txFillClrLst/>
+    <dgm:txEffectClrLst/>
+  </dgm:styleLbl>
+  <dgm:styleLbl name="sibTrans1D1">
+    <dgm:fillClrLst meth="repeat">
+      <a:schemeClr val="accent1"/>
+    </dgm:fillClrLst>
+    <dgm:linClrLst meth="repeat">
+      <a:schemeClr val="accent1"/>
+    </dgm:linClrLst>
+    <dgm:effectClrLst/>
+    <dgm:txLinClrLst/>
+    <dgm:txFillClrLst meth="repeat">
+      <a:schemeClr val="tx1"/>
+    </dgm:txFillClrLst>
+    <dgm:txEffectClrLst/>
+  </dgm:styleLbl>
+  <dgm:styleLbl name="callout">
+    <dgm:fillClrLst meth="repeat">
+      <a:schemeClr val="accent1"/>
+    </dgm:fillClrLst>
+    <dgm:linClrLst meth="repeat">
+      <a:schemeClr val="accent1">
+        <a:tint val="50000"/>
+      </a:schemeClr>
+    </dgm:linClrLst>
+    <dgm:effectClrLst/>
+    <dgm:txLinClrLst/>
+    <dgm:txFillClrLst meth="repeat">
+      <a:schemeClr val="tx1"/>
+    </dgm:txFillClrLst>
+    <dgm:txEffectClrLst/>
+  </dgm:styleLbl>
+  <dgm:styleLbl name="asst0">
+    <dgm:fillClrLst meth="repeat">
+      <a:schemeClr val="accent1"/>
+    </dgm:fillClrLst>
+    <dgm:linClrLst meth="repeat">
+      <a:schemeClr val="lt1"/>
+    </dgm:linClrLst>
+    <dgm:effectClrLst/>
+    <dgm:txLinClrLst/>
+    <dgm:txFillClrLst/>
+    <dgm:txEffectClrLst/>
+  </dgm:styleLbl>
+  <dgm:styleLbl name="asst1">
+    <dgm:fillClrLst meth="repeat">
+      <a:schemeClr val="accent1"/>
+    </dgm:fillClrLst>
+    <dgm:linClrLst meth="repeat">
+      <a:schemeClr val="lt1"/>
+    </dgm:linClrLst>
+    <dgm:effectClrLst/>
+    <dgm:txLinClrLst/>
+    <dgm:txFillClrLst/>
+    <dgm:txEffectClrLst/>
+  </dgm:styleLbl>
+  <dgm:styleLbl name="asst2">
+    <dgm:fillClrLst meth="repeat">
+      <a:schemeClr val="accent1"/>
+    </dgm:fillClrLst>
+    <dgm:linClrLst meth="repeat">
+      <a:schemeClr val="lt1"/>
+    </dgm:linClrLst>
+    <dgm:effectClrLst/>
+    <dgm:txLinClrLst/>
+    <dgm:txFillClrLst/>
+    <dgm:txEffectClrLst/>
+  </dgm:styleLbl>
+  <dgm:styleLbl name="asst3">
+    <dgm:fillClrLst meth="repeat">
+      <a:schemeClr val="accent1"/>
+    </dgm:fillClrLst>
+    <dgm:linClrLst meth="repeat">
+      <a:schemeClr val="lt1"/>
+    </dgm:linClrLst>
+    <dgm:effectClrLst/>
+    <dgm:txLinClrLst/>
+    <dgm:txFillClrLst/>
+    <dgm:txEffectClrLst/>
+  </dgm:styleLbl>
+  <dgm:styleLbl name="asst4">
+    <dgm:fillClrLst meth="repeat">
+      <a:schemeClr val="accent1"/>
+    </dgm:fillClrLst>
+    <dgm:linClrLst meth="repeat">
+      <a:schemeClr val="lt1"/>
+    </dgm:linClrLst>
+    <dgm:effectClrLst/>
+    <dgm:txLinClrLst/>
+    <dgm:txFillClrLst/>
+    <dgm:txEffectClrLst/>
+  </dgm:styleLbl>
+  <dgm:styleLbl name="parChTrans2D1">
+    <dgm:fillClrLst meth="repeat">
+      <a:schemeClr val="accent1">
+        <a:tint val="60000"/>
+      </a:schemeClr>
+    </dgm:fillClrLst>
+    <dgm:linClrLst meth="repeat">
+      <a:schemeClr val="accent1">
+        <a:tint val="60000"/>
+      </a:schemeClr>
+    </dgm:linClrLst>
+    <dgm:effectClrLst/>
+    <dgm:txLinClrLst/>
+    <dgm:txFillClrLst meth="repeat">
+      <a:schemeClr val="lt1"/>
+    </dgm:txFillClrLst>
+    <dgm:txEffectClrLst/>
+  </dgm:styleLbl>
+  <dgm:styleLbl name="parChTrans2D2">
+    <dgm:fillClrLst meth="repeat">
+      <a:schemeClr val="accent1"/>
+    </dgm:fillClrLst>
+    <dgm:linClrLst meth="repeat">
+      <a:schemeClr val="accent1"/>
+    </dgm:linClrLst>
+    <dgm:effectClrLst/>
+    <dgm:txLinClrLst/>
+    <dgm:txFillClrLst meth="repeat">
+      <a:schemeClr val="lt1"/>
+    </dgm:txFillClrLst>
+    <dgm:txEffectClrLst/>
+  </dgm:styleLbl>
+  <dgm:styleLbl name="parChTrans2D3">
+    <dgm:fillClrLst meth="repeat">
+      <a:schemeClr val="accent1"/>
+    </dgm:fillClrLst>
+    <dgm:linClrLst meth="repeat">
+      <a:schemeClr val="accent1"/>
+    </dgm:linClrLst>
+    <dgm:effectClrLst/>
+    <dgm:txLinClrLst/>
+    <dgm:txFillClrLst meth="repeat">
+      <a:schemeClr val="lt1"/>
+    </dgm:txFillClrLst>
+    <dgm:txEffectClrLst/>
+  </dgm:styleLbl>
+  <dgm:styleLbl name="parChTrans2D4">
+    <dgm:fillClrLst meth="repeat">
+      <a:schemeClr val="accent1"/>
+    </dgm:fillClrLst>
+    <dgm:linClrLst meth="repeat">
+      <a:schemeClr val="accent1"/>
+    </dgm:linClrLst>
+    <dgm:effectClrLst/>
+    <dgm:txLinClrLst/>
+    <dgm:txFillClrLst meth="repeat">
+      <a:schemeClr val="lt1"/>
+    </dgm:txFillClrLst>
+    <dgm:txEffectClrLst/>
+  </dgm:styleLbl>
+  <dgm:styleLbl name="parChTrans1D1">
+    <dgm:fillClrLst meth="repeat">
+      <a:schemeClr val="accent1"/>
+    </dgm:fillClrLst>
+    <dgm:linClrLst meth="repeat">
+      <a:schemeClr val="accent1">
+        <a:shade val="60000"/>
+      </a:schemeClr>
+    </dgm:linClrLst>
+    <dgm:effectClrLst/>
+    <dgm:txLinClrLst/>
+    <dgm:txFillClrLst meth="repeat">
+      <a:schemeClr val="tx1"/>
+    </dgm:txFillClrLst>
+    <dgm:txEffectClrLst/>
+  </dgm:styleLbl>
+  <dgm:styleLbl name="parChTrans1D2">
+    <dgm:fillClrLst meth="repeat">
+      <a:schemeClr val="accent1"/>
+    </dgm:fillClrLst>
+    <dgm:linClrLst meth="repeat">
+      <a:schemeClr val="accent1">
+        <a:shade val="60000"/>
+      </a:schemeClr>
+    </dgm:linClrLst>
+    <dgm:effectClrLst/>
+    <dgm:txLinClrLst/>
+    <dgm:txFillClrLst meth="repeat">
+      <a:schemeClr val="tx1"/>
+    </dgm:txFillClrLst>
+    <dgm:txEffectClrLst/>
+  </dgm:styleLbl>
+  <dgm:styleLbl name="parChTrans1D3">
+    <dgm:fillClrLst meth="repeat">
+      <a:schemeClr val="accent1"/>
+    </dgm:fillClrLst>
+    <dgm:linClrLst meth="repeat">
+      <a:schemeClr val="accent1">
+        <a:shade val="80000"/>
+      </a:schemeClr>
+    </dgm:linClrLst>
+    <dgm:effectClrLst/>
+    <dgm:txLinClrLst/>
+    <dgm:txFillClrLst meth="repeat">
+      <a:schemeClr val="tx1"/>
+    </dgm:txFillClrLst>
+    <dgm:txEffectClrLst/>
+  </dgm:styleLbl>
+  <dgm:styleLbl name="parChTrans1D4">
+    <dgm:fillClrLst meth="repeat">
+      <a:schemeClr val="accent1"/>
+    </dgm:fillClrLst>
+    <dgm:linClrLst meth="repeat">
+      <a:schemeClr val="accent1">
+        <a:shade val="80000"/>
+      </a:schemeClr>
+    </dgm:linClrLst>
+    <dgm:effectClrLst/>
+    <dgm:txLinClrLst/>
+    <dgm:txFillClrLst meth="repeat">
+      <a:schemeClr val="tx1"/>
+    </dgm:txFillClrLst>
+    <dgm:txEffectClrLst/>
+  </dgm:styleLbl>
+  <dgm:styleLbl name="fgAcc1">
+    <dgm:fillClrLst meth="repeat">
+      <a:schemeClr val="lt1">
+        <a:alpha val="90000"/>
+      </a:schemeClr>
+    </dgm:fillClrLst>
+    <dgm:linClrLst meth="repeat">
+      <a:schemeClr val="accent1"/>
+    </dgm:linClrLst>
+    <dgm:effectClrLst/>
+    <dgm:txLinClrLst/>
+    <dgm:txFillClrLst meth="repeat">
+      <a:schemeClr val="dk1"/>
+    </dgm:txFillClrLst>
+    <dgm:txEffectClrLst/>
+  </dgm:styleLbl>
+  <dgm:styleLbl name="conFgAcc1">
+    <dgm:fillClrLst meth="repeat">
+      <a:schemeClr val="lt1">
+        <a:alpha val="90000"/>
+      </a:schemeClr>
+    </dgm:fillClrLst>
+    <dgm:linClrLst meth="repeat">
+      <a:schemeClr val="accent1"/>
+    </dgm:linClrLst>
+    <dgm:effectClrLst/>
+    <dgm:txLinClrLst/>
+    <dgm:txFillClrLst meth="repeat">
+      <a:schemeClr val="dk1"/>
+    </dgm:txFillClrLst>
+    <dgm:txEffectClrLst/>
+  </dgm:styleLbl>
+  <dgm:styleLbl name="alignAcc1">
+    <dgm:fillClrLst meth="repeat">
+      <a:schemeClr val="lt1">
+        <a:alpha val="90000"/>
+      </a:schemeClr>
+    </dgm:fillClrLst>
+    <dgm:linClrLst meth="repeat">
+      <a:schemeClr val="accent1"/>
+    </dgm:linClrLst>
+    <dgm:effectClrLst/>
+    <dgm:txLinClrLst/>
+    <dgm:txFillClrLst meth="repeat">
+      <a:schemeClr val="dk1"/>
+    </dgm:txFillClrLst>
+    <dgm:txEffectClrLst/>
+  </dgm:styleLbl>
+  <dgm:styleLbl name="trAlignAcc1">
+    <dgm:fillClrLst meth="repeat">
+      <a:schemeClr val="lt1">
+        <a:alpha val="40000"/>
+      </a:schemeClr>
+    </dgm:fillClrLst>
+    <dgm:linClrLst meth="repeat">
+      <a:schemeClr val="accent1"/>
+    </dgm:linClrLst>
+    <dgm:effectClrLst/>
+    <dgm:txLinClrLst/>
+    <dgm:txFillClrLst meth="repeat">
+      <a:schemeClr val="dk1"/>
+    </dgm:txFillClrLst>
+    <dgm:txEffectClrLst/>
+  </dgm:styleLbl>
+  <dgm:styleLbl name="bgAcc1">
+    <dgm:fillClrLst meth="repeat">
+      <a:schemeClr val="lt1">
+        <a:alpha val="90000"/>
+      </a:schemeClr>
+    </dgm:fillClrLst>
+    <dgm:linClrLst meth="repeat">
+      <a:schemeClr val="accent1"/>
+    </dgm:linClrLst>
+    <dgm:effectClrLst/>
+    <dgm:txLinClrLst/>
+    <dgm:txFillClrLst meth="repeat">
+      <a:schemeClr val="dk1"/>
+    </dgm:txFillClrLst>
+    <dgm:txEffectClrLst/>
+  </dgm:styleLbl>
+  <dgm:styleLbl name="solidFgAcc1">
+    <dgm:fillClrLst meth="repeat">
+      <a:schemeClr val="lt1"/>
+    </dgm:fillClrLst>
+    <dgm:linClrLst meth="repeat">
+      <a:schemeClr val="accent1"/>
+    </dgm:linClrLst>
+    <dgm:effectClrLst/>
+    <dgm:txLinClrLst/>
+    <dgm:txFillClrLst meth="repeat">
+      <a:schemeClr val="dk1"/>
+    </dgm:txFillClrLst>
+    <dgm:txEffectClrLst/>
+  </dgm:styleLbl>
+  <dgm:styleLbl name="solidAlignAcc1">
+    <dgm:fillClrLst meth="repeat">
+      <a:schemeClr val="lt1"/>
+    </dgm:fillClrLst>
+    <dgm:linClrLst meth="repeat">
+      <a:schemeClr val="accent1"/>
+    </dgm:linClrLst>
+    <dgm:effectClrLst/>
+    <dgm:txLinClrLst/>
+    <dgm:txFillClrLst meth="repeat">
+      <a:schemeClr val="dk1"/>
+    </dgm:txFillClrLst>
+    <dgm:txEffectClrLst/>
+  </dgm:styleLbl>
+  <dgm:styleLbl name="solidBgAcc1">
+    <dgm:fillClrLst meth="repeat">
+      <a:schemeClr val="lt1"/>
+    </dgm:fillClrLst>
+    <dgm:linClrLst meth="repeat">
+      <a:schemeClr val="accent1"/>
+    </dgm:linClrLst>
+    <dgm:effectClrLst/>
+    <dgm:txLinClrLst/>
+    <dgm:txFillClrLst meth="repeat">
+      <a:schemeClr val="dk1"/>
+    </dgm:txFillClrLst>
+    <dgm:txEffectClrLst/>
+  </dgm:styleLbl>
+  <dgm:styleLbl name="fgAccFollowNode1">
+    <dgm:fillClrLst meth="repeat">
+      <a:schemeClr val="accent1">
+        <a:alpha val="90000"/>
+        <a:tint val="40000"/>
+      </a:schemeClr>
+    </dgm:fillClrLst>
+    <dgm:linClrLst meth="repeat">
+      <a:schemeClr val="accent1">
+        <a:alpha val="90000"/>
+        <a:tint val="40000"/>
+      </a:schemeClr>
+    </dgm:linClrLst>
+    <dgm:effectClrLst/>
+    <dgm:txLinClrLst/>
+    <dgm:txFillClrLst meth="repeat">
+      <a:schemeClr val="dk1"/>
+    </dgm:txFillClrLst>
+    <dgm:txEffectClrLst/>
+  </dgm:styleLbl>
+  <dgm:styleLbl name="alignAccFollowNode1">
+    <dgm:fillClrLst meth="repeat">
+      <a:schemeClr val="accent1">
+        <a:alpha val="90000"/>
+        <a:tint val="40000"/>
+      </a:schemeClr>
+    </dgm:fillClrLst>
+    <dgm:linClrLst meth="repeat">
+      <a:schemeClr val="accent1">
+        <a:alpha val="90000"/>
+        <a:tint val="40000"/>
+      </a:schemeClr>
+    </dgm:linClrLst>
+    <dgm:effectClrLst/>
+    <dgm:txLinClrLst/>
+    <dgm:txFillClrLst meth="repeat">
+      <a:schemeClr val="dk1"/>
+    </dgm:txFillClrLst>
+    <dgm:txEffectClrLst/>
+  </dgm:styleLbl>
+  <dgm:styleLbl name="bgAccFollowNode1">
+    <dgm:fillClrLst meth="repeat">
+      <a:schemeClr val="accent1">
+        <a:alpha val="90000"/>
+        <a:tint val="40000"/>
+      </a:schemeClr>
+    </dgm:fillClrLst>
+    <dgm:linClrLst meth="repeat">
+      <a:schemeClr val="accent1">
+        <a:alpha val="90000"/>
+        <a:tint val="40000"/>
+      </a:schemeClr>
+    </dgm:linClrLst>
+    <dgm:effectClrLst/>
+    <dgm:txLinClrLst/>
+    <dgm:txFillClrLst meth="repeat">
+      <a:schemeClr val="dk1"/>
+    </dgm:txFillClrLst>
+    <dgm:txEffectClrLst/>
+  </dgm:styleLbl>
+  <dgm:styleLbl name="fgAcc0">
+    <dgm:fillClrLst meth="repeat">
+      <a:schemeClr val="lt1">
+        <a:alpha val="90000"/>
+      </a:schemeClr>
+    </dgm:fillClrLst>
+    <dgm:linClrLst meth="repeat">
+      <a:schemeClr val="accent1"/>
+    </dgm:linClrLst>
+    <dgm:effectClrLst/>
+    <dgm:txLinClrLst/>
+    <dgm:txFillClrLst meth="repeat">
+      <a:schemeClr val="dk1"/>
+    </dgm:txFillClrLst>
+    <dgm:txEffectClrLst/>
+  </dgm:styleLbl>
+  <dgm:styleLbl name="fgAcc2">
+    <dgm:fillClrLst meth="repeat">
+      <a:schemeClr val="lt1">
+        <a:alpha val="90000"/>
+      </a:schemeClr>
+    </dgm:fillClrLst>
+    <dgm:linClrLst meth="repeat">
+      <a:schemeClr val="accent1"/>
+    </dgm:linClrLst>
+    <dgm:effectClrLst/>
+    <dgm:txLinClrLst/>
+    <dgm:txFillClrLst meth="repeat">
+      <a:schemeClr val="dk1"/>
+    </dgm:txFillClrLst>
+    <dgm:txEffectClrLst/>
+  </dgm:styleLbl>
+  <dgm:styleLbl name="fgAcc3">
+    <dgm:fillClrLst meth="repeat">
+      <a:schemeClr val="lt1">
+        <a:alpha val="90000"/>
+      </a:schemeClr>
+    </dgm:fillClrLst>
+    <dgm:linClrLst meth="repeat">
+      <a:schemeClr val="accent1"/>
+    </dgm:linClrLst>
+    <dgm:effectClrLst/>
+    <dgm:txLinClrLst/>
+    <dgm:txFillClrLst meth="repeat">
+      <a:schemeClr val="dk1"/>
+    </dgm:txFillClrLst>
+    <dgm:txEffectClrLst/>
+  </dgm:styleLbl>
+  <dgm:styleLbl name="fgAcc4">
+    <dgm:fillClrLst meth="repeat">
+      <a:schemeClr val="lt1">
+        <a:alpha val="90000"/>
+      </a:schemeClr>
+    </dgm:fillClrLst>
+    <dgm:linClrLst meth="repeat">
+      <a:schemeClr val="accent1"/>
+    </dgm:linClrLst>
+    <dgm:effectClrLst/>
+    <dgm:txLinClrLst/>
+    <dgm:txFillClrLst meth="repeat">
+      <a:schemeClr val="dk1"/>
+    </dgm:txFillClrLst>
+    <dgm:txEffectClrLst/>
+  </dgm:styleLbl>
+  <dgm:styleLbl name="bgShp">
+    <dgm:fillClrLst meth="repeat">
+      <a:schemeClr val="accent1">
+        <a:tint val="40000"/>
+      </a:schemeClr>
+    </dgm:fillClrLst>
+    <dgm:linClrLst meth="repeat">
+      <a:schemeClr val="accent1"/>
+    </dgm:linClrLst>
+    <dgm:effectClrLst/>
+    <dgm:txLinClrLst/>
+    <dgm:txFillClrLst meth="repeat">
+      <a:schemeClr val="dk1"/>
+    </dgm:txFillClrLst>
+    <dgm:txEffectClrLst/>
+  </dgm:styleLbl>
+  <dgm:styleLbl name="dkBgShp">
+    <dgm:fillClrLst meth="repeat">
+      <a:schemeClr val="accent1">
+        <a:shade val="80000"/>
+      </a:schemeClr>
+    </dgm:fillClrLst>
+    <dgm:linClrLst meth="repeat">
+      <a:schemeClr val="accent1"/>
+    </dgm:linClrLst>
+    <dgm:effectClrLst/>
+    <dgm:txLinClrLst/>
+    <dgm:txFillClrLst meth="repeat">
+      <a:schemeClr val="lt1"/>
+    </dgm:txFillClrLst>
+    <dgm:txEffectClrLst/>
+  </dgm:styleLbl>
+  <dgm:styleLbl name="trBgShp">
+    <dgm:fillClrLst meth="repeat">
+      <a:schemeClr val="accent1">
+        <a:tint val="50000"/>
+        <a:alpha val="40000"/>
+      </a:schemeClr>
+    </dgm:fillClrLst>
+    <dgm:linClrLst meth="repeat">
+      <a:schemeClr val="accent1"/>
+    </dgm:linClrLst>
+    <dgm:effectClrLst/>
+    <dgm:txLinClrLst/>
+    <dgm:txFillClrLst meth="repeat">
+      <a:schemeClr val="lt1"/>
+    </dgm:txFillClrLst>
+    <dgm:txEffectClrLst/>
+  </dgm:styleLbl>
+  <dgm:styleLbl name="fgShp">
+    <dgm:fillClrLst meth="repeat">
+      <a:schemeClr val="accent1">
+        <a:tint val="60000"/>
+      </a:schemeClr>
+    </dgm:fillClrLst>
+    <dgm:linClrLst meth="repeat">
+      <a:schemeClr val="lt1"/>
+    </dgm:linClrLst>
+    <dgm:effectClrLst/>
+    <dgm:txLinClrLst/>
+    <dgm:txFillClrLst meth="repeat">
+      <a:schemeClr val="dk1"/>
+    </dgm:txFillClrLst>
+    <dgm:txEffectClrLst/>
+  </dgm:styleLbl>
+  <dgm:styleLbl name="revTx">
+    <dgm:fillClrLst meth="repeat">
+      <a:schemeClr val="lt1">
+        <a:alpha val="0"/>
+      </a:schemeClr>
+    </dgm:fillClrLst>
+    <dgm:linClrLst meth="repeat">
+      <a:schemeClr val="dk1">
+        <a:alpha val="0"/>
+      </a:schemeClr>
+    </dgm:linClrLst>
+    <dgm:effectClrLst/>
+    <dgm:txLinClrLst/>
+    <dgm:txFillClrLst meth="repeat">
+      <a:schemeClr val="tx1"/>
+    </dgm:txFillClrLst>
+    <dgm:txEffectClrLst/>
+  </dgm:styleLbl>
+</dgm:colorsDef>
+</file>
+
+<file path=ppt/diagrams/colors2.xml><?xml version="1.0" encoding="utf-8"?>
 <dgm:colorsDef xmlns:dgm="http://schemas.openxmlformats.org/drawingml/2006/diagram" xmlns:a="http://schemas.openxmlformats.org/drawingml/2006/main" uniqueId="urn:microsoft.com/office/officeart/2005/8/colors/colorful1">
   <dgm:title val=""/>
   <dgm:desc val=""/>
@@ -2045,6 +2788,774 @@
 </file>
 
 <file path=ppt/diagrams/data1.xml><?xml version="1.0" encoding="utf-8"?>
+<dgm:dataModel xmlns:dgm="http://schemas.openxmlformats.org/drawingml/2006/diagram" xmlns:a="http://schemas.openxmlformats.org/drawingml/2006/main">
+  <dgm:ptLst>
+    <dgm:pt modelId="{47FBA17D-7D02-1E44-A2F8-24C73272B7C9}" type="doc">
+      <dgm:prSet loTypeId="urn:microsoft.com/office/officeart/2005/8/layout/orgChart1" loCatId="relationship" qsTypeId="urn:microsoft.com/office/officeart/2005/8/quickstyle/simple1" qsCatId="simple" csTypeId="urn:microsoft.com/office/officeart/2005/8/colors/accent1_2" csCatId="accent1" phldr="1"/>
+      <dgm:spPr/>
+      <dgm:t>
+        <a:bodyPr/>
+        <a:lstStyle/>
+        <a:p>
+          <a:endParaRPr lang="en-US"/>
+        </a:p>
+      </dgm:t>
+    </dgm:pt>
+    <dgm:pt modelId="{6F559577-26D4-D840-8329-CD97802ED89B}">
+      <dgm:prSet phldrT="[Text]"/>
+      <dgm:spPr>
+        <a:solidFill>
+          <a:schemeClr val="accent2"/>
+        </a:solidFill>
+      </dgm:spPr>
+      <dgm:t>
+        <a:bodyPr/>
+        <a:lstStyle/>
+        <a:p>
+          <a:r>
+            <a:rPr lang="en-US" dirty="0" smtClean="0"/>
+            <a:t>Scrape</a:t>
+          </a:r>
+          <a:endParaRPr lang="en-US" dirty="0"/>
+        </a:p>
+      </dgm:t>
+    </dgm:pt>
+    <dgm:pt modelId="{72104BAD-1068-254E-9FA0-1CC9502B2510}" type="parTrans" cxnId="{6CAA8BDF-E544-984D-8AE0-E4C66F7183C9}">
+      <dgm:prSet/>
+      <dgm:spPr/>
+      <dgm:t>
+        <a:bodyPr/>
+        <a:lstStyle/>
+        <a:p>
+          <a:endParaRPr lang="en-US"/>
+        </a:p>
+      </dgm:t>
+    </dgm:pt>
+    <dgm:pt modelId="{11B15AC2-1100-FD48-8EED-18282A956708}" type="sibTrans" cxnId="{6CAA8BDF-E544-984D-8AE0-E4C66F7183C9}">
+      <dgm:prSet/>
+      <dgm:spPr/>
+      <dgm:t>
+        <a:bodyPr/>
+        <a:lstStyle/>
+        <a:p>
+          <a:endParaRPr lang="en-US"/>
+        </a:p>
+      </dgm:t>
+    </dgm:pt>
+    <dgm:pt modelId="{15ED5F46-58B4-4E4D-A862-8F6F6B5B43B8}">
+      <dgm:prSet/>
+      <dgm:spPr>
+        <a:solidFill>
+          <a:schemeClr val="accent3"/>
+        </a:solidFill>
+      </dgm:spPr>
+      <dgm:t>
+        <a:bodyPr/>
+        <a:lstStyle/>
+        <a:p>
+          <a:r>
+            <a:rPr lang="en-US" dirty="0" smtClean="0"/>
+            <a:t>Clean and Prep</a:t>
+          </a:r>
+          <a:endParaRPr lang="en-US" dirty="0"/>
+        </a:p>
+      </dgm:t>
+    </dgm:pt>
+    <dgm:pt modelId="{DC9B3EF4-D7C3-A04E-A9EC-F98B8A79BF14}" type="parTrans" cxnId="{8D78FAA1-529B-164E-8692-1F88E7D3C147}">
+      <dgm:prSet/>
+      <dgm:spPr/>
+      <dgm:t>
+        <a:bodyPr/>
+        <a:lstStyle/>
+        <a:p>
+          <a:endParaRPr lang="en-US"/>
+        </a:p>
+      </dgm:t>
+    </dgm:pt>
+    <dgm:pt modelId="{31038F53-8288-9541-898E-16E12D6B5AA6}" type="sibTrans" cxnId="{8D78FAA1-529B-164E-8692-1F88E7D3C147}">
+      <dgm:prSet/>
+      <dgm:spPr/>
+      <dgm:t>
+        <a:bodyPr/>
+        <a:lstStyle/>
+        <a:p>
+          <a:endParaRPr lang="en-US"/>
+        </a:p>
+      </dgm:t>
+    </dgm:pt>
+    <dgm:pt modelId="{734F2258-539F-784C-A6F2-29A2FD807C32}">
+      <dgm:prSet/>
+      <dgm:spPr/>
+      <dgm:t>
+        <a:bodyPr/>
+        <a:lstStyle/>
+        <a:p>
+          <a:r>
+            <a:rPr lang="en-US" dirty="0" smtClean="0"/>
+            <a:t>Divide Scrape into N-Gram Phrases</a:t>
+          </a:r>
+          <a:endParaRPr lang="en-US" dirty="0"/>
+        </a:p>
+      </dgm:t>
+    </dgm:pt>
+    <dgm:pt modelId="{1DB6AB30-B906-6041-B196-971267A44D97}" type="parTrans" cxnId="{FB2240F0-D960-AA47-8CC4-3497A176CBFB}">
+      <dgm:prSet/>
+      <dgm:spPr/>
+      <dgm:t>
+        <a:bodyPr/>
+        <a:lstStyle/>
+        <a:p>
+          <a:endParaRPr lang="en-US"/>
+        </a:p>
+      </dgm:t>
+    </dgm:pt>
+    <dgm:pt modelId="{3A13E5BB-9221-8948-ADC3-4C80EDA68E86}" type="sibTrans" cxnId="{FB2240F0-D960-AA47-8CC4-3497A176CBFB}">
+      <dgm:prSet/>
+      <dgm:spPr/>
+      <dgm:t>
+        <a:bodyPr/>
+        <a:lstStyle/>
+        <a:p>
+          <a:endParaRPr lang="en-US"/>
+        </a:p>
+      </dgm:t>
+    </dgm:pt>
+    <dgm:pt modelId="{4340EE3D-2976-AC48-A6CA-193E7C6EC31D}">
+      <dgm:prSet/>
+      <dgm:spPr/>
+      <dgm:t>
+        <a:bodyPr/>
+        <a:lstStyle/>
+        <a:p>
+          <a:r>
+            <a:rPr lang="en-US" dirty="0" smtClean="0"/>
+            <a:t>Pull Skills from DB</a:t>
+          </a:r>
+          <a:endParaRPr lang="en-US" dirty="0"/>
+        </a:p>
+      </dgm:t>
+    </dgm:pt>
+    <dgm:pt modelId="{DDEBE4FE-75B8-014C-B09F-7B979B50FD36}" type="parTrans" cxnId="{8617AA42-C249-2843-9344-1F111C3B53B4}">
+      <dgm:prSet/>
+      <dgm:spPr/>
+      <dgm:t>
+        <a:bodyPr/>
+        <a:lstStyle/>
+        <a:p>
+          <a:endParaRPr lang="en-US"/>
+        </a:p>
+      </dgm:t>
+    </dgm:pt>
+    <dgm:pt modelId="{96874AE5-A1B7-A949-AB56-9AECD1BD45A3}" type="sibTrans" cxnId="{8617AA42-C249-2843-9344-1F111C3B53B4}">
+      <dgm:prSet/>
+      <dgm:spPr/>
+      <dgm:t>
+        <a:bodyPr/>
+        <a:lstStyle/>
+        <a:p>
+          <a:endParaRPr lang="en-US"/>
+        </a:p>
+      </dgm:t>
+    </dgm:pt>
+    <dgm:pt modelId="{818DA14D-68FF-DF41-A0CC-BBD1F8CA3F9C}">
+      <dgm:prSet/>
+      <dgm:spPr/>
+      <dgm:t>
+        <a:bodyPr/>
+        <a:lstStyle/>
+        <a:p>
+          <a:r>
+            <a:rPr lang="en-US" dirty="0" smtClean="0"/>
+            <a:t>Count Frequency of N-Grams </a:t>
+          </a:r>
+          <a:endParaRPr lang="en-US" dirty="0"/>
+        </a:p>
+      </dgm:t>
+    </dgm:pt>
+    <dgm:pt modelId="{41464378-7671-154E-91AB-4DF0929E96CE}" type="parTrans" cxnId="{7CA8E356-F7A6-ED45-8E5C-5F96E11DB4C1}">
+      <dgm:prSet/>
+      <dgm:spPr/>
+      <dgm:t>
+        <a:bodyPr/>
+        <a:lstStyle/>
+        <a:p>
+          <a:endParaRPr lang="en-US"/>
+        </a:p>
+      </dgm:t>
+    </dgm:pt>
+    <dgm:pt modelId="{D87732E4-BD32-9D4B-8ACC-D7CB888BE6B9}" type="sibTrans" cxnId="{7CA8E356-F7A6-ED45-8E5C-5F96E11DB4C1}">
+      <dgm:prSet/>
+      <dgm:spPr/>
+      <dgm:t>
+        <a:bodyPr/>
+        <a:lstStyle/>
+        <a:p>
+          <a:endParaRPr lang="en-US"/>
+        </a:p>
+      </dgm:t>
+    </dgm:pt>
+    <dgm:pt modelId="{4D393CCB-0393-3F4C-8340-CBB9510F2ABC}">
+      <dgm:prSet/>
+      <dgm:spPr/>
+      <dgm:t>
+        <a:bodyPr/>
+        <a:lstStyle/>
+        <a:p>
+          <a:r>
+            <a:rPr lang="en-US" dirty="0" smtClean="0"/>
+            <a:t>Count Frequency of  Skill </a:t>
+          </a:r>
+          <a:r>
+            <a:rPr lang="en-US" dirty="0" err="1" smtClean="0"/>
+            <a:t>Occurences</a:t>
+          </a:r>
+          <a:endParaRPr lang="en-US" dirty="0"/>
+        </a:p>
+      </dgm:t>
+    </dgm:pt>
+    <dgm:pt modelId="{278C195B-5124-6B48-BB2C-B0EC3153866B}" type="parTrans" cxnId="{5DA47162-2389-1745-91AB-E96CF9B3B099}">
+      <dgm:prSet/>
+      <dgm:spPr/>
+      <dgm:t>
+        <a:bodyPr/>
+        <a:lstStyle/>
+        <a:p>
+          <a:endParaRPr lang="en-US"/>
+        </a:p>
+      </dgm:t>
+    </dgm:pt>
+    <dgm:pt modelId="{E8BBF6AE-895D-1E41-B30F-B728104F1279}" type="sibTrans" cxnId="{5DA47162-2389-1745-91AB-E96CF9B3B099}">
+      <dgm:prSet/>
+      <dgm:spPr/>
+      <dgm:t>
+        <a:bodyPr/>
+        <a:lstStyle/>
+        <a:p>
+          <a:endParaRPr lang="en-US"/>
+        </a:p>
+      </dgm:t>
+    </dgm:pt>
+    <dgm:pt modelId="{AF909E58-3364-614E-BF02-8785928119F4}">
+      <dgm:prSet/>
+      <dgm:spPr/>
+      <dgm:t>
+        <a:bodyPr/>
+        <a:lstStyle/>
+        <a:p>
+          <a:r>
+            <a:rPr lang="en-US" dirty="0" smtClean="0"/>
+            <a:t>Return top 1000 results</a:t>
+          </a:r>
+          <a:endParaRPr lang="en-US" dirty="0"/>
+        </a:p>
+      </dgm:t>
+    </dgm:pt>
+    <dgm:pt modelId="{DF4A3C4A-4D42-DE4E-BB0F-253BF02B6480}" type="sibTrans" cxnId="{07464372-39C0-534A-86EA-08FA2F321EB8}">
+      <dgm:prSet/>
+      <dgm:spPr/>
+      <dgm:t>
+        <a:bodyPr/>
+        <a:lstStyle/>
+        <a:p>
+          <a:endParaRPr lang="en-US"/>
+        </a:p>
+      </dgm:t>
+    </dgm:pt>
+    <dgm:pt modelId="{2945C722-C200-5346-807B-70EB47B06B78}" type="parTrans" cxnId="{07464372-39C0-534A-86EA-08FA2F321EB8}">
+      <dgm:prSet/>
+      <dgm:spPr/>
+      <dgm:t>
+        <a:bodyPr/>
+        <a:lstStyle/>
+        <a:p>
+          <a:endParaRPr lang="en-US"/>
+        </a:p>
+      </dgm:t>
+    </dgm:pt>
+    <dgm:pt modelId="{AA42F50E-B828-7249-ACED-4EAEE1CF602C}">
+      <dgm:prSet/>
+      <dgm:spPr/>
+      <dgm:t>
+        <a:bodyPr/>
+        <a:lstStyle/>
+        <a:p>
+          <a:r>
+            <a:rPr lang="en-US" dirty="0" smtClean="0"/>
+            <a:t>Cluster Analysis</a:t>
+          </a:r>
+          <a:endParaRPr lang="en-US" dirty="0"/>
+        </a:p>
+      </dgm:t>
+    </dgm:pt>
+    <dgm:pt modelId="{C657F7F3-E5E1-CC4E-8228-FE9500F5B145}" type="parTrans" cxnId="{681E236A-FB56-7845-872D-47F0C7B9EF72}">
+      <dgm:prSet/>
+      <dgm:spPr/>
+      <dgm:t>
+        <a:bodyPr/>
+        <a:lstStyle/>
+        <a:p>
+          <a:endParaRPr lang="en-US"/>
+        </a:p>
+      </dgm:t>
+    </dgm:pt>
+    <dgm:pt modelId="{FA76041A-C636-F74E-B9D2-478E6A634625}" type="sibTrans" cxnId="{681E236A-FB56-7845-872D-47F0C7B9EF72}">
+      <dgm:prSet/>
+      <dgm:spPr/>
+      <dgm:t>
+        <a:bodyPr/>
+        <a:lstStyle/>
+        <a:p>
+          <a:endParaRPr lang="en-US"/>
+        </a:p>
+      </dgm:t>
+    </dgm:pt>
+    <dgm:pt modelId="{1758C973-8892-6241-A3A5-9E66F72C3BE2}" type="pres">
+      <dgm:prSet presAssocID="{47FBA17D-7D02-1E44-A2F8-24C73272B7C9}" presName="hierChild1" presStyleCnt="0">
+        <dgm:presLayoutVars>
+          <dgm:orgChart val="1"/>
+          <dgm:chPref val="1"/>
+          <dgm:dir val="rev"/>
+          <dgm:animOne val="branch"/>
+          <dgm:animLvl val="lvl"/>
+          <dgm:resizeHandles/>
+        </dgm:presLayoutVars>
+      </dgm:prSet>
+      <dgm:spPr/>
+    </dgm:pt>
+    <dgm:pt modelId="{4EA1EFF2-F26C-7D43-8426-2C09814D430C}" type="pres">
+      <dgm:prSet presAssocID="{6F559577-26D4-D840-8329-CD97802ED89B}" presName="hierRoot1" presStyleCnt="0">
+        <dgm:presLayoutVars>
+          <dgm:hierBranch val="init"/>
+        </dgm:presLayoutVars>
+      </dgm:prSet>
+      <dgm:spPr/>
+    </dgm:pt>
+    <dgm:pt modelId="{0558BFA7-659B-B042-AA52-CB2299BBD727}" type="pres">
+      <dgm:prSet presAssocID="{6F559577-26D4-D840-8329-CD97802ED89B}" presName="rootComposite1" presStyleCnt="0"/>
+      <dgm:spPr/>
+    </dgm:pt>
+    <dgm:pt modelId="{36A46D40-416A-4E4D-A486-5F99E8533230}" type="pres">
+      <dgm:prSet presAssocID="{6F559577-26D4-D840-8329-CD97802ED89B}" presName="rootText1" presStyleLbl="node0" presStyleIdx="0" presStyleCnt="1" custLinFactNeighborX="-2266">
+        <dgm:presLayoutVars>
+          <dgm:chPref val="3"/>
+        </dgm:presLayoutVars>
+      </dgm:prSet>
+      <dgm:spPr/>
+      <dgm:t>
+        <a:bodyPr/>
+        <a:lstStyle/>
+        <a:p>
+          <a:endParaRPr lang="en-US"/>
+        </a:p>
+      </dgm:t>
+    </dgm:pt>
+    <dgm:pt modelId="{D10F930F-259B-9D4C-9FDD-B1F77E991C9F}" type="pres">
+      <dgm:prSet presAssocID="{6F559577-26D4-D840-8329-CD97802ED89B}" presName="rootConnector1" presStyleLbl="node1" presStyleIdx="0" presStyleCnt="0"/>
+      <dgm:spPr/>
+    </dgm:pt>
+    <dgm:pt modelId="{86E1DEA9-286E-144E-98F4-3146945D39D2}" type="pres">
+      <dgm:prSet presAssocID="{6F559577-26D4-D840-8329-CD97802ED89B}" presName="hierChild2" presStyleCnt="0"/>
+      <dgm:spPr/>
+    </dgm:pt>
+    <dgm:pt modelId="{00CEC982-89CB-F046-A8AE-61375C62D667}" type="pres">
+      <dgm:prSet presAssocID="{DC9B3EF4-D7C3-A04E-A9EC-F98B8A79BF14}" presName="Name37" presStyleLbl="parChTrans1D2" presStyleIdx="0" presStyleCnt="1"/>
+      <dgm:spPr/>
+    </dgm:pt>
+    <dgm:pt modelId="{6306B431-ED79-2E41-AEE2-C717E10E7FD0}" type="pres">
+      <dgm:prSet presAssocID="{15ED5F46-58B4-4E4D-A862-8F6F6B5B43B8}" presName="hierRoot2" presStyleCnt="0">
+        <dgm:presLayoutVars>
+          <dgm:hierBranch val="init"/>
+        </dgm:presLayoutVars>
+      </dgm:prSet>
+      <dgm:spPr/>
+    </dgm:pt>
+    <dgm:pt modelId="{D773463E-84E4-E542-B127-D99502ACAC2E}" type="pres">
+      <dgm:prSet presAssocID="{15ED5F46-58B4-4E4D-A862-8F6F6B5B43B8}" presName="rootComposite" presStyleCnt="0"/>
+      <dgm:spPr/>
+    </dgm:pt>
+    <dgm:pt modelId="{A48AC822-9A16-5A48-9818-2B50159E8E6E}" type="pres">
+      <dgm:prSet presAssocID="{15ED5F46-58B4-4E4D-A862-8F6F6B5B43B8}" presName="rootText" presStyleLbl="node2" presStyleIdx="0" presStyleCnt="1" custLinFactNeighborX="-1070" custLinFactNeighborY="-23012">
+        <dgm:presLayoutVars>
+          <dgm:chPref val="3"/>
+        </dgm:presLayoutVars>
+      </dgm:prSet>
+      <dgm:spPr/>
+    </dgm:pt>
+    <dgm:pt modelId="{B92E8694-9CC0-1945-AF6C-F4F74699ADA4}" type="pres">
+      <dgm:prSet presAssocID="{15ED5F46-58B4-4E4D-A862-8F6F6B5B43B8}" presName="rootConnector" presStyleLbl="node2" presStyleIdx="0" presStyleCnt="1"/>
+      <dgm:spPr/>
+    </dgm:pt>
+    <dgm:pt modelId="{63C04A9E-67AC-4A47-B877-90BF2EAF1641}" type="pres">
+      <dgm:prSet presAssocID="{15ED5F46-58B4-4E4D-A862-8F6F6B5B43B8}" presName="hierChild4" presStyleCnt="0"/>
+      <dgm:spPr/>
+    </dgm:pt>
+    <dgm:pt modelId="{DBD58A68-F34B-8047-9BD8-42CD58FF52EB}" type="pres">
+      <dgm:prSet presAssocID="{1DB6AB30-B906-6041-B196-971267A44D97}" presName="Name37" presStyleLbl="parChTrans1D3" presStyleIdx="0" presStyleCnt="2"/>
+      <dgm:spPr/>
+    </dgm:pt>
+    <dgm:pt modelId="{4EBF51D1-5DDA-1B49-84EB-1935760792B6}" type="pres">
+      <dgm:prSet presAssocID="{734F2258-539F-784C-A6F2-29A2FD807C32}" presName="hierRoot2" presStyleCnt="0">
+        <dgm:presLayoutVars>
+          <dgm:hierBranch val="init"/>
+        </dgm:presLayoutVars>
+      </dgm:prSet>
+      <dgm:spPr/>
+    </dgm:pt>
+    <dgm:pt modelId="{0B7C4209-F44F-A04B-9020-AA6130C69994}" type="pres">
+      <dgm:prSet presAssocID="{734F2258-539F-784C-A6F2-29A2FD807C32}" presName="rootComposite" presStyleCnt="0"/>
+      <dgm:spPr/>
+    </dgm:pt>
+    <dgm:pt modelId="{D83036E6-9068-7A4E-9CF1-227A3EB7B3E2}" type="pres">
+      <dgm:prSet presAssocID="{734F2258-539F-784C-A6F2-29A2FD807C32}" presName="rootText" presStyleLbl="node3" presStyleIdx="0" presStyleCnt="2" custScaleX="129957" custScaleY="105188" custLinFactX="40460" custLinFactNeighborX="100000" custLinFactNeighborY="3509">
+        <dgm:presLayoutVars>
+          <dgm:chPref val="3"/>
+        </dgm:presLayoutVars>
+      </dgm:prSet>
+      <dgm:spPr/>
+      <dgm:t>
+        <a:bodyPr/>
+        <a:lstStyle/>
+        <a:p>
+          <a:endParaRPr lang="en-US"/>
+        </a:p>
+      </dgm:t>
+    </dgm:pt>
+    <dgm:pt modelId="{B84C0DA2-E0F2-D84F-BF94-98D2BFB1A0CE}" type="pres">
+      <dgm:prSet presAssocID="{734F2258-539F-784C-A6F2-29A2FD807C32}" presName="rootConnector" presStyleLbl="node3" presStyleIdx="0" presStyleCnt="2"/>
+      <dgm:spPr/>
+    </dgm:pt>
+    <dgm:pt modelId="{8EE9BC68-8E24-EA46-A675-95FB256D90B0}" type="pres">
+      <dgm:prSet presAssocID="{734F2258-539F-784C-A6F2-29A2FD807C32}" presName="hierChild4" presStyleCnt="0"/>
+      <dgm:spPr/>
+    </dgm:pt>
+    <dgm:pt modelId="{046A05AA-D058-DD4D-BB7A-8A15AAA3C24D}" type="pres">
+      <dgm:prSet presAssocID="{41464378-7671-154E-91AB-4DF0929E96CE}" presName="Name37" presStyleLbl="parChTrans1D4" presStyleIdx="0" presStyleCnt="4"/>
+      <dgm:spPr/>
+    </dgm:pt>
+    <dgm:pt modelId="{9EE5F7E4-0789-4044-A729-9BF5987135AB}" type="pres">
+      <dgm:prSet presAssocID="{818DA14D-68FF-DF41-A0CC-BBD1F8CA3F9C}" presName="hierRoot2" presStyleCnt="0">
+        <dgm:presLayoutVars>
+          <dgm:hierBranch val="init"/>
+        </dgm:presLayoutVars>
+      </dgm:prSet>
+      <dgm:spPr/>
+    </dgm:pt>
+    <dgm:pt modelId="{4C614453-0C03-384D-996E-ECBD92A3EF99}" type="pres">
+      <dgm:prSet presAssocID="{818DA14D-68FF-DF41-A0CC-BBD1F8CA3F9C}" presName="rootComposite" presStyleCnt="0"/>
+      <dgm:spPr/>
+    </dgm:pt>
+    <dgm:pt modelId="{357C2C2C-2BEB-9F4B-B506-9734E962C2D5}" type="pres">
+      <dgm:prSet presAssocID="{818DA14D-68FF-DF41-A0CC-BBD1F8CA3F9C}" presName="rootText" presStyleLbl="node4" presStyleIdx="0" presStyleCnt="4" custScaleX="129598" custScaleY="104157" custLinFactX="40139" custLinFactNeighborX="100000" custLinFactNeighborY="5372">
+        <dgm:presLayoutVars>
+          <dgm:chPref val="3"/>
+        </dgm:presLayoutVars>
+      </dgm:prSet>
+      <dgm:spPr/>
+      <dgm:t>
+        <a:bodyPr/>
+        <a:lstStyle/>
+        <a:p>
+          <a:endParaRPr lang="en-US"/>
+        </a:p>
+      </dgm:t>
+    </dgm:pt>
+    <dgm:pt modelId="{F9DC968D-D51B-7648-8171-086B0764B3E1}" type="pres">
+      <dgm:prSet presAssocID="{818DA14D-68FF-DF41-A0CC-BBD1F8CA3F9C}" presName="rootConnector" presStyleLbl="node4" presStyleIdx="0" presStyleCnt="4"/>
+      <dgm:spPr/>
+    </dgm:pt>
+    <dgm:pt modelId="{596A388D-60A9-6946-92A1-0CEB24B6649B}" type="pres">
+      <dgm:prSet presAssocID="{818DA14D-68FF-DF41-A0CC-BBD1F8CA3F9C}" presName="hierChild4" presStyleCnt="0"/>
+      <dgm:spPr/>
+    </dgm:pt>
+    <dgm:pt modelId="{53D609EF-45C5-614D-90A2-E34254B6A812}" type="pres">
+      <dgm:prSet presAssocID="{2945C722-C200-5346-807B-70EB47B06B78}" presName="Name37" presStyleLbl="parChTrans1D4" presStyleIdx="1" presStyleCnt="4"/>
+      <dgm:spPr/>
+    </dgm:pt>
+    <dgm:pt modelId="{C8609417-2A5E-1348-AF7F-345FCE84BB6E}" type="pres">
+      <dgm:prSet presAssocID="{AF909E58-3364-614E-BF02-8785928119F4}" presName="hierRoot2" presStyleCnt="0">
+        <dgm:presLayoutVars>
+          <dgm:hierBranch val="init"/>
+        </dgm:presLayoutVars>
+      </dgm:prSet>
+      <dgm:spPr/>
+    </dgm:pt>
+    <dgm:pt modelId="{0E4D4703-0DAA-FD43-B524-32CF62BF94D1}" type="pres">
+      <dgm:prSet presAssocID="{AF909E58-3364-614E-BF02-8785928119F4}" presName="rootComposite" presStyleCnt="0"/>
+      <dgm:spPr/>
+    </dgm:pt>
+    <dgm:pt modelId="{5AE5246B-CC61-EB44-B601-F61E3D9B0FE5}" type="pres">
+      <dgm:prSet presAssocID="{AF909E58-3364-614E-BF02-8785928119F4}" presName="rootText" presStyleLbl="node4" presStyleIdx="1" presStyleCnt="4" custScaleX="126438" custScaleY="112485" custLinFactX="39547" custLinFactNeighborX="100000" custLinFactNeighborY="7512">
+        <dgm:presLayoutVars>
+          <dgm:chPref val="3"/>
+        </dgm:presLayoutVars>
+      </dgm:prSet>
+      <dgm:spPr/>
+      <dgm:t>
+        <a:bodyPr/>
+        <a:lstStyle/>
+        <a:p>
+          <a:endParaRPr lang="en-US"/>
+        </a:p>
+      </dgm:t>
+    </dgm:pt>
+    <dgm:pt modelId="{82EB4ACB-B00B-0047-BCD8-C9F446545DA7}" type="pres">
+      <dgm:prSet presAssocID="{AF909E58-3364-614E-BF02-8785928119F4}" presName="rootConnector" presStyleLbl="node4" presStyleIdx="1" presStyleCnt="4"/>
+      <dgm:spPr/>
+    </dgm:pt>
+    <dgm:pt modelId="{9AA01C4C-9984-3744-B8DE-8F46FA2E7CF8}" type="pres">
+      <dgm:prSet presAssocID="{AF909E58-3364-614E-BF02-8785928119F4}" presName="hierChild4" presStyleCnt="0"/>
+      <dgm:spPr/>
+    </dgm:pt>
+    <dgm:pt modelId="{35441D11-21F9-DA4C-A8C7-42CE818C5C5A}" type="pres">
+      <dgm:prSet presAssocID="{C657F7F3-E5E1-CC4E-8228-FE9500F5B145}" presName="Name37" presStyleLbl="parChTrans1D4" presStyleIdx="2" presStyleCnt="4"/>
+      <dgm:spPr/>
+    </dgm:pt>
+    <dgm:pt modelId="{23A4C88C-7806-F44D-954B-3F750925A150}" type="pres">
+      <dgm:prSet presAssocID="{AA42F50E-B828-7249-ACED-4EAEE1CF602C}" presName="hierRoot2" presStyleCnt="0">
+        <dgm:presLayoutVars>
+          <dgm:hierBranch val="init"/>
+        </dgm:presLayoutVars>
+      </dgm:prSet>
+      <dgm:spPr/>
+    </dgm:pt>
+    <dgm:pt modelId="{8E56CAA9-C5CC-A44F-8FA8-E6BDC4238A25}" type="pres">
+      <dgm:prSet presAssocID="{AA42F50E-B828-7249-ACED-4EAEE1CF602C}" presName="rootComposite" presStyleCnt="0"/>
+      <dgm:spPr/>
+    </dgm:pt>
+    <dgm:pt modelId="{809E3AB9-2A07-BA4B-8FA0-2AE922E39860}" type="pres">
+      <dgm:prSet presAssocID="{AA42F50E-B828-7249-ACED-4EAEE1CF602C}" presName="rootText" presStyleLbl="node4" presStyleIdx="2" presStyleCnt="4">
+        <dgm:presLayoutVars>
+          <dgm:chPref val="3"/>
+        </dgm:presLayoutVars>
+      </dgm:prSet>
+      <dgm:spPr/>
+      <dgm:t>
+        <a:bodyPr/>
+        <a:lstStyle/>
+        <a:p>
+          <a:endParaRPr lang="en-US"/>
+        </a:p>
+      </dgm:t>
+    </dgm:pt>
+    <dgm:pt modelId="{630D7A3D-047E-9341-9CD2-AF94403EDC92}" type="pres">
+      <dgm:prSet presAssocID="{AA42F50E-B828-7249-ACED-4EAEE1CF602C}" presName="rootConnector" presStyleLbl="node4" presStyleIdx="2" presStyleCnt="4"/>
+      <dgm:spPr/>
+    </dgm:pt>
+    <dgm:pt modelId="{8A6E0A49-6504-C142-B81B-F452EFA4A0F8}" type="pres">
+      <dgm:prSet presAssocID="{AA42F50E-B828-7249-ACED-4EAEE1CF602C}" presName="hierChild4" presStyleCnt="0"/>
+      <dgm:spPr/>
+    </dgm:pt>
+    <dgm:pt modelId="{873FE525-44F2-9147-9C5E-105246DC9151}" type="pres">
+      <dgm:prSet presAssocID="{AA42F50E-B828-7249-ACED-4EAEE1CF602C}" presName="hierChild5" presStyleCnt="0"/>
+      <dgm:spPr/>
+    </dgm:pt>
+    <dgm:pt modelId="{2E189789-0B87-0044-9C58-CDA950E4E19D}" type="pres">
+      <dgm:prSet presAssocID="{AF909E58-3364-614E-BF02-8785928119F4}" presName="hierChild5" presStyleCnt="0"/>
+      <dgm:spPr/>
+    </dgm:pt>
+    <dgm:pt modelId="{10C0CCF1-6AB8-1249-B220-4188D311B1CA}" type="pres">
+      <dgm:prSet presAssocID="{818DA14D-68FF-DF41-A0CC-BBD1F8CA3F9C}" presName="hierChild5" presStyleCnt="0"/>
+      <dgm:spPr/>
+    </dgm:pt>
+    <dgm:pt modelId="{58430CDD-ABFB-B24F-9087-0562C51B7AB3}" type="pres">
+      <dgm:prSet presAssocID="{734F2258-539F-784C-A6F2-29A2FD807C32}" presName="hierChild5" presStyleCnt="0"/>
+      <dgm:spPr/>
+    </dgm:pt>
+    <dgm:pt modelId="{F5141610-2511-D943-AE5C-CACF3B775767}" type="pres">
+      <dgm:prSet presAssocID="{DDEBE4FE-75B8-014C-B09F-7B979B50FD36}" presName="Name37" presStyleLbl="parChTrans1D3" presStyleIdx="1" presStyleCnt="2"/>
+      <dgm:spPr/>
+    </dgm:pt>
+    <dgm:pt modelId="{FFA4F3C0-E50B-DD4F-A475-84AA04FA2711}" type="pres">
+      <dgm:prSet presAssocID="{4340EE3D-2976-AC48-A6CA-193E7C6EC31D}" presName="hierRoot2" presStyleCnt="0">
+        <dgm:presLayoutVars>
+          <dgm:hierBranch val="init"/>
+        </dgm:presLayoutVars>
+      </dgm:prSet>
+      <dgm:spPr/>
+    </dgm:pt>
+    <dgm:pt modelId="{4CC66C19-8684-5340-BAD7-B3CED4462F0A}" type="pres">
+      <dgm:prSet presAssocID="{4340EE3D-2976-AC48-A6CA-193E7C6EC31D}" presName="rootComposite" presStyleCnt="0"/>
+      <dgm:spPr/>
+    </dgm:pt>
+    <dgm:pt modelId="{6EE82CF5-8AC2-FD44-A34F-1931DA5FDF86}" type="pres">
+      <dgm:prSet presAssocID="{4340EE3D-2976-AC48-A6CA-193E7C6EC31D}" presName="rootText" presStyleLbl="node3" presStyleIdx="1" presStyleCnt="2" custScaleX="115698" custScaleY="122979" custLinFactX="-25443" custLinFactNeighborX="-100000" custLinFactNeighborY="3074">
+        <dgm:presLayoutVars>
+          <dgm:chPref val="3"/>
+        </dgm:presLayoutVars>
+      </dgm:prSet>
+      <dgm:spPr/>
+      <dgm:t>
+        <a:bodyPr/>
+        <a:lstStyle/>
+        <a:p>
+          <a:endParaRPr lang="en-US"/>
+        </a:p>
+      </dgm:t>
+    </dgm:pt>
+    <dgm:pt modelId="{DE955B0C-772F-C947-92F9-2656EB00ECAC}" type="pres">
+      <dgm:prSet presAssocID="{4340EE3D-2976-AC48-A6CA-193E7C6EC31D}" presName="rootConnector" presStyleLbl="node3" presStyleIdx="1" presStyleCnt="2"/>
+      <dgm:spPr/>
+    </dgm:pt>
+    <dgm:pt modelId="{34955487-63EC-0E40-8ACF-EFFB5EA710CB}" type="pres">
+      <dgm:prSet presAssocID="{4340EE3D-2976-AC48-A6CA-193E7C6EC31D}" presName="hierChild4" presStyleCnt="0"/>
+      <dgm:spPr/>
+    </dgm:pt>
+    <dgm:pt modelId="{1EE70D0E-FE10-4148-887D-E185E7239678}" type="pres">
+      <dgm:prSet presAssocID="{278C195B-5124-6B48-BB2C-B0EC3153866B}" presName="Name37" presStyleLbl="parChTrans1D4" presStyleIdx="3" presStyleCnt="4"/>
+      <dgm:spPr/>
+    </dgm:pt>
+    <dgm:pt modelId="{2D724FBC-AD55-AB42-941B-4377757B3752}" type="pres">
+      <dgm:prSet presAssocID="{4D393CCB-0393-3F4C-8340-CBB9510F2ABC}" presName="hierRoot2" presStyleCnt="0">
+        <dgm:presLayoutVars>
+          <dgm:hierBranch val="init"/>
+        </dgm:presLayoutVars>
+      </dgm:prSet>
+      <dgm:spPr/>
+    </dgm:pt>
+    <dgm:pt modelId="{3089938F-8EAA-AA48-A7DF-6BCB892CC07D}" type="pres">
+      <dgm:prSet presAssocID="{4D393CCB-0393-3F4C-8340-CBB9510F2ABC}" presName="rootComposite" presStyleCnt="0"/>
+      <dgm:spPr/>
+    </dgm:pt>
+    <dgm:pt modelId="{5431EC42-6159-8C41-A695-139D62F7022B}" type="pres">
+      <dgm:prSet presAssocID="{4D393CCB-0393-3F4C-8340-CBB9510F2ABC}" presName="rootText" presStyleLbl="node4" presStyleIdx="3" presStyleCnt="4" custScaleX="122136" custScaleY="118450" custLinFactX="-45035" custLinFactY="100000" custLinFactNeighborX="-100000" custLinFactNeighborY="146402">
+        <dgm:presLayoutVars>
+          <dgm:chPref val="3"/>
+        </dgm:presLayoutVars>
+      </dgm:prSet>
+      <dgm:spPr/>
+      <dgm:t>
+        <a:bodyPr/>
+        <a:lstStyle/>
+        <a:p>
+          <a:endParaRPr lang="en-US"/>
+        </a:p>
+      </dgm:t>
+    </dgm:pt>
+    <dgm:pt modelId="{A159CACB-B460-5A44-9D3E-90B66DCC60F2}" type="pres">
+      <dgm:prSet presAssocID="{4D393CCB-0393-3F4C-8340-CBB9510F2ABC}" presName="rootConnector" presStyleLbl="node4" presStyleIdx="3" presStyleCnt="4"/>
+      <dgm:spPr/>
+    </dgm:pt>
+    <dgm:pt modelId="{8F640778-087C-B340-B1A8-D7957F0C270E}" type="pres">
+      <dgm:prSet presAssocID="{4D393CCB-0393-3F4C-8340-CBB9510F2ABC}" presName="hierChild4" presStyleCnt="0"/>
+      <dgm:spPr/>
+    </dgm:pt>
+    <dgm:pt modelId="{9D65A4CC-16B3-3649-BA85-7B0220750392}" type="pres">
+      <dgm:prSet presAssocID="{4D393CCB-0393-3F4C-8340-CBB9510F2ABC}" presName="hierChild5" presStyleCnt="0"/>
+      <dgm:spPr/>
+    </dgm:pt>
+    <dgm:pt modelId="{E294DE74-59C0-8946-BB19-A1B42508198F}" type="pres">
+      <dgm:prSet presAssocID="{4340EE3D-2976-AC48-A6CA-193E7C6EC31D}" presName="hierChild5" presStyleCnt="0"/>
+      <dgm:spPr/>
+    </dgm:pt>
+    <dgm:pt modelId="{DC779E13-90B3-A446-B31F-CA16615AF607}" type="pres">
+      <dgm:prSet presAssocID="{15ED5F46-58B4-4E4D-A862-8F6F6B5B43B8}" presName="hierChild5" presStyleCnt="0"/>
+      <dgm:spPr/>
+    </dgm:pt>
+    <dgm:pt modelId="{E91C8FED-6B6E-3842-BB3F-78A45B5E3A87}" type="pres">
+      <dgm:prSet presAssocID="{6F559577-26D4-D840-8329-CD97802ED89B}" presName="hierChild3" presStyleCnt="0"/>
+      <dgm:spPr/>
+    </dgm:pt>
+  </dgm:ptLst>
+  <dgm:cxnLst>
+    <dgm:cxn modelId="{510D4540-C6E2-9B4C-BD5A-0FABA3FC70BA}" type="presOf" srcId="{734F2258-539F-784C-A6F2-29A2FD807C32}" destId="{D83036E6-9068-7A4E-9CF1-227A3EB7B3E2}" srcOrd="0" destOrd="0" presId="urn:microsoft.com/office/officeart/2005/8/layout/orgChart1"/>
+    <dgm:cxn modelId="{7501CC96-8EE9-BF4C-9211-656BD306F8AC}" type="presOf" srcId="{AF909E58-3364-614E-BF02-8785928119F4}" destId="{82EB4ACB-B00B-0047-BCD8-C9F446545DA7}" srcOrd="1" destOrd="0" presId="urn:microsoft.com/office/officeart/2005/8/layout/orgChart1"/>
+    <dgm:cxn modelId="{4C03F53B-E537-6A41-852C-4CE4D9738920}" type="presOf" srcId="{AA42F50E-B828-7249-ACED-4EAEE1CF602C}" destId="{809E3AB9-2A07-BA4B-8FA0-2AE922E39860}" srcOrd="0" destOrd="0" presId="urn:microsoft.com/office/officeart/2005/8/layout/orgChart1"/>
+    <dgm:cxn modelId="{35D00D06-F500-C845-99B7-182018178922}" type="presOf" srcId="{6F559577-26D4-D840-8329-CD97802ED89B}" destId="{36A46D40-416A-4E4D-A486-5F99E8533230}" srcOrd="0" destOrd="0" presId="urn:microsoft.com/office/officeart/2005/8/layout/orgChart1"/>
+    <dgm:cxn modelId="{300FC460-0958-6941-A40C-32EBDA81DC6C}" type="presOf" srcId="{41464378-7671-154E-91AB-4DF0929E96CE}" destId="{046A05AA-D058-DD4D-BB7A-8A15AAA3C24D}" srcOrd="0" destOrd="0" presId="urn:microsoft.com/office/officeart/2005/8/layout/orgChart1"/>
+    <dgm:cxn modelId="{8A11B7CF-94B3-C844-A859-08C004ADCEBE}" type="presOf" srcId="{4340EE3D-2976-AC48-A6CA-193E7C6EC31D}" destId="{DE955B0C-772F-C947-92F9-2656EB00ECAC}" srcOrd="1" destOrd="0" presId="urn:microsoft.com/office/officeart/2005/8/layout/orgChart1"/>
+    <dgm:cxn modelId="{E31CFE50-D56C-434A-A669-766F2EDB2F64}" type="presOf" srcId="{AF909E58-3364-614E-BF02-8785928119F4}" destId="{5AE5246B-CC61-EB44-B601-F61E3D9B0FE5}" srcOrd="0" destOrd="0" presId="urn:microsoft.com/office/officeart/2005/8/layout/orgChart1"/>
+    <dgm:cxn modelId="{1DA7BFFF-6017-0E48-8925-1ECFDE743279}" type="presOf" srcId="{15ED5F46-58B4-4E4D-A862-8F6F6B5B43B8}" destId="{A48AC822-9A16-5A48-9818-2B50159E8E6E}" srcOrd="0" destOrd="0" presId="urn:microsoft.com/office/officeart/2005/8/layout/orgChart1"/>
+    <dgm:cxn modelId="{34C9A8D2-341F-934A-8C99-FE5C9599EB29}" type="presOf" srcId="{15ED5F46-58B4-4E4D-A862-8F6F6B5B43B8}" destId="{B92E8694-9CC0-1945-AF6C-F4F74699ADA4}" srcOrd="1" destOrd="0" presId="urn:microsoft.com/office/officeart/2005/8/layout/orgChart1"/>
+    <dgm:cxn modelId="{7FAAA6B3-99D9-6047-A267-70F4A1F0BC73}" type="presOf" srcId="{2945C722-C200-5346-807B-70EB47B06B78}" destId="{53D609EF-45C5-614D-90A2-E34254B6A812}" srcOrd="0" destOrd="0" presId="urn:microsoft.com/office/officeart/2005/8/layout/orgChart1"/>
+    <dgm:cxn modelId="{8617AA42-C249-2843-9344-1F111C3B53B4}" srcId="{15ED5F46-58B4-4E4D-A862-8F6F6B5B43B8}" destId="{4340EE3D-2976-AC48-A6CA-193E7C6EC31D}" srcOrd="1" destOrd="0" parTransId="{DDEBE4FE-75B8-014C-B09F-7B979B50FD36}" sibTransId="{96874AE5-A1B7-A949-AB56-9AECD1BD45A3}"/>
+    <dgm:cxn modelId="{49C84939-E45E-8C4D-94EF-D7166D5CE79A}" type="presOf" srcId="{C657F7F3-E5E1-CC4E-8228-FE9500F5B145}" destId="{35441D11-21F9-DA4C-A8C7-42CE818C5C5A}" srcOrd="0" destOrd="0" presId="urn:microsoft.com/office/officeart/2005/8/layout/orgChart1"/>
+    <dgm:cxn modelId="{895720EB-A417-5E48-ADD2-DEC9A72DD695}" type="presOf" srcId="{818DA14D-68FF-DF41-A0CC-BBD1F8CA3F9C}" destId="{F9DC968D-D51B-7648-8171-086B0764B3E1}" srcOrd="1" destOrd="0" presId="urn:microsoft.com/office/officeart/2005/8/layout/orgChart1"/>
+    <dgm:cxn modelId="{670048CA-D634-B24F-9942-67D357BEA1C4}" type="presOf" srcId="{818DA14D-68FF-DF41-A0CC-BBD1F8CA3F9C}" destId="{357C2C2C-2BEB-9F4B-B506-9734E962C2D5}" srcOrd="0" destOrd="0" presId="urn:microsoft.com/office/officeart/2005/8/layout/orgChart1"/>
+    <dgm:cxn modelId="{12B18658-A60C-1849-AEE4-D5CA6EDF5CCD}" type="presOf" srcId="{47FBA17D-7D02-1E44-A2F8-24C73272B7C9}" destId="{1758C973-8892-6241-A3A5-9E66F72C3BE2}" srcOrd="0" destOrd="0" presId="urn:microsoft.com/office/officeart/2005/8/layout/orgChart1"/>
+    <dgm:cxn modelId="{54538D47-45C4-544F-9901-1A35B3E376B3}" type="presOf" srcId="{6F559577-26D4-D840-8329-CD97802ED89B}" destId="{D10F930F-259B-9D4C-9FDD-B1F77E991C9F}" srcOrd="1" destOrd="0" presId="urn:microsoft.com/office/officeart/2005/8/layout/orgChart1"/>
+    <dgm:cxn modelId="{A9D076B1-3722-1C45-A16D-782D2268172E}" type="presOf" srcId="{4D393CCB-0393-3F4C-8340-CBB9510F2ABC}" destId="{5431EC42-6159-8C41-A695-139D62F7022B}" srcOrd="0" destOrd="0" presId="urn:microsoft.com/office/officeart/2005/8/layout/orgChart1"/>
+    <dgm:cxn modelId="{7CA8E356-F7A6-ED45-8E5C-5F96E11DB4C1}" srcId="{734F2258-539F-784C-A6F2-29A2FD807C32}" destId="{818DA14D-68FF-DF41-A0CC-BBD1F8CA3F9C}" srcOrd="0" destOrd="0" parTransId="{41464378-7671-154E-91AB-4DF0929E96CE}" sibTransId="{D87732E4-BD32-9D4B-8ACC-D7CB888BE6B9}"/>
+    <dgm:cxn modelId="{07464372-39C0-534A-86EA-08FA2F321EB8}" srcId="{818DA14D-68FF-DF41-A0CC-BBD1F8CA3F9C}" destId="{AF909E58-3364-614E-BF02-8785928119F4}" srcOrd="0" destOrd="0" parTransId="{2945C722-C200-5346-807B-70EB47B06B78}" sibTransId="{DF4A3C4A-4D42-DE4E-BB0F-253BF02B6480}"/>
+    <dgm:cxn modelId="{1C5D2DD7-99AA-174D-8C6B-1E5AF267852C}" type="presOf" srcId="{DDEBE4FE-75B8-014C-B09F-7B979B50FD36}" destId="{F5141610-2511-D943-AE5C-CACF3B775767}" srcOrd="0" destOrd="0" presId="urn:microsoft.com/office/officeart/2005/8/layout/orgChart1"/>
+    <dgm:cxn modelId="{66D40D09-B808-4A46-A28F-45F282A31534}" type="presOf" srcId="{278C195B-5124-6B48-BB2C-B0EC3153866B}" destId="{1EE70D0E-FE10-4148-887D-E185E7239678}" srcOrd="0" destOrd="0" presId="urn:microsoft.com/office/officeart/2005/8/layout/orgChart1"/>
+    <dgm:cxn modelId="{C5F028CB-02B4-5E4D-9C75-05C02DD13C43}" type="presOf" srcId="{DC9B3EF4-D7C3-A04E-A9EC-F98B8A79BF14}" destId="{00CEC982-89CB-F046-A8AE-61375C62D667}" srcOrd="0" destOrd="0" presId="urn:microsoft.com/office/officeart/2005/8/layout/orgChart1"/>
+    <dgm:cxn modelId="{1D40796A-6427-F949-94EF-A98761CD5AAC}" type="presOf" srcId="{1DB6AB30-B906-6041-B196-971267A44D97}" destId="{DBD58A68-F34B-8047-9BD8-42CD58FF52EB}" srcOrd="0" destOrd="0" presId="urn:microsoft.com/office/officeart/2005/8/layout/orgChart1"/>
+    <dgm:cxn modelId="{5DA47162-2389-1745-91AB-E96CF9B3B099}" srcId="{4340EE3D-2976-AC48-A6CA-193E7C6EC31D}" destId="{4D393CCB-0393-3F4C-8340-CBB9510F2ABC}" srcOrd="0" destOrd="0" parTransId="{278C195B-5124-6B48-BB2C-B0EC3153866B}" sibTransId="{E8BBF6AE-895D-1E41-B30F-B728104F1279}"/>
+    <dgm:cxn modelId="{93BF6FB8-B756-1B48-A995-3CB0499526CD}" type="presOf" srcId="{4340EE3D-2976-AC48-A6CA-193E7C6EC31D}" destId="{6EE82CF5-8AC2-FD44-A34F-1931DA5FDF86}" srcOrd="0" destOrd="0" presId="urn:microsoft.com/office/officeart/2005/8/layout/orgChart1"/>
+    <dgm:cxn modelId="{B951D5D8-1A51-3640-A9CF-591CD366247D}" type="presOf" srcId="{734F2258-539F-784C-A6F2-29A2FD807C32}" destId="{B84C0DA2-E0F2-D84F-BF94-98D2BFB1A0CE}" srcOrd="1" destOrd="0" presId="urn:microsoft.com/office/officeart/2005/8/layout/orgChart1"/>
+    <dgm:cxn modelId="{FB2240F0-D960-AA47-8CC4-3497A176CBFB}" srcId="{15ED5F46-58B4-4E4D-A862-8F6F6B5B43B8}" destId="{734F2258-539F-784C-A6F2-29A2FD807C32}" srcOrd="0" destOrd="0" parTransId="{1DB6AB30-B906-6041-B196-971267A44D97}" sibTransId="{3A13E5BB-9221-8948-ADC3-4C80EDA68E86}"/>
+    <dgm:cxn modelId="{8D78FAA1-529B-164E-8692-1F88E7D3C147}" srcId="{6F559577-26D4-D840-8329-CD97802ED89B}" destId="{15ED5F46-58B4-4E4D-A862-8F6F6B5B43B8}" srcOrd="0" destOrd="0" parTransId="{DC9B3EF4-D7C3-A04E-A9EC-F98B8A79BF14}" sibTransId="{31038F53-8288-9541-898E-16E12D6B5AA6}"/>
+    <dgm:cxn modelId="{681E236A-FB56-7845-872D-47F0C7B9EF72}" srcId="{AF909E58-3364-614E-BF02-8785928119F4}" destId="{AA42F50E-B828-7249-ACED-4EAEE1CF602C}" srcOrd="0" destOrd="0" parTransId="{C657F7F3-E5E1-CC4E-8228-FE9500F5B145}" sibTransId="{FA76041A-C636-F74E-B9D2-478E6A634625}"/>
+    <dgm:cxn modelId="{6CAA8BDF-E544-984D-8AE0-E4C66F7183C9}" srcId="{47FBA17D-7D02-1E44-A2F8-24C73272B7C9}" destId="{6F559577-26D4-D840-8329-CD97802ED89B}" srcOrd="0" destOrd="0" parTransId="{72104BAD-1068-254E-9FA0-1CC9502B2510}" sibTransId="{11B15AC2-1100-FD48-8EED-18282A956708}"/>
+    <dgm:cxn modelId="{2BCC8DCF-2E6B-8F4A-8D55-08C8FA460ACB}" type="presOf" srcId="{4D393CCB-0393-3F4C-8340-CBB9510F2ABC}" destId="{A159CACB-B460-5A44-9D3E-90B66DCC60F2}" srcOrd="1" destOrd="0" presId="urn:microsoft.com/office/officeart/2005/8/layout/orgChart1"/>
+    <dgm:cxn modelId="{08BD4666-0761-814C-B048-AC4378B61799}" type="presOf" srcId="{AA42F50E-B828-7249-ACED-4EAEE1CF602C}" destId="{630D7A3D-047E-9341-9CD2-AF94403EDC92}" srcOrd="1" destOrd="0" presId="urn:microsoft.com/office/officeart/2005/8/layout/orgChart1"/>
+    <dgm:cxn modelId="{125B0C5A-4F92-A949-9109-CF9013F67AF9}" type="presParOf" srcId="{1758C973-8892-6241-A3A5-9E66F72C3BE2}" destId="{4EA1EFF2-F26C-7D43-8426-2C09814D430C}" srcOrd="0" destOrd="0" presId="urn:microsoft.com/office/officeart/2005/8/layout/orgChart1"/>
+    <dgm:cxn modelId="{83E3D58F-29D1-7540-9FB3-5BEF062F79F0}" type="presParOf" srcId="{4EA1EFF2-F26C-7D43-8426-2C09814D430C}" destId="{0558BFA7-659B-B042-AA52-CB2299BBD727}" srcOrd="0" destOrd="0" presId="urn:microsoft.com/office/officeart/2005/8/layout/orgChart1"/>
+    <dgm:cxn modelId="{D65FAE9B-F4C9-5C4E-97D7-E01196AF41F0}" type="presParOf" srcId="{0558BFA7-659B-B042-AA52-CB2299BBD727}" destId="{36A46D40-416A-4E4D-A486-5F99E8533230}" srcOrd="0" destOrd="0" presId="urn:microsoft.com/office/officeart/2005/8/layout/orgChart1"/>
+    <dgm:cxn modelId="{4605420D-C5D3-8940-9E71-4A9CD156BB18}" type="presParOf" srcId="{0558BFA7-659B-B042-AA52-CB2299BBD727}" destId="{D10F930F-259B-9D4C-9FDD-B1F77E991C9F}" srcOrd="1" destOrd="0" presId="urn:microsoft.com/office/officeart/2005/8/layout/orgChart1"/>
+    <dgm:cxn modelId="{5123F0AC-37C1-0643-8F6C-899FB15042E9}" type="presParOf" srcId="{4EA1EFF2-F26C-7D43-8426-2C09814D430C}" destId="{86E1DEA9-286E-144E-98F4-3146945D39D2}" srcOrd="1" destOrd="0" presId="urn:microsoft.com/office/officeart/2005/8/layout/orgChart1"/>
+    <dgm:cxn modelId="{03DE50D1-9080-3F48-AE61-B12EC7562B4F}" type="presParOf" srcId="{86E1DEA9-286E-144E-98F4-3146945D39D2}" destId="{00CEC982-89CB-F046-A8AE-61375C62D667}" srcOrd="0" destOrd="0" presId="urn:microsoft.com/office/officeart/2005/8/layout/orgChart1"/>
+    <dgm:cxn modelId="{535438FA-D93D-7B4E-99F7-8409A9B0CCE7}" type="presParOf" srcId="{86E1DEA9-286E-144E-98F4-3146945D39D2}" destId="{6306B431-ED79-2E41-AEE2-C717E10E7FD0}" srcOrd="1" destOrd="0" presId="urn:microsoft.com/office/officeart/2005/8/layout/orgChart1"/>
+    <dgm:cxn modelId="{FCA11BC8-3D00-794B-BDEA-A858403FE1A4}" type="presParOf" srcId="{6306B431-ED79-2E41-AEE2-C717E10E7FD0}" destId="{D773463E-84E4-E542-B127-D99502ACAC2E}" srcOrd="0" destOrd="0" presId="urn:microsoft.com/office/officeart/2005/8/layout/orgChart1"/>
+    <dgm:cxn modelId="{2D8E6504-5587-A54F-A343-E353869D1B43}" type="presParOf" srcId="{D773463E-84E4-E542-B127-D99502ACAC2E}" destId="{A48AC822-9A16-5A48-9818-2B50159E8E6E}" srcOrd="0" destOrd="0" presId="urn:microsoft.com/office/officeart/2005/8/layout/orgChart1"/>
+    <dgm:cxn modelId="{4F2D8520-49F7-C949-BB91-FC070D2E52F3}" type="presParOf" srcId="{D773463E-84E4-E542-B127-D99502ACAC2E}" destId="{B92E8694-9CC0-1945-AF6C-F4F74699ADA4}" srcOrd="1" destOrd="0" presId="urn:microsoft.com/office/officeart/2005/8/layout/orgChart1"/>
+    <dgm:cxn modelId="{54F86BFA-B3ED-674C-B642-A1F04221633A}" type="presParOf" srcId="{6306B431-ED79-2E41-AEE2-C717E10E7FD0}" destId="{63C04A9E-67AC-4A47-B877-90BF2EAF1641}" srcOrd="1" destOrd="0" presId="urn:microsoft.com/office/officeart/2005/8/layout/orgChart1"/>
+    <dgm:cxn modelId="{D26AC116-947D-C447-8DE5-DAA533E5346A}" type="presParOf" srcId="{63C04A9E-67AC-4A47-B877-90BF2EAF1641}" destId="{DBD58A68-F34B-8047-9BD8-42CD58FF52EB}" srcOrd="0" destOrd="0" presId="urn:microsoft.com/office/officeart/2005/8/layout/orgChart1"/>
+    <dgm:cxn modelId="{3AB65B5B-BA3D-A840-9A75-9B7118D95FD3}" type="presParOf" srcId="{63C04A9E-67AC-4A47-B877-90BF2EAF1641}" destId="{4EBF51D1-5DDA-1B49-84EB-1935760792B6}" srcOrd="1" destOrd="0" presId="urn:microsoft.com/office/officeart/2005/8/layout/orgChart1"/>
+    <dgm:cxn modelId="{D6442F32-2ECB-7E43-B681-A3EF8C5F8B3B}" type="presParOf" srcId="{4EBF51D1-5DDA-1B49-84EB-1935760792B6}" destId="{0B7C4209-F44F-A04B-9020-AA6130C69994}" srcOrd="0" destOrd="0" presId="urn:microsoft.com/office/officeart/2005/8/layout/orgChart1"/>
+    <dgm:cxn modelId="{689E2427-15C8-F942-B4CF-15B31D7223A0}" type="presParOf" srcId="{0B7C4209-F44F-A04B-9020-AA6130C69994}" destId="{D83036E6-9068-7A4E-9CF1-227A3EB7B3E2}" srcOrd="0" destOrd="0" presId="urn:microsoft.com/office/officeart/2005/8/layout/orgChart1"/>
+    <dgm:cxn modelId="{266E99A5-19D8-0D49-80FE-6BDEC4031462}" type="presParOf" srcId="{0B7C4209-F44F-A04B-9020-AA6130C69994}" destId="{B84C0DA2-E0F2-D84F-BF94-98D2BFB1A0CE}" srcOrd="1" destOrd="0" presId="urn:microsoft.com/office/officeart/2005/8/layout/orgChart1"/>
+    <dgm:cxn modelId="{AAF2233B-00BB-A64F-A208-845410E182C9}" type="presParOf" srcId="{4EBF51D1-5DDA-1B49-84EB-1935760792B6}" destId="{8EE9BC68-8E24-EA46-A675-95FB256D90B0}" srcOrd="1" destOrd="0" presId="urn:microsoft.com/office/officeart/2005/8/layout/orgChart1"/>
+    <dgm:cxn modelId="{1E81EB3A-6B12-E24E-A6FF-BEFE1FD1E0EB}" type="presParOf" srcId="{8EE9BC68-8E24-EA46-A675-95FB256D90B0}" destId="{046A05AA-D058-DD4D-BB7A-8A15AAA3C24D}" srcOrd="0" destOrd="0" presId="urn:microsoft.com/office/officeart/2005/8/layout/orgChart1"/>
+    <dgm:cxn modelId="{80615BE0-C65D-EF4A-BDA2-939B829157CC}" type="presParOf" srcId="{8EE9BC68-8E24-EA46-A675-95FB256D90B0}" destId="{9EE5F7E4-0789-4044-A729-9BF5987135AB}" srcOrd="1" destOrd="0" presId="urn:microsoft.com/office/officeart/2005/8/layout/orgChart1"/>
+    <dgm:cxn modelId="{D6422022-E464-AE43-B855-5833046491BB}" type="presParOf" srcId="{9EE5F7E4-0789-4044-A729-9BF5987135AB}" destId="{4C614453-0C03-384D-996E-ECBD92A3EF99}" srcOrd="0" destOrd="0" presId="urn:microsoft.com/office/officeart/2005/8/layout/orgChart1"/>
+    <dgm:cxn modelId="{FCA1694F-C92D-664C-BDA8-F5C818C06D88}" type="presParOf" srcId="{4C614453-0C03-384D-996E-ECBD92A3EF99}" destId="{357C2C2C-2BEB-9F4B-B506-9734E962C2D5}" srcOrd="0" destOrd="0" presId="urn:microsoft.com/office/officeart/2005/8/layout/orgChart1"/>
+    <dgm:cxn modelId="{02D2ED00-378C-4940-A467-E7C9BF762B6B}" type="presParOf" srcId="{4C614453-0C03-384D-996E-ECBD92A3EF99}" destId="{F9DC968D-D51B-7648-8171-086B0764B3E1}" srcOrd="1" destOrd="0" presId="urn:microsoft.com/office/officeart/2005/8/layout/orgChart1"/>
+    <dgm:cxn modelId="{05E2E6C2-BDC8-2F4C-932A-27C5167BAA19}" type="presParOf" srcId="{9EE5F7E4-0789-4044-A729-9BF5987135AB}" destId="{596A388D-60A9-6946-92A1-0CEB24B6649B}" srcOrd="1" destOrd="0" presId="urn:microsoft.com/office/officeart/2005/8/layout/orgChart1"/>
+    <dgm:cxn modelId="{8BFADCB6-FCE4-B943-83B5-7CB83B48A900}" type="presParOf" srcId="{596A388D-60A9-6946-92A1-0CEB24B6649B}" destId="{53D609EF-45C5-614D-90A2-E34254B6A812}" srcOrd="0" destOrd="0" presId="urn:microsoft.com/office/officeart/2005/8/layout/orgChart1"/>
+    <dgm:cxn modelId="{083A1D52-5383-0546-835C-565F135167CE}" type="presParOf" srcId="{596A388D-60A9-6946-92A1-0CEB24B6649B}" destId="{C8609417-2A5E-1348-AF7F-345FCE84BB6E}" srcOrd="1" destOrd="0" presId="urn:microsoft.com/office/officeart/2005/8/layout/orgChart1"/>
+    <dgm:cxn modelId="{19EE69FF-551D-034F-9EFC-4A4F09FFD09D}" type="presParOf" srcId="{C8609417-2A5E-1348-AF7F-345FCE84BB6E}" destId="{0E4D4703-0DAA-FD43-B524-32CF62BF94D1}" srcOrd="0" destOrd="0" presId="urn:microsoft.com/office/officeart/2005/8/layout/orgChart1"/>
+    <dgm:cxn modelId="{D80E55FF-8DD3-E544-AC69-A9E2CE7E8893}" type="presParOf" srcId="{0E4D4703-0DAA-FD43-B524-32CF62BF94D1}" destId="{5AE5246B-CC61-EB44-B601-F61E3D9B0FE5}" srcOrd="0" destOrd="0" presId="urn:microsoft.com/office/officeart/2005/8/layout/orgChart1"/>
+    <dgm:cxn modelId="{EDCC1E94-228F-4A47-A36B-0195C54E0ADC}" type="presParOf" srcId="{0E4D4703-0DAA-FD43-B524-32CF62BF94D1}" destId="{82EB4ACB-B00B-0047-BCD8-C9F446545DA7}" srcOrd="1" destOrd="0" presId="urn:microsoft.com/office/officeart/2005/8/layout/orgChart1"/>
+    <dgm:cxn modelId="{7524E3DF-400A-FC44-8B26-4027E48013E7}" type="presParOf" srcId="{C8609417-2A5E-1348-AF7F-345FCE84BB6E}" destId="{9AA01C4C-9984-3744-B8DE-8F46FA2E7CF8}" srcOrd="1" destOrd="0" presId="urn:microsoft.com/office/officeart/2005/8/layout/orgChart1"/>
+    <dgm:cxn modelId="{11561776-6557-7045-8327-93B80EAC9951}" type="presParOf" srcId="{9AA01C4C-9984-3744-B8DE-8F46FA2E7CF8}" destId="{35441D11-21F9-DA4C-A8C7-42CE818C5C5A}" srcOrd="0" destOrd="0" presId="urn:microsoft.com/office/officeart/2005/8/layout/orgChart1"/>
+    <dgm:cxn modelId="{466A4DC3-4CDD-F54C-8D57-CF8CF865506D}" type="presParOf" srcId="{9AA01C4C-9984-3744-B8DE-8F46FA2E7CF8}" destId="{23A4C88C-7806-F44D-954B-3F750925A150}" srcOrd="1" destOrd="0" presId="urn:microsoft.com/office/officeart/2005/8/layout/orgChart1"/>
+    <dgm:cxn modelId="{553372AB-FD67-1147-B80A-0DD41529E77B}" type="presParOf" srcId="{23A4C88C-7806-F44D-954B-3F750925A150}" destId="{8E56CAA9-C5CC-A44F-8FA8-E6BDC4238A25}" srcOrd="0" destOrd="0" presId="urn:microsoft.com/office/officeart/2005/8/layout/orgChart1"/>
+    <dgm:cxn modelId="{74B2ECB8-F905-4446-8E6E-6BD7D81380C3}" type="presParOf" srcId="{8E56CAA9-C5CC-A44F-8FA8-E6BDC4238A25}" destId="{809E3AB9-2A07-BA4B-8FA0-2AE922E39860}" srcOrd="0" destOrd="0" presId="urn:microsoft.com/office/officeart/2005/8/layout/orgChart1"/>
+    <dgm:cxn modelId="{0A2A55D1-27A3-6344-883F-3D423403F45D}" type="presParOf" srcId="{8E56CAA9-C5CC-A44F-8FA8-E6BDC4238A25}" destId="{630D7A3D-047E-9341-9CD2-AF94403EDC92}" srcOrd="1" destOrd="0" presId="urn:microsoft.com/office/officeart/2005/8/layout/orgChart1"/>
+    <dgm:cxn modelId="{27BA8971-99BD-6F4B-A116-2128A213DDEA}" type="presParOf" srcId="{23A4C88C-7806-F44D-954B-3F750925A150}" destId="{8A6E0A49-6504-C142-B81B-F452EFA4A0F8}" srcOrd="1" destOrd="0" presId="urn:microsoft.com/office/officeart/2005/8/layout/orgChart1"/>
+    <dgm:cxn modelId="{631AF646-FBB5-CB47-A11E-ECFAF06BA6F8}" type="presParOf" srcId="{23A4C88C-7806-F44D-954B-3F750925A150}" destId="{873FE525-44F2-9147-9C5E-105246DC9151}" srcOrd="2" destOrd="0" presId="urn:microsoft.com/office/officeart/2005/8/layout/orgChart1"/>
+    <dgm:cxn modelId="{0EA883CB-DDDD-0D4A-B1A7-B644430BC773}" type="presParOf" srcId="{C8609417-2A5E-1348-AF7F-345FCE84BB6E}" destId="{2E189789-0B87-0044-9C58-CDA950E4E19D}" srcOrd="2" destOrd="0" presId="urn:microsoft.com/office/officeart/2005/8/layout/orgChart1"/>
+    <dgm:cxn modelId="{E17107B1-A69A-614B-A892-F8217F084A03}" type="presParOf" srcId="{9EE5F7E4-0789-4044-A729-9BF5987135AB}" destId="{10C0CCF1-6AB8-1249-B220-4188D311B1CA}" srcOrd="2" destOrd="0" presId="urn:microsoft.com/office/officeart/2005/8/layout/orgChart1"/>
+    <dgm:cxn modelId="{A79A6220-B029-4A4C-ABE5-D911EB7F6CF9}" type="presParOf" srcId="{4EBF51D1-5DDA-1B49-84EB-1935760792B6}" destId="{58430CDD-ABFB-B24F-9087-0562C51B7AB3}" srcOrd="2" destOrd="0" presId="urn:microsoft.com/office/officeart/2005/8/layout/orgChart1"/>
+    <dgm:cxn modelId="{0BE48F50-0857-DB45-96A9-E41393ADBD17}" type="presParOf" srcId="{63C04A9E-67AC-4A47-B877-90BF2EAF1641}" destId="{F5141610-2511-D943-AE5C-CACF3B775767}" srcOrd="2" destOrd="0" presId="urn:microsoft.com/office/officeart/2005/8/layout/orgChart1"/>
+    <dgm:cxn modelId="{5CF5CA06-A087-FD43-9726-9972DEAE6C6F}" type="presParOf" srcId="{63C04A9E-67AC-4A47-B877-90BF2EAF1641}" destId="{FFA4F3C0-E50B-DD4F-A475-84AA04FA2711}" srcOrd="3" destOrd="0" presId="urn:microsoft.com/office/officeart/2005/8/layout/orgChart1"/>
+    <dgm:cxn modelId="{50D65E48-2CA1-874D-8FBC-6B4934A1D073}" type="presParOf" srcId="{FFA4F3C0-E50B-DD4F-A475-84AA04FA2711}" destId="{4CC66C19-8684-5340-BAD7-B3CED4462F0A}" srcOrd="0" destOrd="0" presId="urn:microsoft.com/office/officeart/2005/8/layout/orgChart1"/>
+    <dgm:cxn modelId="{88243E17-F991-F648-B34B-7AE26278837E}" type="presParOf" srcId="{4CC66C19-8684-5340-BAD7-B3CED4462F0A}" destId="{6EE82CF5-8AC2-FD44-A34F-1931DA5FDF86}" srcOrd="0" destOrd="0" presId="urn:microsoft.com/office/officeart/2005/8/layout/orgChart1"/>
+    <dgm:cxn modelId="{77BE8BB7-80BE-4C46-87B1-F92FE2EEDA29}" type="presParOf" srcId="{4CC66C19-8684-5340-BAD7-B3CED4462F0A}" destId="{DE955B0C-772F-C947-92F9-2656EB00ECAC}" srcOrd="1" destOrd="0" presId="urn:microsoft.com/office/officeart/2005/8/layout/orgChart1"/>
+    <dgm:cxn modelId="{BA8915D7-4A3A-1949-8A53-324E86A33DF9}" type="presParOf" srcId="{FFA4F3C0-E50B-DD4F-A475-84AA04FA2711}" destId="{34955487-63EC-0E40-8ACF-EFFB5EA710CB}" srcOrd="1" destOrd="0" presId="urn:microsoft.com/office/officeart/2005/8/layout/orgChart1"/>
+    <dgm:cxn modelId="{0FFFC224-CEEB-7D41-A91B-19182AD39A9F}" type="presParOf" srcId="{34955487-63EC-0E40-8ACF-EFFB5EA710CB}" destId="{1EE70D0E-FE10-4148-887D-E185E7239678}" srcOrd="0" destOrd="0" presId="urn:microsoft.com/office/officeart/2005/8/layout/orgChart1"/>
+    <dgm:cxn modelId="{4C30B594-F6C3-6846-812D-FDE1EBA48042}" type="presParOf" srcId="{34955487-63EC-0E40-8ACF-EFFB5EA710CB}" destId="{2D724FBC-AD55-AB42-941B-4377757B3752}" srcOrd="1" destOrd="0" presId="urn:microsoft.com/office/officeart/2005/8/layout/orgChart1"/>
+    <dgm:cxn modelId="{286D873D-57E4-F74A-8A9F-0E551E1658F5}" type="presParOf" srcId="{2D724FBC-AD55-AB42-941B-4377757B3752}" destId="{3089938F-8EAA-AA48-A7DF-6BCB892CC07D}" srcOrd="0" destOrd="0" presId="urn:microsoft.com/office/officeart/2005/8/layout/orgChart1"/>
+    <dgm:cxn modelId="{81DF2169-12A4-4B45-8B29-F125C6826C49}" type="presParOf" srcId="{3089938F-8EAA-AA48-A7DF-6BCB892CC07D}" destId="{5431EC42-6159-8C41-A695-139D62F7022B}" srcOrd="0" destOrd="0" presId="urn:microsoft.com/office/officeart/2005/8/layout/orgChart1"/>
+    <dgm:cxn modelId="{C58EB484-C1DB-CB47-BAE7-B7499BF56DD5}" type="presParOf" srcId="{3089938F-8EAA-AA48-A7DF-6BCB892CC07D}" destId="{A159CACB-B460-5A44-9D3E-90B66DCC60F2}" srcOrd="1" destOrd="0" presId="urn:microsoft.com/office/officeart/2005/8/layout/orgChart1"/>
+    <dgm:cxn modelId="{CBAB9DD7-8446-DD43-81AC-9A5121DF614A}" type="presParOf" srcId="{2D724FBC-AD55-AB42-941B-4377757B3752}" destId="{8F640778-087C-B340-B1A8-D7957F0C270E}" srcOrd="1" destOrd="0" presId="urn:microsoft.com/office/officeart/2005/8/layout/orgChart1"/>
+    <dgm:cxn modelId="{BEA468A6-7268-0541-A6B1-127AFCAEACC6}" type="presParOf" srcId="{2D724FBC-AD55-AB42-941B-4377757B3752}" destId="{9D65A4CC-16B3-3649-BA85-7B0220750392}" srcOrd="2" destOrd="0" presId="urn:microsoft.com/office/officeart/2005/8/layout/orgChart1"/>
+    <dgm:cxn modelId="{E94ADB78-5FD9-1646-94CF-D3373EA4C0C4}" type="presParOf" srcId="{FFA4F3C0-E50B-DD4F-A475-84AA04FA2711}" destId="{E294DE74-59C0-8946-BB19-A1B42508198F}" srcOrd="2" destOrd="0" presId="urn:microsoft.com/office/officeart/2005/8/layout/orgChart1"/>
+    <dgm:cxn modelId="{D8AF8AA1-2546-164B-9586-D8CD7A7A9DD4}" type="presParOf" srcId="{6306B431-ED79-2E41-AEE2-C717E10E7FD0}" destId="{DC779E13-90B3-A446-B31F-CA16615AF607}" srcOrd="2" destOrd="0" presId="urn:microsoft.com/office/officeart/2005/8/layout/orgChart1"/>
+    <dgm:cxn modelId="{345E47BA-CB80-F043-A1DB-A5D8361C05FD}" type="presParOf" srcId="{4EA1EFF2-F26C-7D43-8426-2C09814D430C}" destId="{E91C8FED-6B6E-3842-BB3F-78A45B5E3A87}" srcOrd="2" destOrd="0" presId="urn:microsoft.com/office/officeart/2005/8/layout/orgChart1"/>
+  </dgm:cxnLst>
+  <dgm:bg/>
+  <dgm:whole/>
+  <dgm:extLst>
+    <a:ext uri="http://schemas.microsoft.com/office/drawing/2008/diagram">
+      <dsp:dataModelExt xmlns:dsp="http://schemas.microsoft.com/office/drawing/2008/diagram" relId="rId6" minVer="http://schemas.openxmlformats.org/drawingml/2006/diagram"/>
+    </a:ext>
+  </dgm:extLst>
+</dgm:dataModel>
+</file>
+
+<file path=ppt/diagrams/data2.xml><?xml version="1.0" encoding="utf-8"?>
 <dgm:dataModel xmlns:dgm="http://schemas.openxmlformats.org/drawingml/2006/diagram" xmlns:a="http://schemas.openxmlformats.org/drawingml/2006/main">
   <dgm:ptLst>
     <dgm:pt modelId="{44156040-AF98-4F2C-9909-9F2439F6F588}" type="doc">
@@ -2214,6 +3725,13 @@
         </dgm:presLayoutVars>
       </dgm:prSet>
       <dgm:spPr/>
+      <dgm:t>
+        <a:bodyPr/>
+        <a:lstStyle/>
+        <a:p>
+          <a:endParaRPr lang="en-US"/>
+        </a:p>
+      </dgm:t>
     </dgm:pt>
     <dgm:pt modelId="{705DFC51-4C30-4A07-9F0C-6EB770961C6F}" type="pres">
       <dgm:prSet presAssocID="{6CFF1BD9-AE1F-4488-8B72-01186EADA6FF}" presName="parTxOnlySpace" presStyleCnt="0"/>
@@ -2228,6 +3746,13 @@
         </dgm:presLayoutVars>
       </dgm:prSet>
       <dgm:spPr/>
+      <dgm:t>
+        <a:bodyPr/>
+        <a:lstStyle/>
+        <a:p>
+          <a:endParaRPr lang="en-US"/>
+        </a:p>
+      </dgm:t>
     </dgm:pt>
     <dgm:pt modelId="{01C6BCDE-530E-4D03-9CF5-9AB36CDC1FE1}" type="pres">
       <dgm:prSet presAssocID="{E1826C46-15A2-4345-B986-53D05F21F155}" presName="parTxOnlySpace" presStyleCnt="0"/>
@@ -2242,6 +3767,13 @@
         </dgm:presLayoutVars>
       </dgm:prSet>
       <dgm:spPr/>
+      <dgm:t>
+        <a:bodyPr/>
+        <a:lstStyle/>
+        <a:p>
+          <a:endParaRPr lang="en-US"/>
+        </a:p>
+      </dgm:t>
     </dgm:pt>
     <dgm:pt modelId="{8CB78EC1-7B74-4B6E-94C6-5F808A049A1F}" type="pres">
       <dgm:prSet presAssocID="{B6438016-7365-4FC0-A372-D90585B4B6EE}" presName="parTxOnlySpace" presStyleCnt="0"/>
@@ -2256,6 +3788,13 @@
         </dgm:presLayoutVars>
       </dgm:prSet>
       <dgm:spPr/>
+      <dgm:t>
+        <a:bodyPr/>
+        <a:lstStyle/>
+        <a:p>
+          <a:endParaRPr lang="en-US"/>
+        </a:p>
+      </dgm:t>
     </dgm:pt>
   </dgm:ptLst>
   <dgm:cxnLst>
@@ -2287,6 +3826,1058 @@
 </file>
 
 <file path=ppt/diagrams/drawing1.xml><?xml version="1.0" encoding="utf-8"?>
+<dsp:drawing xmlns:dgm="http://schemas.openxmlformats.org/drawingml/2006/diagram" xmlns:dsp="http://schemas.microsoft.com/office/drawing/2008/diagram" xmlns:a="http://schemas.openxmlformats.org/drawingml/2006/main">
+  <dsp:spTree>
+    <dsp:nvGrpSpPr>
+      <dsp:cNvPr id="0" name=""/>
+      <dsp:cNvGrpSpPr/>
+    </dsp:nvGrpSpPr>
+    <dsp:grpSpPr/>
+    <dsp:sp modelId="{1EE70D0E-FE10-4148-887D-E185E7239678}">
+      <dsp:nvSpPr>
+        <dsp:cNvPr id="0" name=""/>
+        <dsp:cNvSpPr/>
+      </dsp:nvSpPr>
+      <dsp:spPr>
+        <a:xfrm>
+          <a:off x="958052" y="2215787"/>
+          <a:ext cx="91440" cy="1860580"/>
+        </a:xfrm>
+        <a:custGeom>
+          <a:avLst/>
+          <a:gdLst/>
+          <a:ahLst/>
+          <a:cxnLst/>
+          <a:rect l="0" t="0" r="0" b="0"/>
+          <a:pathLst>
+            <a:path>
+              <a:moveTo>
+                <a:pt x="69882" y="0"/>
+              </a:moveTo>
+              <a:lnTo>
+                <a:pt x="45720" y="1860580"/>
+              </a:lnTo>
+            </a:path>
+          </a:pathLst>
+        </a:custGeom>
+        <a:noFill/>
+        <a:ln w="12700" cap="flat" cmpd="sng" algn="ctr">
+          <a:solidFill>
+            <a:schemeClr val="accent1">
+              <a:shade val="80000"/>
+              <a:hueOff val="0"/>
+              <a:satOff val="0"/>
+              <a:lumOff val="0"/>
+              <a:alphaOff val="0"/>
+            </a:schemeClr>
+          </a:solidFill>
+          <a:prstDash val="solid"/>
+          <a:miter lim="800000"/>
+        </a:ln>
+        <a:effectLst/>
+      </dsp:spPr>
+      <dsp:style>
+        <a:lnRef idx="2">
+          <a:scrgbClr r="0" g="0" b="0"/>
+        </a:lnRef>
+        <a:fillRef idx="0">
+          <a:scrgbClr r="0" g="0" b="0"/>
+        </a:fillRef>
+        <a:effectRef idx="0">
+          <a:scrgbClr r="0" g="0" b="0"/>
+        </a:effectRef>
+        <a:fontRef idx="minor"/>
+      </dsp:style>
+    </dsp:sp>
+    <dsp:sp modelId="{F5141610-2511-D943-AE5C-CACF3B775767}">
+      <dsp:nvSpPr>
+        <dsp:cNvPr id="0" name=""/>
+        <dsp:cNvSpPr/>
+      </dsp:nvSpPr>
+      <dsp:spPr>
+        <a:xfrm>
+          <a:off x="1527749" y="1184039"/>
+          <a:ext cx="2348377" cy="367663"/>
+        </a:xfrm>
+        <a:custGeom>
+          <a:avLst/>
+          <a:gdLst/>
+          <a:ahLst/>
+          <a:cxnLst/>
+          <a:rect l="0" t="0" r="0" b="0"/>
+          <a:pathLst>
+            <a:path>
+              <a:moveTo>
+                <a:pt x="2348377" y="0"/>
+              </a:moveTo>
+              <a:lnTo>
+                <a:pt x="2348377" y="254263"/>
+              </a:lnTo>
+              <a:lnTo>
+                <a:pt x="0" y="254263"/>
+              </a:lnTo>
+              <a:lnTo>
+                <a:pt x="0" y="367663"/>
+              </a:lnTo>
+            </a:path>
+          </a:pathLst>
+        </a:custGeom>
+        <a:noFill/>
+        <a:ln w="12700" cap="flat" cmpd="sng" algn="ctr">
+          <a:solidFill>
+            <a:schemeClr val="accent1">
+              <a:shade val="80000"/>
+              <a:hueOff val="0"/>
+              <a:satOff val="0"/>
+              <a:lumOff val="0"/>
+              <a:alphaOff val="0"/>
+            </a:schemeClr>
+          </a:solidFill>
+          <a:prstDash val="solid"/>
+          <a:miter lim="800000"/>
+        </a:ln>
+        <a:effectLst/>
+      </dsp:spPr>
+      <dsp:style>
+        <a:lnRef idx="2">
+          <a:scrgbClr r="0" g="0" b="0"/>
+        </a:lnRef>
+        <a:fillRef idx="0">
+          <a:scrgbClr r="0" g="0" b="0"/>
+        </a:fillRef>
+        <a:effectRef idx="0">
+          <a:scrgbClr r="0" g="0" b="0"/>
+        </a:effectRef>
+        <a:fontRef idx="minor"/>
+      </dsp:style>
+    </dsp:sp>
+    <dsp:sp modelId="{35441D11-21F9-DA4C-A8C7-42CE818C5C5A}">
+      <dsp:nvSpPr>
+        <dsp:cNvPr id="0" name=""/>
+        <dsp:cNvSpPr/>
+      </dsp:nvSpPr>
+      <dsp:spPr>
+        <a:xfrm>
+          <a:off x="5554453" y="3767143"/>
+          <a:ext cx="222277" cy="456233"/>
+        </a:xfrm>
+        <a:custGeom>
+          <a:avLst/>
+          <a:gdLst/>
+          <a:ahLst/>
+          <a:cxnLst/>
+          <a:rect l="0" t="0" r="0" b="0"/>
+          <a:pathLst>
+            <a:path>
+              <a:moveTo>
+                <a:pt x="222277" y="0"/>
+              </a:moveTo>
+              <a:lnTo>
+                <a:pt x="222277" y="456233"/>
+              </a:lnTo>
+              <a:lnTo>
+                <a:pt x="0" y="456233"/>
+              </a:lnTo>
+            </a:path>
+          </a:pathLst>
+        </a:custGeom>
+        <a:noFill/>
+        <a:ln w="12700" cap="flat" cmpd="sng" algn="ctr">
+          <a:solidFill>
+            <a:schemeClr val="accent1">
+              <a:shade val="80000"/>
+              <a:hueOff val="0"/>
+              <a:satOff val="0"/>
+              <a:lumOff val="0"/>
+              <a:alphaOff val="0"/>
+            </a:schemeClr>
+          </a:solidFill>
+          <a:prstDash val="solid"/>
+          <a:miter lim="800000"/>
+        </a:ln>
+        <a:effectLst/>
+      </dsp:spPr>
+      <dsp:style>
+        <a:lnRef idx="2">
+          <a:scrgbClr r="0" g="0" b="0"/>
+        </a:lnRef>
+        <a:fillRef idx="0">
+          <a:scrgbClr r="0" g="0" b="0"/>
+        </a:fillRef>
+        <a:effectRef idx="0">
+          <a:scrgbClr r="0" g="0" b="0"/>
+        </a:effectRef>
+        <a:fontRef idx="minor"/>
+      </dsp:style>
+    </dsp:sp>
+    <dsp:sp modelId="{53D609EF-45C5-614D-90A2-E34254B6A812}">
+      <dsp:nvSpPr>
+        <dsp:cNvPr id="0" name=""/>
+        <dsp:cNvSpPr/>
+      </dsp:nvSpPr>
+      <dsp:spPr>
+        <a:xfrm>
+          <a:off x="6277221" y="2921370"/>
+          <a:ext cx="91440" cy="238355"/>
+        </a:xfrm>
+        <a:custGeom>
+          <a:avLst/>
+          <a:gdLst/>
+          <a:ahLst/>
+          <a:cxnLst/>
+          <a:rect l="0" t="0" r="0" b="0"/>
+          <a:pathLst>
+            <a:path>
+              <a:moveTo>
+                <a:pt x="52113" y="0"/>
+              </a:moveTo>
+              <a:lnTo>
+                <a:pt x="52113" y="124955"/>
+              </a:lnTo>
+              <a:lnTo>
+                <a:pt x="45720" y="124955"/>
+              </a:lnTo>
+              <a:lnTo>
+                <a:pt x="45720" y="238355"/>
+              </a:lnTo>
+            </a:path>
+          </a:pathLst>
+        </a:custGeom>
+        <a:noFill/>
+        <a:ln w="12700" cap="flat" cmpd="sng" algn="ctr">
+          <a:solidFill>
+            <a:schemeClr val="accent1">
+              <a:shade val="80000"/>
+              <a:hueOff val="0"/>
+              <a:satOff val="0"/>
+              <a:lumOff val="0"/>
+              <a:alphaOff val="0"/>
+            </a:schemeClr>
+          </a:solidFill>
+          <a:prstDash val="solid"/>
+          <a:miter lim="800000"/>
+        </a:ln>
+        <a:effectLst/>
+      </dsp:spPr>
+      <dsp:style>
+        <a:lnRef idx="2">
+          <a:scrgbClr r="0" g="0" b="0"/>
+        </a:lnRef>
+        <a:fillRef idx="0">
+          <a:scrgbClr r="0" g="0" b="0"/>
+        </a:fillRef>
+        <a:effectRef idx="0">
+          <a:scrgbClr r="0" g="0" b="0"/>
+        </a:effectRef>
+        <a:fontRef idx="minor"/>
+      </dsp:style>
+    </dsp:sp>
+    <dsp:sp modelId="{046A05AA-D058-DD4D-BB7A-8A15AAA3C24D}">
+      <dsp:nvSpPr>
+        <dsp:cNvPr id="0" name=""/>
+        <dsp:cNvSpPr/>
+      </dsp:nvSpPr>
+      <dsp:spPr>
+        <a:xfrm>
+          <a:off x="6283614" y="2122065"/>
+          <a:ext cx="91440" cy="236859"/>
+        </a:xfrm>
+        <a:custGeom>
+          <a:avLst/>
+          <a:gdLst/>
+          <a:ahLst/>
+          <a:cxnLst/>
+          <a:rect l="0" t="0" r="0" b="0"/>
+          <a:pathLst>
+            <a:path>
+              <a:moveTo>
+                <a:pt x="49186" y="0"/>
+              </a:moveTo>
+              <a:lnTo>
+                <a:pt x="49186" y="123459"/>
+              </a:lnTo>
+              <a:lnTo>
+                <a:pt x="45720" y="123459"/>
+              </a:lnTo>
+              <a:lnTo>
+                <a:pt x="45720" y="236859"/>
+              </a:lnTo>
+            </a:path>
+          </a:pathLst>
+        </a:custGeom>
+        <a:noFill/>
+        <a:ln w="12700" cap="flat" cmpd="sng" algn="ctr">
+          <a:solidFill>
+            <a:schemeClr val="accent1">
+              <a:shade val="80000"/>
+              <a:hueOff val="0"/>
+              <a:satOff val="0"/>
+              <a:lumOff val="0"/>
+              <a:alphaOff val="0"/>
+            </a:schemeClr>
+          </a:solidFill>
+          <a:prstDash val="solid"/>
+          <a:miter lim="800000"/>
+        </a:ln>
+        <a:effectLst/>
+      </dsp:spPr>
+      <dsp:style>
+        <a:lnRef idx="2">
+          <a:scrgbClr r="0" g="0" b="0"/>
+        </a:lnRef>
+        <a:fillRef idx="0">
+          <a:scrgbClr r="0" g="0" b="0"/>
+        </a:fillRef>
+        <a:effectRef idx="0">
+          <a:scrgbClr r="0" g="0" b="0"/>
+        </a:effectRef>
+        <a:fontRef idx="minor"/>
+      </dsp:style>
+    </dsp:sp>
+    <dsp:sp modelId="{DBD58A68-F34B-8047-9BD8-42CD58FF52EB}">
+      <dsp:nvSpPr>
+        <dsp:cNvPr id="0" name=""/>
+        <dsp:cNvSpPr/>
+      </dsp:nvSpPr>
+      <dsp:spPr>
+        <a:xfrm>
+          <a:off x="3876127" y="1184039"/>
+          <a:ext cx="2456674" cy="370012"/>
+        </a:xfrm>
+        <a:custGeom>
+          <a:avLst/>
+          <a:gdLst/>
+          <a:ahLst/>
+          <a:cxnLst/>
+          <a:rect l="0" t="0" r="0" b="0"/>
+          <a:pathLst>
+            <a:path>
+              <a:moveTo>
+                <a:pt x="0" y="0"/>
+              </a:moveTo>
+              <a:lnTo>
+                <a:pt x="0" y="256612"/>
+              </a:lnTo>
+              <a:lnTo>
+                <a:pt x="2456674" y="256612"/>
+              </a:lnTo>
+              <a:lnTo>
+                <a:pt x="2456674" y="370012"/>
+              </a:lnTo>
+            </a:path>
+          </a:pathLst>
+        </a:custGeom>
+        <a:noFill/>
+        <a:ln w="12700" cap="flat" cmpd="sng" algn="ctr">
+          <a:solidFill>
+            <a:schemeClr val="accent1">
+              <a:shade val="80000"/>
+              <a:hueOff val="0"/>
+              <a:satOff val="0"/>
+              <a:lumOff val="0"/>
+              <a:alphaOff val="0"/>
+            </a:schemeClr>
+          </a:solidFill>
+          <a:prstDash val="solid"/>
+          <a:miter lim="800000"/>
+        </a:ln>
+        <a:effectLst/>
+      </dsp:spPr>
+      <dsp:style>
+        <a:lnRef idx="2">
+          <a:scrgbClr r="0" g="0" b="0"/>
+        </a:lnRef>
+        <a:fillRef idx="0">
+          <a:scrgbClr r="0" g="0" b="0"/>
+        </a:fillRef>
+        <a:effectRef idx="0">
+          <a:scrgbClr r="0" g="0" b="0"/>
+        </a:effectRef>
+        <a:fontRef idx="minor"/>
+      </dsp:style>
+    </dsp:sp>
+    <dsp:sp modelId="{00CEC982-89CB-F046-A8AE-61375C62D667}">
+      <dsp:nvSpPr>
+        <dsp:cNvPr id="0" name=""/>
+        <dsp:cNvSpPr/>
+      </dsp:nvSpPr>
+      <dsp:spPr>
+        <a:xfrm>
+          <a:off x="3817490" y="541505"/>
+          <a:ext cx="91440" cy="102534"/>
+        </a:xfrm>
+        <a:custGeom>
+          <a:avLst/>
+          <a:gdLst/>
+          <a:ahLst/>
+          <a:cxnLst/>
+          <a:rect l="0" t="0" r="0" b="0"/>
+          <a:pathLst>
+            <a:path>
+              <a:moveTo>
+                <a:pt x="45720" y="0"/>
+              </a:moveTo>
+              <a:lnTo>
+                <a:pt x="58636" y="0"/>
+              </a:lnTo>
+              <a:lnTo>
+                <a:pt x="58636" y="102534"/>
+              </a:lnTo>
+            </a:path>
+          </a:pathLst>
+        </a:custGeom>
+        <a:noFill/>
+        <a:ln w="12700" cap="flat" cmpd="sng" algn="ctr">
+          <a:solidFill>
+            <a:schemeClr val="accent1">
+              <a:shade val="60000"/>
+              <a:hueOff val="0"/>
+              <a:satOff val="0"/>
+              <a:lumOff val="0"/>
+              <a:alphaOff val="0"/>
+            </a:schemeClr>
+          </a:solidFill>
+          <a:prstDash val="solid"/>
+          <a:miter lim="800000"/>
+        </a:ln>
+        <a:effectLst/>
+      </dsp:spPr>
+      <dsp:style>
+        <a:lnRef idx="2">
+          <a:scrgbClr r="0" g="0" b="0"/>
+        </a:lnRef>
+        <a:fillRef idx="0">
+          <a:scrgbClr r="0" g="0" b="0"/>
+        </a:fillRef>
+        <a:effectRef idx="0">
+          <a:scrgbClr r="0" g="0" b="0"/>
+        </a:effectRef>
+        <a:fontRef idx="minor"/>
+      </dsp:style>
+    </dsp:sp>
+    <dsp:sp modelId="{36A46D40-416A-4E4D-A486-5F99E8533230}">
+      <dsp:nvSpPr>
+        <dsp:cNvPr id="0" name=""/>
+        <dsp:cNvSpPr/>
+      </dsp:nvSpPr>
+      <dsp:spPr>
+        <a:xfrm>
+          <a:off x="3323212" y="1507"/>
+          <a:ext cx="1079996" cy="539998"/>
+        </a:xfrm>
+        <a:prstGeom prst="rect">
+          <a:avLst/>
+        </a:prstGeom>
+        <a:solidFill>
+          <a:schemeClr val="accent2"/>
+        </a:solidFill>
+        <a:ln w="12700" cap="flat" cmpd="sng" algn="ctr">
+          <a:solidFill>
+            <a:schemeClr val="lt1">
+              <a:hueOff val="0"/>
+              <a:satOff val="0"/>
+              <a:lumOff val="0"/>
+              <a:alphaOff val="0"/>
+            </a:schemeClr>
+          </a:solidFill>
+          <a:prstDash val="solid"/>
+          <a:miter lim="800000"/>
+        </a:ln>
+        <a:effectLst/>
+      </dsp:spPr>
+      <dsp:style>
+        <a:lnRef idx="2">
+          <a:scrgbClr r="0" g="0" b="0"/>
+        </a:lnRef>
+        <a:fillRef idx="1">
+          <a:scrgbClr r="0" g="0" b="0"/>
+        </a:fillRef>
+        <a:effectRef idx="0">
+          <a:scrgbClr r="0" g="0" b="0"/>
+        </a:effectRef>
+        <a:fontRef idx="minor">
+          <a:schemeClr val="lt1"/>
+        </a:fontRef>
+      </dsp:style>
+      <dsp:txBody>
+        <a:bodyPr spcFirstLastPara="0" vert="horz" wrap="square" lIns="8255" tIns="8255" rIns="8255" bIns="8255" numCol="1" spcCol="1270" anchor="ctr" anchorCtr="0">
+          <a:noAutofit/>
+        </a:bodyPr>
+        <a:lstStyle/>
+        <a:p>
+          <a:pPr lvl="0" algn="ctr" defTabSz="577850">
+            <a:lnSpc>
+              <a:spcPct val="90000"/>
+            </a:lnSpc>
+            <a:spcBef>
+              <a:spcPct val="0"/>
+            </a:spcBef>
+            <a:spcAft>
+              <a:spcPct val="35000"/>
+            </a:spcAft>
+          </a:pPr>
+          <a:r>
+            <a:rPr lang="en-US" sz="1300" kern="1200" dirty="0" smtClean="0"/>
+            <a:t>Scrape</a:t>
+          </a:r>
+          <a:endParaRPr lang="en-US" sz="1300" kern="1200" dirty="0"/>
+        </a:p>
+      </dsp:txBody>
+      <dsp:txXfrm>
+        <a:off x="3323212" y="1507"/>
+        <a:ext cx="1079996" cy="539998"/>
+      </dsp:txXfrm>
+    </dsp:sp>
+    <dsp:sp modelId="{A48AC822-9A16-5A48-9818-2B50159E8E6E}">
+      <dsp:nvSpPr>
+        <dsp:cNvPr id="0" name=""/>
+        <dsp:cNvSpPr/>
+      </dsp:nvSpPr>
+      <dsp:spPr>
+        <a:xfrm>
+          <a:off x="3336128" y="644040"/>
+          <a:ext cx="1079996" cy="539998"/>
+        </a:xfrm>
+        <a:prstGeom prst="rect">
+          <a:avLst/>
+        </a:prstGeom>
+        <a:solidFill>
+          <a:schemeClr val="accent3"/>
+        </a:solidFill>
+        <a:ln w="12700" cap="flat" cmpd="sng" algn="ctr">
+          <a:solidFill>
+            <a:schemeClr val="lt1">
+              <a:hueOff val="0"/>
+              <a:satOff val="0"/>
+              <a:lumOff val="0"/>
+              <a:alphaOff val="0"/>
+            </a:schemeClr>
+          </a:solidFill>
+          <a:prstDash val="solid"/>
+          <a:miter lim="800000"/>
+        </a:ln>
+        <a:effectLst/>
+      </dsp:spPr>
+      <dsp:style>
+        <a:lnRef idx="2">
+          <a:scrgbClr r="0" g="0" b="0"/>
+        </a:lnRef>
+        <a:fillRef idx="1">
+          <a:scrgbClr r="0" g="0" b="0"/>
+        </a:fillRef>
+        <a:effectRef idx="0">
+          <a:scrgbClr r="0" g="0" b="0"/>
+        </a:effectRef>
+        <a:fontRef idx="minor">
+          <a:schemeClr val="lt1"/>
+        </a:fontRef>
+      </dsp:style>
+      <dsp:txBody>
+        <a:bodyPr spcFirstLastPara="0" vert="horz" wrap="square" lIns="8255" tIns="8255" rIns="8255" bIns="8255" numCol="1" spcCol="1270" anchor="ctr" anchorCtr="0">
+          <a:noAutofit/>
+        </a:bodyPr>
+        <a:lstStyle/>
+        <a:p>
+          <a:pPr lvl="0" algn="ctr" defTabSz="577850">
+            <a:lnSpc>
+              <a:spcPct val="90000"/>
+            </a:lnSpc>
+            <a:spcBef>
+              <a:spcPct val="0"/>
+            </a:spcBef>
+            <a:spcAft>
+              <a:spcPct val="35000"/>
+            </a:spcAft>
+          </a:pPr>
+          <a:r>
+            <a:rPr lang="en-US" sz="1300" kern="1200" dirty="0" smtClean="0"/>
+            <a:t>Clean and Prep</a:t>
+          </a:r>
+          <a:endParaRPr lang="en-US" sz="1300" kern="1200" dirty="0"/>
+        </a:p>
+      </dsp:txBody>
+      <dsp:txXfrm>
+        <a:off x="3336128" y="644040"/>
+        <a:ext cx="1079996" cy="539998"/>
+      </dsp:txXfrm>
+    </dsp:sp>
+    <dsp:sp modelId="{D83036E6-9068-7A4E-9CF1-227A3EB7B3E2}">
+      <dsp:nvSpPr>
+        <dsp:cNvPr id="0" name=""/>
+        <dsp:cNvSpPr/>
+      </dsp:nvSpPr>
+      <dsp:spPr>
+        <a:xfrm>
+          <a:off x="5631035" y="1554051"/>
+          <a:ext cx="1403531" cy="568013"/>
+        </a:xfrm>
+        <a:prstGeom prst="rect">
+          <a:avLst/>
+        </a:prstGeom>
+        <a:solidFill>
+          <a:schemeClr val="accent1">
+            <a:hueOff val="0"/>
+            <a:satOff val="0"/>
+            <a:lumOff val="0"/>
+            <a:alphaOff val="0"/>
+          </a:schemeClr>
+        </a:solidFill>
+        <a:ln w="12700" cap="flat" cmpd="sng" algn="ctr">
+          <a:solidFill>
+            <a:schemeClr val="lt1">
+              <a:hueOff val="0"/>
+              <a:satOff val="0"/>
+              <a:lumOff val="0"/>
+              <a:alphaOff val="0"/>
+            </a:schemeClr>
+          </a:solidFill>
+          <a:prstDash val="solid"/>
+          <a:miter lim="800000"/>
+        </a:ln>
+        <a:effectLst/>
+      </dsp:spPr>
+      <dsp:style>
+        <a:lnRef idx="2">
+          <a:scrgbClr r="0" g="0" b="0"/>
+        </a:lnRef>
+        <a:fillRef idx="1">
+          <a:scrgbClr r="0" g="0" b="0"/>
+        </a:fillRef>
+        <a:effectRef idx="0">
+          <a:scrgbClr r="0" g="0" b="0"/>
+        </a:effectRef>
+        <a:fontRef idx="minor">
+          <a:schemeClr val="lt1"/>
+        </a:fontRef>
+      </dsp:style>
+      <dsp:txBody>
+        <a:bodyPr spcFirstLastPara="0" vert="horz" wrap="square" lIns="8255" tIns="8255" rIns="8255" bIns="8255" numCol="1" spcCol="1270" anchor="ctr" anchorCtr="0">
+          <a:noAutofit/>
+        </a:bodyPr>
+        <a:lstStyle/>
+        <a:p>
+          <a:pPr lvl="0" algn="ctr" defTabSz="577850">
+            <a:lnSpc>
+              <a:spcPct val="90000"/>
+            </a:lnSpc>
+            <a:spcBef>
+              <a:spcPct val="0"/>
+            </a:spcBef>
+            <a:spcAft>
+              <a:spcPct val="35000"/>
+            </a:spcAft>
+          </a:pPr>
+          <a:r>
+            <a:rPr lang="en-US" sz="1300" kern="1200" dirty="0" smtClean="0"/>
+            <a:t>Divide Scrape into N-Gram Phrases</a:t>
+          </a:r>
+          <a:endParaRPr lang="en-US" sz="1300" kern="1200" dirty="0"/>
+        </a:p>
+      </dsp:txBody>
+      <dsp:txXfrm>
+        <a:off x="5631035" y="1554051"/>
+        <a:ext cx="1403531" cy="568013"/>
+      </dsp:txXfrm>
+    </dsp:sp>
+    <dsp:sp modelId="{357C2C2C-2BEB-9F4B-B506-9734E962C2D5}">
+      <dsp:nvSpPr>
+        <dsp:cNvPr id="0" name=""/>
+        <dsp:cNvSpPr/>
+      </dsp:nvSpPr>
+      <dsp:spPr>
+        <a:xfrm>
+          <a:off x="5629507" y="2358924"/>
+          <a:ext cx="1399654" cy="562446"/>
+        </a:xfrm>
+        <a:prstGeom prst="rect">
+          <a:avLst/>
+        </a:prstGeom>
+        <a:solidFill>
+          <a:schemeClr val="accent1">
+            <a:hueOff val="0"/>
+            <a:satOff val="0"/>
+            <a:lumOff val="0"/>
+            <a:alphaOff val="0"/>
+          </a:schemeClr>
+        </a:solidFill>
+        <a:ln w="12700" cap="flat" cmpd="sng" algn="ctr">
+          <a:solidFill>
+            <a:schemeClr val="lt1">
+              <a:hueOff val="0"/>
+              <a:satOff val="0"/>
+              <a:lumOff val="0"/>
+              <a:alphaOff val="0"/>
+            </a:schemeClr>
+          </a:solidFill>
+          <a:prstDash val="solid"/>
+          <a:miter lim="800000"/>
+        </a:ln>
+        <a:effectLst/>
+      </dsp:spPr>
+      <dsp:style>
+        <a:lnRef idx="2">
+          <a:scrgbClr r="0" g="0" b="0"/>
+        </a:lnRef>
+        <a:fillRef idx="1">
+          <a:scrgbClr r="0" g="0" b="0"/>
+        </a:fillRef>
+        <a:effectRef idx="0">
+          <a:scrgbClr r="0" g="0" b="0"/>
+        </a:effectRef>
+        <a:fontRef idx="minor">
+          <a:schemeClr val="lt1"/>
+        </a:fontRef>
+      </dsp:style>
+      <dsp:txBody>
+        <a:bodyPr spcFirstLastPara="0" vert="horz" wrap="square" lIns="8255" tIns="8255" rIns="8255" bIns="8255" numCol="1" spcCol="1270" anchor="ctr" anchorCtr="0">
+          <a:noAutofit/>
+        </a:bodyPr>
+        <a:lstStyle/>
+        <a:p>
+          <a:pPr lvl="0" algn="ctr" defTabSz="577850">
+            <a:lnSpc>
+              <a:spcPct val="90000"/>
+            </a:lnSpc>
+            <a:spcBef>
+              <a:spcPct val="0"/>
+            </a:spcBef>
+            <a:spcAft>
+              <a:spcPct val="35000"/>
+            </a:spcAft>
+          </a:pPr>
+          <a:r>
+            <a:rPr lang="en-US" sz="1300" kern="1200" dirty="0" smtClean="0"/>
+            <a:t>Count Frequency of N-Grams </a:t>
+          </a:r>
+          <a:endParaRPr lang="en-US" sz="1300" kern="1200" dirty="0"/>
+        </a:p>
+      </dsp:txBody>
+      <dsp:txXfrm>
+        <a:off x="5629507" y="2358924"/>
+        <a:ext cx="1399654" cy="562446"/>
+      </dsp:txXfrm>
+    </dsp:sp>
+    <dsp:sp modelId="{5AE5246B-CC61-EB44-B601-F61E3D9B0FE5}">
+      <dsp:nvSpPr>
+        <dsp:cNvPr id="0" name=""/>
+        <dsp:cNvSpPr/>
+      </dsp:nvSpPr>
+      <dsp:spPr>
+        <a:xfrm>
+          <a:off x="5640178" y="3159726"/>
+          <a:ext cx="1365526" cy="607417"/>
+        </a:xfrm>
+        <a:prstGeom prst="rect">
+          <a:avLst/>
+        </a:prstGeom>
+        <a:solidFill>
+          <a:schemeClr val="accent1">
+            <a:hueOff val="0"/>
+            <a:satOff val="0"/>
+            <a:lumOff val="0"/>
+            <a:alphaOff val="0"/>
+          </a:schemeClr>
+        </a:solidFill>
+        <a:ln w="12700" cap="flat" cmpd="sng" algn="ctr">
+          <a:solidFill>
+            <a:schemeClr val="lt1">
+              <a:hueOff val="0"/>
+              <a:satOff val="0"/>
+              <a:lumOff val="0"/>
+              <a:alphaOff val="0"/>
+            </a:schemeClr>
+          </a:solidFill>
+          <a:prstDash val="solid"/>
+          <a:miter lim="800000"/>
+        </a:ln>
+        <a:effectLst/>
+      </dsp:spPr>
+      <dsp:style>
+        <a:lnRef idx="2">
+          <a:scrgbClr r="0" g="0" b="0"/>
+        </a:lnRef>
+        <a:fillRef idx="1">
+          <a:scrgbClr r="0" g="0" b="0"/>
+        </a:fillRef>
+        <a:effectRef idx="0">
+          <a:scrgbClr r="0" g="0" b="0"/>
+        </a:effectRef>
+        <a:fontRef idx="minor">
+          <a:schemeClr val="lt1"/>
+        </a:fontRef>
+      </dsp:style>
+      <dsp:txBody>
+        <a:bodyPr spcFirstLastPara="0" vert="horz" wrap="square" lIns="8255" tIns="8255" rIns="8255" bIns="8255" numCol="1" spcCol="1270" anchor="ctr" anchorCtr="0">
+          <a:noAutofit/>
+        </a:bodyPr>
+        <a:lstStyle/>
+        <a:p>
+          <a:pPr lvl="0" algn="ctr" defTabSz="577850">
+            <a:lnSpc>
+              <a:spcPct val="90000"/>
+            </a:lnSpc>
+            <a:spcBef>
+              <a:spcPct val="0"/>
+            </a:spcBef>
+            <a:spcAft>
+              <a:spcPct val="35000"/>
+            </a:spcAft>
+          </a:pPr>
+          <a:r>
+            <a:rPr lang="en-US" sz="1300" kern="1200" dirty="0" smtClean="0"/>
+            <a:t>Return top 1000 results</a:t>
+          </a:r>
+          <a:endParaRPr lang="en-US" sz="1300" kern="1200" dirty="0"/>
+        </a:p>
+      </dsp:txBody>
+      <dsp:txXfrm>
+        <a:off x="5640178" y="3159726"/>
+        <a:ext cx="1365526" cy="607417"/>
+      </dsp:txXfrm>
+    </dsp:sp>
+    <dsp:sp modelId="{809E3AB9-2A07-BA4B-8FA0-2AE922E39860}">
+      <dsp:nvSpPr>
+        <dsp:cNvPr id="0" name=""/>
+        <dsp:cNvSpPr/>
+      </dsp:nvSpPr>
+      <dsp:spPr>
+        <a:xfrm>
+          <a:off x="4474456" y="3953378"/>
+          <a:ext cx="1079996" cy="539998"/>
+        </a:xfrm>
+        <a:prstGeom prst="rect">
+          <a:avLst/>
+        </a:prstGeom>
+        <a:solidFill>
+          <a:schemeClr val="accent1">
+            <a:hueOff val="0"/>
+            <a:satOff val="0"/>
+            <a:lumOff val="0"/>
+            <a:alphaOff val="0"/>
+          </a:schemeClr>
+        </a:solidFill>
+        <a:ln w="12700" cap="flat" cmpd="sng" algn="ctr">
+          <a:solidFill>
+            <a:schemeClr val="lt1">
+              <a:hueOff val="0"/>
+              <a:satOff val="0"/>
+              <a:lumOff val="0"/>
+              <a:alphaOff val="0"/>
+            </a:schemeClr>
+          </a:solidFill>
+          <a:prstDash val="solid"/>
+          <a:miter lim="800000"/>
+        </a:ln>
+        <a:effectLst/>
+      </dsp:spPr>
+      <dsp:style>
+        <a:lnRef idx="2">
+          <a:scrgbClr r="0" g="0" b="0"/>
+        </a:lnRef>
+        <a:fillRef idx="1">
+          <a:scrgbClr r="0" g="0" b="0"/>
+        </a:fillRef>
+        <a:effectRef idx="0">
+          <a:scrgbClr r="0" g="0" b="0"/>
+        </a:effectRef>
+        <a:fontRef idx="minor">
+          <a:schemeClr val="lt1"/>
+        </a:fontRef>
+      </dsp:style>
+      <dsp:txBody>
+        <a:bodyPr spcFirstLastPara="0" vert="horz" wrap="square" lIns="8255" tIns="8255" rIns="8255" bIns="8255" numCol="1" spcCol="1270" anchor="ctr" anchorCtr="0">
+          <a:noAutofit/>
+        </a:bodyPr>
+        <a:lstStyle/>
+        <a:p>
+          <a:pPr lvl="0" algn="ctr" defTabSz="577850">
+            <a:lnSpc>
+              <a:spcPct val="90000"/>
+            </a:lnSpc>
+            <a:spcBef>
+              <a:spcPct val="0"/>
+            </a:spcBef>
+            <a:spcAft>
+              <a:spcPct val="35000"/>
+            </a:spcAft>
+          </a:pPr>
+          <a:r>
+            <a:rPr lang="en-US" sz="1300" kern="1200" dirty="0" smtClean="0"/>
+            <a:t>Cluster Analysis</a:t>
+          </a:r>
+          <a:endParaRPr lang="en-US" sz="1300" kern="1200" dirty="0"/>
+        </a:p>
+      </dsp:txBody>
+      <dsp:txXfrm>
+        <a:off x="4474456" y="3953378"/>
+        <a:ext cx="1079996" cy="539998"/>
+      </dsp:txXfrm>
+    </dsp:sp>
+    <dsp:sp modelId="{6EE82CF5-8AC2-FD44-A34F-1931DA5FDF86}">
+      <dsp:nvSpPr>
+        <dsp:cNvPr id="0" name=""/>
+        <dsp:cNvSpPr/>
+      </dsp:nvSpPr>
+      <dsp:spPr>
+        <a:xfrm>
+          <a:off x="902982" y="1551702"/>
+          <a:ext cx="1249534" cy="664084"/>
+        </a:xfrm>
+        <a:prstGeom prst="rect">
+          <a:avLst/>
+        </a:prstGeom>
+        <a:solidFill>
+          <a:schemeClr val="accent1">
+            <a:hueOff val="0"/>
+            <a:satOff val="0"/>
+            <a:lumOff val="0"/>
+            <a:alphaOff val="0"/>
+          </a:schemeClr>
+        </a:solidFill>
+        <a:ln w="12700" cap="flat" cmpd="sng" algn="ctr">
+          <a:solidFill>
+            <a:schemeClr val="lt1">
+              <a:hueOff val="0"/>
+              <a:satOff val="0"/>
+              <a:lumOff val="0"/>
+              <a:alphaOff val="0"/>
+            </a:schemeClr>
+          </a:solidFill>
+          <a:prstDash val="solid"/>
+          <a:miter lim="800000"/>
+        </a:ln>
+        <a:effectLst/>
+      </dsp:spPr>
+      <dsp:style>
+        <a:lnRef idx="2">
+          <a:scrgbClr r="0" g="0" b="0"/>
+        </a:lnRef>
+        <a:fillRef idx="1">
+          <a:scrgbClr r="0" g="0" b="0"/>
+        </a:fillRef>
+        <a:effectRef idx="0">
+          <a:scrgbClr r="0" g="0" b="0"/>
+        </a:effectRef>
+        <a:fontRef idx="minor">
+          <a:schemeClr val="lt1"/>
+        </a:fontRef>
+      </dsp:style>
+      <dsp:txBody>
+        <a:bodyPr spcFirstLastPara="0" vert="horz" wrap="square" lIns="8255" tIns="8255" rIns="8255" bIns="8255" numCol="1" spcCol="1270" anchor="ctr" anchorCtr="0">
+          <a:noAutofit/>
+        </a:bodyPr>
+        <a:lstStyle/>
+        <a:p>
+          <a:pPr lvl="0" algn="ctr" defTabSz="577850">
+            <a:lnSpc>
+              <a:spcPct val="90000"/>
+            </a:lnSpc>
+            <a:spcBef>
+              <a:spcPct val="0"/>
+            </a:spcBef>
+            <a:spcAft>
+              <a:spcPct val="35000"/>
+            </a:spcAft>
+          </a:pPr>
+          <a:r>
+            <a:rPr lang="en-US" sz="1300" kern="1200" dirty="0" smtClean="0"/>
+            <a:t>Pull Skills from DB</a:t>
+          </a:r>
+          <a:endParaRPr lang="en-US" sz="1300" kern="1200" dirty="0"/>
+        </a:p>
+      </dsp:txBody>
+      <dsp:txXfrm>
+        <a:off x="902982" y="1551702"/>
+        <a:ext cx="1249534" cy="664084"/>
+      </dsp:txXfrm>
+    </dsp:sp>
+    <dsp:sp modelId="{5431EC42-6159-8C41-A695-139D62F7022B}">
+      <dsp:nvSpPr>
+        <dsp:cNvPr id="0" name=""/>
+        <dsp:cNvSpPr/>
+      </dsp:nvSpPr>
+      <dsp:spPr>
+        <a:xfrm>
+          <a:off x="1003772" y="3756554"/>
+          <a:ext cx="1319065" cy="639628"/>
+        </a:xfrm>
+        <a:prstGeom prst="rect">
+          <a:avLst/>
+        </a:prstGeom>
+        <a:solidFill>
+          <a:schemeClr val="accent1">
+            <a:hueOff val="0"/>
+            <a:satOff val="0"/>
+            <a:lumOff val="0"/>
+            <a:alphaOff val="0"/>
+          </a:schemeClr>
+        </a:solidFill>
+        <a:ln w="12700" cap="flat" cmpd="sng" algn="ctr">
+          <a:solidFill>
+            <a:schemeClr val="lt1">
+              <a:hueOff val="0"/>
+              <a:satOff val="0"/>
+              <a:lumOff val="0"/>
+              <a:alphaOff val="0"/>
+            </a:schemeClr>
+          </a:solidFill>
+          <a:prstDash val="solid"/>
+          <a:miter lim="800000"/>
+        </a:ln>
+        <a:effectLst/>
+      </dsp:spPr>
+      <dsp:style>
+        <a:lnRef idx="2">
+          <a:scrgbClr r="0" g="0" b="0"/>
+        </a:lnRef>
+        <a:fillRef idx="1">
+          <a:scrgbClr r="0" g="0" b="0"/>
+        </a:fillRef>
+        <a:effectRef idx="0">
+          <a:scrgbClr r="0" g="0" b="0"/>
+        </a:effectRef>
+        <a:fontRef idx="minor">
+          <a:schemeClr val="lt1"/>
+        </a:fontRef>
+      </dsp:style>
+      <dsp:txBody>
+        <a:bodyPr spcFirstLastPara="0" vert="horz" wrap="square" lIns="8255" tIns="8255" rIns="8255" bIns="8255" numCol="1" spcCol="1270" anchor="ctr" anchorCtr="0">
+          <a:noAutofit/>
+        </a:bodyPr>
+        <a:lstStyle/>
+        <a:p>
+          <a:pPr lvl="0" algn="ctr" defTabSz="577850">
+            <a:lnSpc>
+              <a:spcPct val="90000"/>
+            </a:lnSpc>
+            <a:spcBef>
+              <a:spcPct val="0"/>
+            </a:spcBef>
+            <a:spcAft>
+              <a:spcPct val="35000"/>
+            </a:spcAft>
+          </a:pPr>
+          <a:r>
+            <a:rPr lang="en-US" sz="1300" kern="1200" dirty="0" smtClean="0"/>
+            <a:t>Count Frequency of  Skill </a:t>
+          </a:r>
+          <a:r>
+            <a:rPr lang="en-US" sz="1300" kern="1200" dirty="0" err="1" smtClean="0"/>
+            <a:t>Occurences</a:t>
+          </a:r>
+          <a:endParaRPr lang="en-US" sz="1300" kern="1200" dirty="0"/>
+        </a:p>
+      </dsp:txBody>
+      <dsp:txXfrm>
+        <a:off x="1003772" y="3756554"/>
+        <a:ext cx="1319065" cy="639628"/>
+      </dsp:txXfrm>
+    </dsp:sp>
+  </dsp:spTree>
+</dsp:drawing>
+</file>
+
+<file path=ppt/diagrams/drawing2.xml><?xml version="1.0" encoding="utf-8"?>
 <dsp:drawing xmlns:dgm="http://schemas.openxmlformats.org/drawingml/2006/diagram" xmlns:dsp="http://schemas.microsoft.com/office/drawing/2008/diagram" xmlns:a="http://schemas.openxmlformats.org/drawingml/2006/main">
   <dsp:spTree>
     <dsp:nvGrpSpPr>
@@ -2365,12 +4956,12 @@
         </a:fontRef>
       </dsp:style>
       <dsp:txBody>
-        <a:bodyPr spcFirstLastPara="0" vert="horz" wrap="square" lIns="132017" tIns="44006" rIns="44006" bIns="44006" numCol="1" spcCol="1270" anchor="ctr" anchorCtr="0">
+        <a:bodyPr spcFirstLastPara="0" vert="horz" wrap="square" lIns="136017" tIns="45339" rIns="45339" bIns="45339" numCol="1" spcCol="1270" anchor="ctr" anchorCtr="0">
           <a:noAutofit/>
         </a:bodyPr>
         <a:lstStyle/>
         <a:p>
-          <a:pPr marL="0" lvl="0" indent="0" algn="ctr" defTabSz="1466850">
+          <a:pPr lvl="0" algn="ctr" defTabSz="1511300">
             <a:lnSpc>
               <a:spcPct val="90000"/>
             </a:lnSpc>
@@ -2380,10 +4971,9 @@
             <a:spcAft>
               <a:spcPct val="35000"/>
             </a:spcAft>
-            <a:buNone/>
           </a:pPr>
           <a:r>
-            <a:rPr lang="en-US" sz="3300" kern="1200" dirty="0"/>
+            <a:rPr lang="en-US" sz="3400" kern="1200" dirty="0"/>
             <a:t>Step 1 Title</a:t>
           </a:r>
         </a:p>
@@ -2464,12 +5054,12 @@
         </a:fontRef>
       </dsp:style>
       <dsp:txBody>
-        <a:bodyPr spcFirstLastPara="0" vert="horz" wrap="square" lIns="132017" tIns="44006" rIns="44006" bIns="44006" numCol="1" spcCol="1270" anchor="ctr" anchorCtr="0">
+        <a:bodyPr spcFirstLastPara="0" vert="horz" wrap="square" lIns="136017" tIns="45339" rIns="45339" bIns="45339" numCol="1" spcCol="1270" anchor="ctr" anchorCtr="0">
           <a:noAutofit/>
         </a:bodyPr>
         <a:lstStyle/>
         <a:p>
-          <a:pPr marL="0" lvl="0" indent="0" algn="ctr" defTabSz="1466850">
+          <a:pPr lvl="0" algn="ctr" defTabSz="1511300">
             <a:lnSpc>
               <a:spcPct val="90000"/>
             </a:lnSpc>
@@ -2479,10 +5069,9 @@
             <a:spcAft>
               <a:spcPct val="35000"/>
             </a:spcAft>
-            <a:buNone/>
           </a:pPr>
           <a:r>
-            <a:rPr lang="en-US" sz="3300" kern="1200" dirty="0"/>
+            <a:rPr lang="en-US" sz="3400" kern="1200" dirty="0"/>
             <a:t>Step 2 Title</a:t>
           </a:r>
         </a:p>
@@ -2563,12 +5152,12 @@
         </a:fontRef>
       </dsp:style>
       <dsp:txBody>
-        <a:bodyPr spcFirstLastPara="0" vert="horz" wrap="square" lIns="132017" tIns="44006" rIns="44006" bIns="44006" numCol="1" spcCol="1270" anchor="ctr" anchorCtr="0">
+        <a:bodyPr spcFirstLastPara="0" vert="horz" wrap="square" lIns="136017" tIns="45339" rIns="45339" bIns="45339" numCol="1" spcCol="1270" anchor="ctr" anchorCtr="0">
           <a:noAutofit/>
         </a:bodyPr>
         <a:lstStyle/>
         <a:p>
-          <a:pPr marL="0" lvl="0" indent="0" algn="ctr" defTabSz="1466850">
+          <a:pPr lvl="0" algn="ctr" defTabSz="1511300">
             <a:lnSpc>
               <a:spcPct val="90000"/>
             </a:lnSpc>
@@ -2578,10 +5167,9 @@
             <a:spcAft>
               <a:spcPct val="35000"/>
             </a:spcAft>
-            <a:buNone/>
           </a:pPr>
           <a:r>
-            <a:rPr lang="en-US" sz="3300" kern="1200" dirty="0"/>
+            <a:rPr lang="en-US" sz="3400" kern="1200" dirty="0"/>
             <a:t>Step 3 Title</a:t>
           </a:r>
         </a:p>
@@ -2662,12 +5250,12 @@
         </a:fontRef>
       </dsp:style>
       <dsp:txBody>
-        <a:bodyPr spcFirstLastPara="0" vert="horz" wrap="square" lIns="132017" tIns="44006" rIns="44006" bIns="44006" numCol="1" spcCol="1270" anchor="ctr" anchorCtr="0">
+        <a:bodyPr spcFirstLastPara="0" vert="horz" wrap="square" lIns="136017" tIns="45339" rIns="45339" bIns="45339" numCol="1" spcCol="1270" anchor="ctr" anchorCtr="0">
           <a:noAutofit/>
         </a:bodyPr>
         <a:lstStyle/>
         <a:p>
-          <a:pPr marL="0" lvl="0" indent="0" algn="ctr" defTabSz="1466850">
+          <a:pPr lvl="0" algn="ctr" defTabSz="1511300">
             <a:lnSpc>
               <a:spcPct val="90000"/>
             </a:lnSpc>
@@ -2677,10 +5265,9 @@
             <a:spcAft>
               <a:spcPct val="35000"/>
             </a:spcAft>
-            <a:buNone/>
           </a:pPr>
           <a:r>
-            <a:rPr lang="en-US" sz="3300" kern="1200" dirty="0"/>
+            <a:rPr lang="en-US" sz="3400" kern="1200" dirty="0"/>
             <a:t>Step 4 Title</a:t>
           </a:r>
         </a:p>
@@ -2695,6 +5282,1152 @@
 </file>
 
 <file path=ppt/diagrams/layout1.xml><?xml version="1.0" encoding="utf-8"?>
+<dgm:layoutDef xmlns:dgm="http://schemas.openxmlformats.org/drawingml/2006/diagram" xmlns:a="http://schemas.openxmlformats.org/drawingml/2006/main" uniqueId="urn:microsoft.com/office/officeart/2005/8/layout/orgChart1">
+  <dgm:title val=""/>
+  <dgm:desc val=""/>
+  <dgm:catLst>
+    <dgm:cat type="hierarchy" pri="1000"/>
+    <dgm:cat type="convert" pri="6000"/>
+  </dgm:catLst>
+  <dgm:sampData>
+    <dgm:dataModel>
+      <dgm:ptLst>
+        <dgm:pt modelId="0" type="doc"/>
+        <dgm:pt modelId="1">
+          <dgm:prSet phldr="1"/>
+        </dgm:pt>
+        <dgm:pt modelId="2" type="asst">
+          <dgm:prSet phldr="1"/>
+        </dgm:pt>
+        <dgm:pt modelId="3">
+          <dgm:prSet phldr="1"/>
+        </dgm:pt>
+        <dgm:pt modelId="4">
+          <dgm:prSet phldr="1"/>
+        </dgm:pt>
+        <dgm:pt modelId="5">
+          <dgm:prSet phldr="1"/>
+        </dgm:pt>
+      </dgm:ptLst>
+      <dgm:cxnLst>
+        <dgm:cxn modelId="5" srcId="0" destId="1" srcOrd="0" destOrd="0"/>
+        <dgm:cxn modelId="6" srcId="1" destId="2" srcOrd="0" destOrd="0"/>
+        <dgm:cxn modelId="7" srcId="1" destId="3" srcOrd="1" destOrd="0"/>
+        <dgm:cxn modelId="8" srcId="1" destId="4" srcOrd="2" destOrd="0"/>
+        <dgm:cxn modelId="9" srcId="1" destId="5" srcOrd="3" destOrd="0"/>
+      </dgm:cxnLst>
+      <dgm:bg/>
+      <dgm:whole/>
+    </dgm:dataModel>
+  </dgm:sampData>
+  <dgm:styleData>
+    <dgm:dataModel>
+      <dgm:ptLst>
+        <dgm:pt modelId="0" type="doc"/>
+        <dgm:pt modelId="1"/>
+        <dgm:pt modelId="12"/>
+        <dgm:pt modelId="13"/>
+      </dgm:ptLst>
+      <dgm:cxnLst>
+        <dgm:cxn modelId="2" srcId="0" destId="1" srcOrd="0" destOrd="0"/>
+        <dgm:cxn modelId="16" srcId="1" destId="12" srcOrd="1" destOrd="0"/>
+        <dgm:cxn modelId="17" srcId="1" destId="13" srcOrd="2" destOrd="0"/>
+      </dgm:cxnLst>
+      <dgm:bg/>
+      <dgm:whole/>
+    </dgm:dataModel>
+  </dgm:styleData>
+  <dgm:clrData>
+    <dgm:dataModel>
+      <dgm:ptLst>
+        <dgm:pt modelId="0" type="doc"/>
+        <dgm:pt modelId="1"/>
+        <dgm:pt modelId="11" type="asst"/>
+        <dgm:pt modelId="12"/>
+        <dgm:pt modelId="13"/>
+        <dgm:pt modelId="14"/>
+      </dgm:ptLst>
+      <dgm:cxnLst>
+        <dgm:cxn modelId="2" srcId="0" destId="1" srcOrd="0" destOrd="0"/>
+        <dgm:cxn modelId="15" srcId="1" destId="11" srcOrd="0" destOrd="0"/>
+        <dgm:cxn modelId="16" srcId="1" destId="12" srcOrd="1" destOrd="0"/>
+        <dgm:cxn modelId="17" srcId="1" destId="13" srcOrd="2" destOrd="0"/>
+        <dgm:cxn modelId="18" srcId="1" destId="14" srcOrd="2" destOrd="0"/>
+      </dgm:cxnLst>
+      <dgm:bg/>
+      <dgm:whole/>
+    </dgm:dataModel>
+  </dgm:clrData>
+  <dgm:layoutNode name="hierChild1">
+    <dgm:varLst>
+      <dgm:orgChart val="1"/>
+      <dgm:chPref val="1"/>
+      <dgm:dir/>
+      <dgm:animOne val="branch"/>
+      <dgm:animLvl val="lvl"/>
+      <dgm:resizeHandles/>
+    </dgm:varLst>
+    <dgm:choose name="Name0">
+      <dgm:if name="Name1" func="var" arg="dir" op="equ" val="norm">
+        <dgm:alg type="hierChild">
+          <dgm:param type="linDir" val="fromL"/>
+        </dgm:alg>
+      </dgm:if>
+      <dgm:else name="Name2">
+        <dgm:alg type="hierChild">
+          <dgm:param type="linDir" val="fromR"/>
+        </dgm:alg>
+      </dgm:else>
+    </dgm:choose>
+    <dgm:shape xmlns:r="http://schemas.openxmlformats.org/officeDocument/2006/relationships" r:blip="">
+      <dgm:adjLst/>
+    </dgm:shape>
+    <dgm:presOf/>
+    <dgm:constrLst>
+      <dgm:constr type="w" for="des" forName="rootComposite1" refType="w" fact="10"/>
+      <dgm:constr type="h" for="des" forName="rootComposite1" refType="w" refFor="des" refForName="rootComposite1" fact="0.5"/>
+      <dgm:constr type="w" for="des" forName="rootComposite" refType="w" fact="10"/>
+      <dgm:constr type="h" for="des" forName="rootComposite" refType="w" refFor="des" refForName="rootComposite1" fact="0.5"/>
+      <dgm:constr type="w" for="des" forName="rootComposite3" refType="w" fact="10"/>
+      <dgm:constr type="h" for="des" forName="rootComposite3" refType="w" refFor="des" refForName="rootComposite1" fact="0.5"/>
+      <dgm:constr type="primFontSz" for="des" ptType="node" op="equ"/>
+      <dgm:constr type="sp" for="des" op="equ"/>
+      <dgm:constr type="sp" for="des" forName="hierRoot1" refType="w" refFor="des" refForName="rootComposite1" fact="0.21"/>
+      <dgm:constr type="sp" for="des" forName="hierRoot2" refType="sp" refFor="des" refForName="hierRoot1"/>
+      <dgm:constr type="sp" for="des" forName="hierRoot3" refType="sp" refFor="des" refForName="hierRoot1"/>
+      <dgm:constr type="sibSp" refType="w" refFor="des" refForName="rootComposite1" fact="0.21"/>
+      <dgm:constr type="sibSp" for="des" forName="hierChild2" refType="sibSp"/>
+      <dgm:constr type="sibSp" for="des" forName="hierChild3" refType="sibSp"/>
+      <dgm:constr type="sibSp" for="des" forName="hierChild4" refType="sibSp"/>
+      <dgm:constr type="sibSp" for="des" forName="hierChild5" refType="sibSp"/>
+      <dgm:constr type="sibSp" for="des" forName="hierChild6" refType="sibSp"/>
+      <dgm:constr type="sibSp" for="des" forName="hierChild7" refType="sibSp"/>
+      <dgm:constr type="secSibSp" refType="w" refFor="des" refForName="rootComposite1" fact="0.21"/>
+      <dgm:constr type="secSibSp" for="des" forName="hierChild2" refType="secSibSp"/>
+      <dgm:constr type="secSibSp" for="des" forName="hierChild3" refType="secSibSp"/>
+      <dgm:constr type="secSibSp" for="des" forName="hierChild4" refType="secSibSp"/>
+      <dgm:constr type="secSibSp" for="des" forName="hierChild5" refType="secSibSp"/>
+      <dgm:constr type="secSibSp" for="des" forName="hierChild6" refType="secSibSp"/>
+      <dgm:constr type="secSibSp" for="des" forName="hierChild7" refType="secSibSp"/>
+    </dgm:constrLst>
+    <dgm:ruleLst/>
+    <dgm:forEach name="Name3" axis="ch">
+      <dgm:forEach name="Name4" axis="self" ptType="node">
+        <dgm:layoutNode name="hierRoot1">
+          <dgm:varLst>
+            <dgm:hierBranch val="init"/>
+          </dgm:varLst>
+          <dgm:choose name="Name5">
+            <dgm:if name="Name6" func="var" arg="hierBranch" op="equ" val="l">
+              <dgm:choose name="Name7">
+                <dgm:if name="Name8" axis="ch" ptType="asst" func="cnt" op="gte" val="1">
+                  <dgm:alg type="hierRoot">
+                    <dgm:param type="hierAlign" val="tR"/>
+                  </dgm:alg>
+                  <dgm:constrLst>
+                    <dgm:constr type="alignOff" val="0.65"/>
+                  </dgm:constrLst>
+                </dgm:if>
+                <dgm:else name="Name9">
+                  <dgm:alg type="hierRoot">
+                    <dgm:param type="hierAlign" val="tR"/>
+                  </dgm:alg>
+                  <dgm:constrLst>
+                    <dgm:constr type="alignOff" val="0.25"/>
+                  </dgm:constrLst>
+                </dgm:else>
+              </dgm:choose>
+            </dgm:if>
+            <dgm:if name="Name10" func="var" arg="hierBranch" op="equ" val="r">
+              <dgm:choose name="Name11">
+                <dgm:if name="Name12" axis="ch" ptType="asst" func="cnt" op="gte" val="1">
+                  <dgm:alg type="hierRoot">
+                    <dgm:param type="hierAlign" val="tL"/>
+                  </dgm:alg>
+                  <dgm:constrLst>
+                    <dgm:constr type="alignOff" val="0.65"/>
+                  </dgm:constrLst>
+                </dgm:if>
+                <dgm:else name="Name13">
+                  <dgm:alg type="hierRoot">
+                    <dgm:param type="hierAlign" val="tL"/>
+                  </dgm:alg>
+                  <dgm:constrLst>
+                    <dgm:constr type="alignOff" val="0.25"/>
+                  </dgm:constrLst>
+                </dgm:else>
+              </dgm:choose>
+            </dgm:if>
+            <dgm:if name="Name14" func="var" arg="hierBranch" op="equ" val="hang">
+              <dgm:alg type="hierRoot"/>
+              <dgm:constrLst>
+                <dgm:constr type="alignOff" val="0.65"/>
+              </dgm:constrLst>
+            </dgm:if>
+            <dgm:else name="Name15">
+              <dgm:alg type="hierRoot"/>
+              <dgm:constrLst>
+                <dgm:constr type="alignOff"/>
+                <dgm:constr type="bendDist" for="des" ptType="parTrans" refType="sp" fact="0.5"/>
+              </dgm:constrLst>
+            </dgm:else>
+          </dgm:choose>
+          <dgm:shape xmlns:r="http://schemas.openxmlformats.org/officeDocument/2006/relationships" r:blip="">
+            <dgm:adjLst/>
+          </dgm:shape>
+          <dgm:presOf/>
+          <dgm:ruleLst/>
+          <dgm:layoutNode name="rootComposite1">
+            <dgm:alg type="composite"/>
+            <dgm:shape xmlns:r="http://schemas.openxmlformats.org/officeDocument/2006/relationships" r:blip="">
+              <dgm:adjLst/>
+            </dgm:shape>
+            <dgm:presOf axis="self" ptType="node" cnt="1"/>
+            <dgm:choose name="Name16">
+              <dgm:if name="Name17" func="var" arg="hierBranch" op="equ" val="init">
+                <dgm:constrLst>
+                  <dgm:constr type="l" for="ch" forName="rootText1"/>
+                  <dgm:constr type="t" for="ch" forName="rootText1"/>
+                  <dgm:constr type="w" for="ch" forName="rootText1" refType="w"/>
+                  <dgm:constr type="h" for="ch" forName="rootText1" refType="h"/>
+                  <dgm:constr type="l" for="ch" forName="rootConnector1"/>
+                  <dgm:constr type="t" for="ch" forName="rootConnector1"/>
+                  <dgm:constr type="w" for="ch" forName="rootConnector1" refType="w" refFor="ch" refForName="rootText1" fact="0.2"/>
+                  <dgm:constr type="h" for="ch" forName="rootConnector1" refType="h" refFor="ch" refForName="rootText1"/>
+                </dgm:constrLst>
+              </dgm:if>
+              <dgm:if name="Name18" func="var" arg="hierBranch" op="equ" val="l">
+                <dgm:constrLst>
+                  <dgm:constr type="l" for="ch" forName="rootText1"/>
+                  <dgm:constr type="t" for="ch" forName="rootText1"/>
+                  <dgm:constr type="w" for="ch" forName="rootText1" refType="w"/>
+                  <dgm:constr type="h" for="ch" forName="rootText1" refType="h"/>
+                  <dgm:constr type="r" for="ch" forName="rootConnector1" refType="w"/>
+                  <dgm:constr type="t" for="ch" forName="rootConnector1"/>
+                  <dgm:constr type="w" for="ch" forName="rootConnector1" refType="w" refFor="ch" refForName="rootText1" fact="0.2"/>
+                  <dgm:constr type="h" for="ch" forName="rootConnector1" refType="h" refFor="ch" refForName="rootText1"/>
+                </dgm:constrLst>
+              </dgm:if>
+              <dgm:if name="Name19" func="var" arg="hierBranch" op="equ" val="r">
+                <dgm:constrLst>
+                  <dgm:constr type="l" for="ch" forName="rootText1"/>
+                  <dgm:constr type="t" for="ch" forName="rootText1"/>
+                  <dgm:constr type="w" for="ch" forName="rootText1" refType="w"/>
+                  <dgm:constr type="h" for="ch" forName="rootText1" refType="h"/>
+                  <dgm:constr type="l" for="ch" forName="rootConnector1"/>
+                  <dgm:constr type="t" for="ch" forName="rootConnector1"/>
+                  <dgm:constr type="w" for="ch" forName="rootConnector1" refType="w" refFor="ch" refForName="rootText1" fact="0.2"/>
+                  <dgm:constr type="h" for="ch" forName="rootConnector1" refType="h" refFor="ch" refForName="rootText1"/>
+                </dgm:constrLst>
+              </dgm:if>
+              <dgm:else name="Name20">
+                <dgm:constrLst>
+                  <dgm:constr type="l" for="ch" forName="rootText1"/>
+                  <dgm:constr type="t" for="ch" forName="rootText1"/>
+                  <dgm:constr type="w" for="ch" forName="rootText1" refType="w"/>
+                  <dgm:constr type="h" for="ch" forName="rootText1" refType="h"/>
+                  <dgm:constr type="r" for="ch" forName="rootConnector1" refType="w"/>
+                  <dgm:constr type="t" for="ch" forName="rootConnector1"/>
+                  <dgm:constr type="w" for="ch" forName="rootConnector1" refType="w" refFor="ch" refForName="rootText1" fact="0.2"/>
+                  <dgm:constr type="h" for="ch" forName="rootConnector1" refType="h" refFor="ch" refForName="rootText1"/>
+                </dgm:constrLst>
+              </dgm:else>
+            </dgm:choose>
+            <dgm:ruleLst/>
+            <dgm:layoutNode name="rootText1" styleLbl="node0">
+              <dgm:varLst>
+                <dgm:chPref val="3"/>
+              </dgm:varLst>
+              <dgm:alg type="tx"/>
+              <dgm:shape xmlns:r="http://schemas.openxmlformats.org/officeDocument/2006/relationships" type="rect" r:blip="">
+                <dgm:adjLst/>
+              </dgm:shape>
+              <dgm:presOf axis="self" ptType="node" cnt="1"/>
+              <dgm:constrLst>
+                <dgm:constr type="primFontSz" val="65"/>
+                <dgm:constr type="lMarg" refType="primFontSz" fact="0.05"/>
+                <dgm:constr type="rMarg" refType="primFontSz" fact="0.05"/>
+                <dgm:constr type="tMarg" refType="primFontSz" fact="0.05"/>
+                <dgm:constr type="bMarg" refType="primFontSz" fact="0.05"/>
+              </dgm:constrLst>
+              <dgm:ruleLst>
+                <dgm:rule type="primFontSz" val="5" fact="NaN" max="NaN"/>
+              </dgm:ruleLst>
+            </dgm:layoutNode>
+            <dgm:layoutNode name="rootConnector1" moveWith="rootText1">
+              <dgm:alg type="sp"/>
+              <dgm:shape xmlns:r="http://schemas.openxmlformats.org/officeDocument/2006/relationships" type="rect" r:blip="" hideGeom="1">
+                <dgm:adjLst/>
+              </dgm:shape>
+              <dgm:presOf axis="self" ptType="node" cnt="1"/>
+              <dgm:constrLst/>
+              <dgm:ruleLst/>
+            </dgm:layoutNode>
+          </dgm:layoutNode>
+          <dgm:layoutNode name="hierChild2">
+            <dgm:choose name="Name21">
+              <dgm:if name="Name22" func="var" arg="hierBranch" op="equ" val="l">
+                <dgm:alg type="hierChild">
+                  <dgm:param type="chAlign" val="r"/>
+                  <dgm:param type="linDir" val="fromT"/>
+                </dgm:alg>
+              </dgm:if>
+              <dgm:if name="Name23" func="var" arg="hierBranch" op="equ" val="r">
+                <dgm:alg type="hierChild">
+                  <dgm:param type="chAlign" val="l"/>
+                  <dgm:param type="linDir" val="fromT"/>
+                </dgm:alg>
+              </dgm:if>
+              <dgm:if name="Name24" func="var" arg="hierBranch" op="equ" val="hang">
+                <dgm:choose name="Name25">
+                  <dgm:if name="Name26" func="var" arg="dir" op="equ" val="norm">
+                    <dgm:alg type="hierChild">
+                      <dgm:param type="chAlign" val="l"/>
+                      <dgm:param type="linDir" val="fromL"/>
+                      <dgm:param type="secChAlign" val="t"/>
+                      <dgm:param type="secLinDir" val="fromT"/>
+                    </dgm:alg>
+                  </dgm:if>
+                  <dgm:else name="Name27">
+                    <dgm:alg type="hierChild">
+                      <dgm:param type="chAlign" val="l"/>
+                      <dgm:param type="linDir" val="fromR"/>
+                      <dgm:param type="secChAlign" val="t"/>
+                      <dgm:param type="secLinDir" val="fromT"/>
+                    </dgm:alg>
+                  </dgm:else>
+                </dgm:choose>
+              </dgm:if>
+              <dgm:else name="Name28">
+                <dgm:choose name="Name29">
+                  <dgm:if name="Name30" func="var" arg="dir" op="equ" val="norm">
+                    <dgm:alg type="hierChild"/>
+                  </dgm:if>
+                  <dgm:else name="Name31">
+                    <dgm:alg type="hierChild">
+                      <dgm:param type="linDir" val="fromR"/>
+                    </dgm:alg>
+                  </dgm:else>
+                </dgm:choose>
+              </dgm:else>
+            </dgm:choose>
+            <dgm:shape xmlns:r="http://schemas.openxmlformats.org/officeDocument/2006/relationships" r:blip="">
+              <dgm:adjLst/>
+            </dgm:shape>
+            <dgm:presOf/>
+            <dgm:constrLst/>
+            <dgm:ruleLst/>
+            <dgm:forEach name="rep2a" axis="ch" ptType="nonAsst">
+              <dgm:forEach name="Name32" axis="precedSib" ptType="parTrans" st="-1" cnt="1">
+                <dgm:choose name="Name33">
+                  <dgm:if name="Name34" func="var" arg="hierBranch" op="equ" val="std">
+                    <dgm:layoutNode name="Name35">
+                      <dgm:alg type="conn">
+                        <dgm:param type="connRout" val="bend"/>
+                        <dgm:param type="dim" val="1D"/>
+                        <dgm:param type="endSty" val="noArr"/>
+                        <dgm:param type="begPts" val="bCtr"/>
+                        <dgm:param type="endPts" val="tCtr"/>
+                        <dgm:param type="bendPt" val="end"/>
+                      </dgm:alg>
+                      <dgm:shape xmlns:r="http://schemas.openxmlformats.org/officeDocument/2006/relationships" type="conn" r:blip="" zOrderOff="-99999">
+                        <dgm:adjLst/>
+                      </dgm:shape>
+                      <dgm:presOf axis="self"/>
+                      <dgm:constrLst>
+                        <dgm:constr type="begPad"/>
+                        <dgm:constr type="endPad"/>
+                      </dgm:constrLst>
+                      <dgm:ruleLst/>
+                    </dgm:layoutNode>
+                  </dgm:if>
+                  <dgm:if name="Name36" func="var" arg="hierBranch" op="equ" val="init">
+                    <dgm:layoutNode name="Name37">
+                      <dgm:choose name="Name38">
+                        <dgm:if name="Name39" axis="self" func="depth" op="lte" val="2">
+                          <dgm:alg type="conn">
+                            <dgm:param type="connRout" val="bend"/>
+                            <dgm:param type="dim" val="1D"/>
+                            <dgm:param type="endSty" val="noArr"/>
+                            <dgm:param type="begPts" val="bCtr"/>
+                            <dgm:param type="endPts" val="tCtr"/>
+                            <dgm:param type="bendPt" val="end"/>
+                          </dgm:alg>
+                        </dgm:if>
+                        <dgm:else name="Name40">
+                          <dgm:choose name="Name41">
+                            <dgm:if name="Name42" axis="par des" func="maxDepth" op="lte" val="1">
+                              <dgm:choose name="Name43">
+                                <dgm:if name="Name44" axis="par ch" ptType="node asst" func="cnt" op="gte" val="1">
+                                  <dgm:alg type="conn">
+                                    <dgm:param type="connRout" val="bend"/>
+                                    <dgm:param type="dim" val="1D"/>
+                                    <dgm:param type="endSty" val="noArr"/>
+                                    <dgm:param type="begPts" val="bCtr"/>
+                                    <dgm:param type="endPts" val="midL midR"/>
+                                  </dgm:alg>
+                                </dgm:if>
+                                <dgm:else name="Name45">
+                                  <dgm:alg type="conn">
+                                    <dgm:param type="connRout" val="bend"/>
+                                    <dgm:param type="dim" val="1D"/>
+                                    <dgm:param type="endSty" val="noArr"/>
+                                    <dgm:param type="begPts" val="bCtr"/>
+                                    <dgm:param type="endPts" val="midL midR"/>
+                                    <dgm:param type="srcNode" val="rootConnector"/>
+                                  </dgm:alg>
+                                </dgm:else>
+                              </dgm:choose>
+                            </dgm:if>
+                            <dgm:else name="Name46">
+                              <dgm:alg type="conn">
+                                <dgm:param type="connRout" val="bend"/>
+                                <dgm:param type="dim" val="1D"/>
+                                <dgm:param type="endSty" val="noArr"/>
+                                <dgm:param type="begPts" val="bCtr"/>
+                                <dgm:param type="endPts" val="tCtr"/>
+                                <dgm:param type="bendPt" val="end"/>
+                              </dgm:alg>
+                            </dgm:else>
+                          </dgm:choose>
+                        </dgm:else>
+                      </dgm:choose>
+                      <dgm:shape xmlns:r="http://schemas.openxmlformats.org/officeDocument/2006/relationships" type="conn" r:blip="" zOrderOff="-99999">
+                        <dgm:adjLst/>
+                      </dgm:shape>
+                      <dgm:presOf axis="self"/>
+                      <dgm:constrLst>
+                        <dgm:constr type="begPad"/>
+                        <dgm:constr type="endPad"/>
+                      </dgm:constrLst>
+                      <dgm:ruleLst/>
+                    </dgm:layoutNode>
+                  </dgm:if>
+                  <dgm:if name="Name47" func="var" arg="hierBranch" op="equ" val="hang">
+                    <dgm:layoutNode name="Name48">
+                      <dgm:alg type="conn">
+                        <dgm:param type="connRout" val="bend"/>
+                        <dgm:param type="dim" val="1D"/>
+                        <dgm:param type="endSty" val="noArr"/>
+                        <dgm:param type="begPts" val="bCtr"/>
+                        <dgm:param type="endPts" val="midL midR"/>
+                      </dgm:alg>
+                      <dgm:shape xmlns:r="http://schemas.openxmlformats.org/officeDocument/2006/relationships" type="conn" r:blip="" zOrderOff="-99999">
+                        <dgm:adjLst/>
+                      </dgm:shape>
+                      <dgm:presOf axis="self"/>
+                      <dgm:constrLst>
+                        <dgm:constr type="begPad"/>
+                        <dgm:constr type="endPad"/>
+                      </dgm:constrLst>
+                      <dgm:ruleLst/>
+                    </dgm:layoutNode>
+                  </dgm:if>
+                  <dgm:else name="Name49">
+                    <dgm:layoutNode name="Name50">
+                      <dgm:choose name="Name51">
+                        <dgm:if name="Name52" axis="self" func="depth" op="lte" val="2">
+                          <dgm:choose name="Name53">
+                            <dgm:if name="Name54" axis="par ch" ptType="node asst" func="cnt" op="gte" val="1">
+                              <dgm:alg type="conn">
+                                <dgm:param type="connRout" val="bend"/>
+                                <dgm:param type="dim" val="1D"/>
+                                <dgm:param type="endSty" val="noArr"/>
+                                <dgm:param type="begPts" val="bCtr"/>
+                                <dgm:param type="endPts" val="midL midR"/>
+                              </dgm:alg>
+                            </dgm:if>
+                            <dgm:else name="Name55">
+                              <dgm:alg type="conn">
+                                <dgm:param type="connRout" val="bend"/>
+                                <dgm:param type="dim" val="1D"/>
+                                <dgm:param type="endSty" val="noArr"/>
+                                <dgm:param type="begPts" val="bCtr"/>
+                                <dgm:param type="endPts" val="midL midR"/>
+                                <dgm:param type="srcNode" val="rootConnector1"/>
+                              </dgm:alg>
+                            </dgm:else>
+                          </dgm:choose>
+                        </dgm:if>
+                        <dgm:else name="Name56">
+                          <dgm:choose name="Name57">
+                            <dgm:if name="Name58" axis="par ch" ptType="node asst" func="cnt" op="gte" val="1">
+                              <dgm:alg type="conn">
+                                <dgm:param type="connRout" val="bend"/>
+                                <dgm:param type="dim" val="1D"/>
+                                <dgm:param type="endSty" val="noArr"/>
+                                <dgm:param type="begPts" val="bCtr"/>
+                                <dgm:param type="endPts" val="midL midR"/>
+                              </dgm:alg>
+                            </dgm:if>
+                            <dgm:else name="Name59">
+                              <dgm:alg type="conn">
+                                <dgm:param type="connRout" val="bend"/>
+                                <dgm:param type="dim" val="1D"/>
+                                <dgm:param type="endSty" val="noArr"/>
+                                <dgm:param type="begPts" val="bCtr"/>
+                                <dgm:param type="endPts" val="midL midR"/>
+                                <dgm:param type="srcNode" val="rootConnector"/>
+                              </dgm:alg>
+                            </dgm:else>
+                          </dgm:choose>
+                        </dgm:else>
+                      </dgm:choose>
+                      <dgm:shape xmlns:r="http://schemas.openxmlformats.org/officeDocument/2006/relationships" type="conn" r:blip="" zOrderOff="-99999">
+                        <dgm:adjLst/>
+                      </dgm:shape>
+                      <dgm:presOf axis="self"/>
+                      <dgm:constrLst>
+                        <dgm:constr type="begPad"/>
+                        <dgm:constr type="endPad"/>
+                      </dgm:constrLst>
+                      <dgm:ruleLst/>
+                    </dgm:layoutNode>
+                  </dgm:else>
+                </dgm:choose>
+              </dgm:forEach>
+              <dgm:layoutNode name="hierRoot2">
+                <dgm:varLst>
+                  <dgm:hierBranch val="init"/>
+                </dgm:varLst>
+                <dgm:choose name="Name60">
+                  <dgm:if name="Name61" func="var" arg="hierBranch" op="equ" val="l">
+                    <dgm:choose name="Name62">
+                      <dgm:if name="Name63" axis="ch" ptType="asst" func="cnt" op="gte" val="1">
+                        <dgm:alg type="hierRoot">
+                          <dgm:param type="hierAlign" val="tR"/>
+                        </dgm:alg>
+                        <dgm:shape xmlns:r="http://schemas.openxmlformats.org/officeDocument/2006/relationships" r:blip="">
+                          <dgm:adjLst/>
+                        </dgm:shape>
+                        <dgm:presOf/>
+                        <dgm:constrLst>
+                          <dgm:constr type="alignOff" val="0.65"/>
+                        </dgm:constrLst>
+                      </dgm:if>
+                      <dgm:else name="Name64">
+                        <dgm:alg type="hierRoot">
+                          <dgm:param type="hierAlign" val="tR"/>
+                        </dgm:alg>
+                        <dgm:shape xmlns:r="http://schemas.openxmlformats.org/officeDocument/2006/relationships" r:blip="">
+                          <dgm:adjLst/>
+                        </dgm:shape>
+                        <dgm:presOf/>
+                        <dgm:constrLst>
+                          <dgm:constr type="alignOff" val="0.25"/>
+                        </dgm:constrLst>
+                      </dgm:else>
+                    </dgm:choose>
+                  </dgm:if>
+                  <dgm:if name="Name65" func="var" arg="hierBranch" op="equ" val="r">
+                    <dgm:choose name="Name66">
+                      <dgm:if name="Name67" axis="ch" ptType="asst" func="cnt" op="gte" val="1">
+                        <dgm:alg type="hierRoot">
+                          <dgm:param type="hierAlign" val="tL"/>
+                        </dgm:alg>
+                        <dgm:shape xmlns:r="http://schemas.openxmlformats.org/officeDocument/2006/relationships" r:blip="">
+                          <dgm:adjLst/>
+                        </dgm:shape>
+                        <dgm:presOf/>
+                        <dgm:constrLst>
+                          <dgm:constr type="alignOff" val="0.65"/>
+                        </dgm:constrLst>
+                      </dgm:if>
+                      <dgm:else name="Name68">
+                        <dgm:alg type="hierRoot">
+                          <dgm:param type="hierAlign" val="tL"/>
+                        </dgm:alg>
+                        <dgm:shape xmlns:r="http://schemas.openxmlformats.org/officeDocument/2006/relationships" r:blip="">
+                          <dgm:adjLst/>
+                        </dgm:shape>
+                        <dgm:presOf/>
+                        <dgm:constrLst>
+                          <dgm:constr type="alignOff" val="0.25"/>
+                        </dgm:constrLst>
+                      </dgm:else>
+                    </dgm:choose>
+                  </dgm:if>
+                  <dgm:if name="Name69" func="var" arg="hierBranch" op="equ" val="std">
+                    <dgm:alg type="hierRoot"/>
+                    <dgm:shape xmlns:r="http://schemas.openxmlformats.org/officeDocument/2006/relationships" r:blip="">
+                      <dgm:adjLst/>
+                    </dgm:shape>
+                    <dgm:presOf/>
+                    <dgm:constrLst>
+                      <dgm:constr type="alignOff"/>
+                      <dgm:constr type="bendDist" for="des" ptType="parTrans" refType="sp" fact="0.5"/>
+                    </dgm:constrLst>
+                  </dgm:if>
+                  <dgm:if name="Name70" func="var" arg="hierBranch" op="equ" val="init">
+                    <dgm:choose name="Name71">
+                      <dgm:if name="Name72" axis="des" func="maxDepth" op="lte" val="1">
+                        <dgm:choose name="Name73">
+                          <dgm:if name="Name74" axis="ch" ptType="asst" func="cnt" op="gte" val="1">
+                            <dgm:alg type="hierRoot">
+                              <dgm:param type="hierAlign" val="tL"/>
+                            </dgm:alg>
+                            <dgm:shape xmlns:r="http://schemas.openxmlformats.org/officeDocument/2006/relationships" r:blip="">
+                              <dgm:adjLst/>
+                            </dgm:shape>
+                            <dgm:presOf/>
+                            <dgm:constrLst>
+                              <dgm:constr type="alignOff" val="0.65"/>
+                            </dgm:constrLst>
+                          </dgm:if>
+                          <dgm:else name="Name75">
+                            <dgm:alg type="hierRoot">
+                              <dgm:param type="hierAlign" val="tL"/>
+                            </dgm:alg>
+                            <dgm:shape xmlns:r="http://schemas.openxmlformats.org/officeDocument/2006/relationships" r:blip="">
+                              <dgm:adjLst/>
+                            </dgm:shape>
+                            <dgm:presOf/>
+                            <dgm:constrLst>
+                              <dgm:constr type="alignOff" val="0.25"/>
+                            </dgm:constrLst>
+                          </dgm:else>
+                        </dgm:choose>
+                      </dgm:if>
+                      <dgm:else name="Name76">
+                        <dgm:alg type="hierRoot"/>
+                        <dgm:shape xmlns:r="http://schemas.openxmlformats.org/officeDocument/2006/relationships" r:blip="">
+                          <dgm:adjLst/>
+                        </dgm:shape>
+                        <dgm:presOf/>
+                        <dgm:constrLst>
+                          <dgm:constr type="alignOff"/>
+                          <dgm:constr type="bendDist" for="des" ptType="parTrans" refType="sp" fact="0.5"/>
+                        </dgm:constrLst>
+                      </dgm:else>
+                    </dgm:choose>
+                  </dgm:if>
+                  <dgm:else name="Name77">
+                    <dgm:alg type="hierRoot"/>
+                    <dgm:shape xmlns:r="http://schemas.openxmlformats.org/officeDocument/2006/relationships" r:blip="">
+                      <dgm:adjLst/>
+                    </dgm:shape>
+                    <dgm:presOf/>
+                    <dgm:constrLst>
+                      <dgm:constr type="alignOff" val="0.65"/>
+                    </dgm:constrLst>
+                  </dgm:else>
+                </dgm:choose>
+                <dgm:ruleLst/>
+                <dgm:layoutNode name="rootComposite">
+                  <dgm:alg type="composite"/>
+                  <dgm:shape xmlns:r="http://schemas.openxmlformats.org/officeDocument/2006/relationships" r:blip="">
+                    <dgm:adjLst/>
+                  </dgm:shape>
+                  <dgm:presOf axis="self" ptType="node" cnt="1"/>
+                  <dgm:choose name="Name78">
+                    <dgm:if name="Name79" func="var" arg="hierBranch" op="equ" val="init">
+                      <dgm:constrLst>
+                        <dgm:constr type="l" for="ch" forName="rootText"/>
+                        <dgm:constr type="t" for="ch" forName="rootText"/>
+                        <dgm:constr type="w" for="ch" forName="rootText" refType="w"/>
+                        <dgm:constr type="h" for="ch" forName="rootText" refType="h"/>
+                        <dgm:constr type="l" for="ch" forName="rootConnector"/>
+                        <dgm:constr type="t" for="ch" forName="rootConnector"/>
+                        <dgm:constr type="w" for="ch" forName="rootConnector" refType="w" refFor="ch" refForName="rootText" fact="0.2"/>
+                        <dgm:constr type="h" for="ch" forName="rootConnector" refType="h" refFor="ch" refForName="rootText"/>
+                      </dgm:constrLst>
+                    </dgm:if>
+                    <dgm:if name="Name80" func="var" arg="hierBranch" op="equ" val="l">
+                      <dgm:constrLst>
+                        <dgm:constr type="l" for="ch" forName="rootText"/>
+                        <dgm:constr type="t" for="ch" forName="rootText"/>
+                        <dgm:constr type="w" for="ch" forName="rootText" refType="w"/>
+                        <dgm:constr type="h" for="ch" forName="rootText" refType="h"/>
+                        <dgm:constr type="r" for="ch" forName="rootConnector" refType="w"/>
+                        <dgm:constr type="t" for="ch" forName="rootConnector"/>
+                        <dgm:constr type="w" for="ch" forName="rootConnector" refType="w" refFor="ch" refForName="rootText" fact="0.2"/>
+                        <dgm:constr type="h" for="ch" forName="rootConnector" refType="h" refFor="ch" refForName="rootText"/>
+                      </dgm:constrLst>
+                    </dgm:if>
+                    <dgm:if name="Name81" func="var" arg="hierBranch" op="equ" val="r">
+                      <dgm:constrLst>
+                        <dgm:constr type="l" for="ch" forName="rootText"/>
+                        <dgm:constr type="t" for="ch" forName="rootText"/>
+                        <dgm:constr type="w" for="ch" forName="rootText" refType="w"/>
+                        <dgm:constr type="h" for="ch" forName="rootText" refType="h"/>
+                        <dgm:constr type="l" for="ch" forName="rootConnector"/>
+                        <dgm:constr type="t" for="ch" forName="rootConnector"/>
+                        <dgm:constr type="w" for="ch" forName="rootConnector" refType="w" refFor="ch" refForName="rootText" fact="0.2"/>
+                        <dgm:constr type="h" for="ch" forName="rootConnector" refType="h" refFor="ch" refForName="rootText"/>
+                      </dgm:constrLst>
+                    </dgm:if>
+                    <dgm:else name="Name82">
+                      <dgm:constrLst>
+                        <dgm:constr type="l" for="ch" forName="rootText"/>
+                        <dgm:constr type="t" for="ch" forName="rootText"/>
+                        <dgm:constr type="w" for="ch" forName="rootText" refType="w"/>
+                        <dgm:constr type="h" for="ch" forName="rootText" refType="h"/>
+                        <dgm:constr type="r" for="ch" forName="rootConnector" refType="w"/>
+                        <dgm:constr type="t" for="ch" forName="rootConnector"/>
+                        <dgm:constr type="w" for="ch" forName="rootConnector" refType="w" refFor="ch" refForName="rootText" fact="0.2"/>
+                        <dgm:constr type="h" for="ch" forName="rootConnector" refType="h" refFor="ch" refForName="rootText"/>
+                      </dgm:constrLst>
+                    </dgm:else>
+                  </dgm:choose>
+                  <dgm:ruleLst/>
+                  <dgm:layoutNode name="rootText">
+                    <dgm:varLst>
+                      <dgm:chPref val="3"/>
+                    </dgm:varLst>
+                    <dgm:alg type="tx"/>
+                    <dgm:shape xmlns:r="http://schemas.openxmlformats.org/officeDocument/2006/relationships" type="rect" r:blip="">
+                      <dgm:adjLst/>
+                    </dgm:shape>
+                    <dgm:presOf axis="self" ptType="node" cnt="1"/>
+                    <dgm:constrLst>
+                      <dgm:constr type="primFontSz" val="65"/>
+                      <dgm:constr type="lMarg" refType="primFontSz" fact="0.05"/>
+                      <dgm:constr type="rMarg" refType="primFontSz" fact="0.05"/>
+                      <dgm:constr type="tMarg" refType="primFontSz" fact="0.05"/>
+                      <dgm:constr type="bMarg" refType="primFontSz" fact="0.05"/>
+                    </dgm:constrLst>
+                    <dgm:ruleLst>
+                      <dgm:rule type="primFontSz" val="5" fact="NaN" max="NaN"/>
+                    </dgm:ruleLst>
+                  </dgm:layoutNode>
+                  <dgm:layoutNode name="rootConnector" moveWith="rootText">
+                    <dgm:alg type="sp"/>
+                    <dgm:shape xmlns:r="http://schemas.openxmlformats.org/officeDocument/2006/relationships" type="rect" r:blip="" hideGeom="1">
+                      <dgm:adjLst/>
+                    </dgm:shape>
+                    <dgm:presOf axis="self" ptType="node" cnt="1"/>
+                    <dgm:constrLst/>
+                    <dgm:ruleLst/>
+                  </dgm:layoutNode>
+                </dgm:layoutNode>
+                <dgm:layoutNode name="hierChild4">
+                  <dgm:choose name="Name83">
+                    <dgm:if name="Name84" func="var" arg="hierBranch" op="equ" val="l">
+                      <dgm:alg type="hierChild">
+                        <dgm:param type="chAlign" val="r"/>
+                        <dgm:param type="linDir" val="fromT"/>
+                      </dgm:alg>
+                    </dgm:if>
+                    <dgm:if name="Name85" func="var" arg="hierBranch" op="equ" val="r">
+                      <dgm:alg type="hierChild">
+                        <dgm:param type="chAlign" val="l"/>
+                        <dgm:param type="linDir" val="fromT"/>
+                      </dgm:alg>
+                    </dgm:if>
+                    <dgm:if name="Name86" func="var" arg="hierBranch" op="equ" val="hang">
+                      <dgm:choose name="Name87">
+                        <dgm:if name="Name88" func="var" arg="dir" op="equ" val="norm">
+                          <dgm:alg type="hierChild">
+                            <dgm:param type="chAlign" val="l"/>
+                            <dgm:param type="linDir" val="fromL"/>
+                            <dgm:param type="secChAlign" val="t"/>
+                            <dgm:param type="secLinDir" val="fromT"/>
+                          </dgm:alg>
+                        </dgm:if>
+                        <dgm:else name="Name89">
+                          <dgm:alg type="hierChild">
+                            <dgm:param type="chAlign" val="l"/>
+                            <dgm:param type="linDir" val="fromR"/>
+                            <dgm:param type="secChAlign" val="t"/>
+                            <dgm:param type="secLinDir" val="fromT"/>
+                          </dgm:alg>
+                        </dgm:else>
+                      </dgm:choose>
+                    </dgm:if>
+                    <dgm:if name="Name90" func="var" arg="hierBranch" op="equ" val="std">
+                      <dgm:choose name="Name91">
+                        <dgm:if name="Name92" func="var" arg="dir" op="equ" val="norm">
+                          <dgm:alg type="hierChild"/>
+                        </dgm:if>
+                        <dgm:else name="Name93">
+                          <dgm:alg type="hierChild">
+                            <dgm:param type="linDir" val="fromR"/>
+                          </dgm:alg>
+                        </dgm:else>
+                      </dgm:choose>
+                    </dgm:if>
+                    <dgm:if name="Name94" func="var" arg="hierBranch" op="equ" val="init">
+                      <dgm:choose name="Name95">
+                        <dgm:if name="Name96" axis="des" func="maxDepth" op="lte" val="1">
+                          <dgm:alg type="hierChild">
+                            <dgm:param type="chAlign" val="l"/>
+                            <dgm:param type="linDir" val="fromT"/>
+                          </dgm:alg>
+                        </dgm:if>
+                        <dgm:else name="Name97">
+                          <dgm:choose name="Name98">
+                            <dgm:if name="Name99" func="var" arg="dir" op="equ" val="norm">
+                              <dgm:alg type="hierChild"/>
+                            </dgm:if>
+                            <dgm:else name="Name100">
+                              <dgm:alg type="hierChild">
+                                <dgm:param type="linDir" val="fromR"/>
+                              </dgm:alg>
+                            </dgm:else>
+                          </dgm:choose>
+                        </dgm:else>
+                      </dgm:choose>
+                    </dgm:if>
+                    <dgm:else name="Name101"/>
+                  </dgm:choose>
+                  <dgm:shape xmlns:r="http://schemas.openxmlformats.org/officeDocument/2006/relationships" r:blip="">
+                    <dgm:adjLst/>
+                  </dgm:shape>
+                  <dgm:presOf/>
+                  <dgm:constrLst/>
+                  <dgm:ruleLst/>
+                  <dgm:forEach name="Name102" ref="rep2a"/>
+                </dgm:layoutNode>
+                <dgm:layoutNode name="hierChild5">
+                  <dgm:choose name="Name103">
+                    <dgm:if name="Name104" func="var" arg="dir" op="equ" val="norm">
+                      <dgm:alg type="hierChild">
+                        <dgm:param type="chAlign" val="l"/>
+                        <dgm:param type="linDir" val="fromL"/>
+                        <dgm:param type="secChAlign" val="t"/>
+                        <dgm:param type="secLinDir" val="fromT"/>
+                      </dgm:alg>
+                    </dgm:if>
+                    <dgm:else name="Name105">
+                      <dgm:alg type="hierChild">
+                        <dgm:param type="chAlign" val="l"/>
+                        <dgm:param type="linDir" val="fromR"/>
+                        <dgm:param type="secChAlign" val="t"/>
+                        <dgm:param type="secLinDir" val="fromT"/>
+                      </dgm:alg>
+                    </dgm:else>
+                  </dgm:choose>
+                  <dgm:shape xmlns:r="http://schemas.openxmlformats.org/officeDocument/2006/relationships" r:blip="">
+                    <dgm:adjLst/>
+                  </dgm:shape>
+                  <dgm:presOf/>
+                  <dgm:constrLst/>
+                  <dgm:ruleLst/>
+                  <dgm:forEach name="Name106" ref="rep2b"/>
+                </dgm:layoutNode>
+              </dgm:layoutNode>
+            </dgm:forEach>
+          </dgm:layoutNode>
+          <dgm:layoutNode name="hierChild3">
+            <dgm:choose name="Name107">
+              <dgm:if name="Name108" func="var" arg="dir" op="equ" val="norm">
+                <dgm:alg type="hierChild">
+                  <dgm:param type="chAlign" val="l"/>
+                  <dgm:param type="linDir" val="fromL"/>
+                  <dgm:param type="secChAlign" val="t"/>
+                  <dgm:param type="secLinDir" val="fromT"/>
+                </dgm:alg>
+              </dgm:if>
+              <dgm:else name="Name109">
+                <dgm:alg type="hierChild">
+                  <dgm:param type="chAlign" val="l"/>
+                  <dgm:param type="linDir" val="fromR"/>
+                  <dgm:param type="secChAlign" val="t"/>
+                  <dgm:param type="secLinDir" val="fromT"/>
+                </dgm:alg>
+              </dgm:else>
+            </dgm:choose>
+            <dgm:shape xmlns:r="http://schemas.openxmlformats.org/officeDocument/2006/relationships" r:blip="">
+              <dgm:adjLst/>
+            </dgm:shape>
+            <dgm:presOf/>
+            <dgm:constrLst/>
+            <dgm:ruleLst/>
+            <dgm:forEach name="rep2b" axis="ch" ptType="asst">
+              <dgm:forEach name="Name110" axis="precedSib" ptType="parTrans" st="-1" cnt="1">
+                <dgm:layoutNode name="Name111">
+                  <dgm:alg type="conn">
+                    <dgm:param type="connRout" val="bend"/>
+                    <dgm:param type="dim" val="1D"/>
+                    <dgm:param type="endSty" val="noArr"/>
+                    <dgm:param type="begPts" val="bCtr"/>
+                    <dgm:param type="endPts" val="midL midR"/>
+                  </dgm:alg>
+                  <dgm:shape xmlns:r="http://schemas.openxmlformats.org/officeDocument/2006/relationships" type="conn" r:blip="" zOrderOff="-99999">
+                    <dgm:adjLst/>
+                  </dgm:shape>
+                  <dgm:presOf axis="self"/>
+                  <dgm:constrLst>
+                    <dgm:constr type="begPad"/>
+                    <dgm:constr type="endPad"/>
+                  </dgm:constrLst>
+                  <dgm:ruleLst/>
+                </dgm:layoutNode>
+              </dgm:forEach>
+              <dgm:layoutNode name="hierRoot3">
+                <dgm:varLst>
+                  <dgm:hierBranch val="init"/>
+                </dgm:varLst>
+                <dgm:choose name="Name112">
+                  <dgm:if name="Name113" func="var" arg="hierBranch" op="equ" val="l">
+                    <dgm:alg type="hierRoot">
+                      <dgm:param type="hierAlign" val="tR"/>
+                    </dgm:alg>
+                    <dgm:shape xmlns:r="http://schemas.openxmlformats.org/officeDocument/2006/relationships" r:blip="">
+                      <dgm:adjLst/>
+                    </dgm:shape>
+                    <dgm:presOf/>
+                    <dgm:constrLst>
+                      <dgm:constr type="alignOff" val="0.65"/>
+                    </dgm:constrLst>
+                  </dgm:if>
+                  <dgm:if name="Name114" func="var" arg="hierBranch" op="equ" val="r">
+                    <dgm:alg type="hierRoot">
+                      <dgm:param type="hierAlign" val="tL"/>
+                    </dgm:alg>
+                    <dgm:shape xmlns:r="http://schemas.openxmlformats.org/officeDocument/2006/relationships" r:blip="">
+                      <dgm:adjLst/>
+                    </dgm:shape>
+                    <dgm:presOf/>
+                    <dgm:constrLst>
+                      <dgm:constr type="alignOff" val="0.65"/>
+                    </dgm:constrLst>
+                  </dgm:if>
+                  <dgm:if name="Name115" func="var" arg="hierBranch" op="equ" val="hang">
+                    <dgm:alg type="hierRoot"/>
+                    <dgm:shape xmlns:r="http://schemas.openxmlformats.org/officeDocument/2006/relationships" r:blip="">
+                      <dgm:adjLst/>
+                    </dgm:shape>
+                    <dgm:presOf/>
+                    <dgm:constrLst>
+                      <dgm:constr type="alignOff" val="0.65"/>
+                    </dgm:constrLst>
+                  </dgm:if>
+                  <dgm:if name="Name116" func="var" arg="hierBranch" op="equ" val="std">
+                    <dgm:alg type="hierRoot"/>
+                    <dgm:shape xmlns:r="http://schemas.openxmlformats.org/officeDocument/2006/relationships" r:blip="">
+                      <dgm:adjLst/>
+                    </dgm:shape>
+                    <dgm:presOf/>
+                    <dgm:constrLst>
+                      <dgm:constr type="alignOff"/>
+                      <dgm:constr type="bendDist" for="des" ptType="parTrans" refType="sp" fact="0.5"/>
+                    </dgm:constrLst>
+                  </dgm:if>
+                  <dgm:if name="Name117" func="var" arg="hierBranch" op="equ" val="init">
+                    <dgm:choose name="Name118">
+                      <dgm:if name="Name119" axis="des" func="maxDepth" op="lte" val="1">
+                        <dgm:alg type="hierRoot">
+                          <dgm:param type="hierAlign" val="tL"/>
+                        </dgm:alg>
+                        <dgm:shape xmlns:r="http://schemas.openxmlformats.org/officeDocument/2006/relationships" r:blip="">
+                          <dgm:adjLst/>
+                        </dgm:shape>
+                        <dgm:presOf/>
+                        <dgm:constrLst>
+                          <dgm:constr type="alignOff" val="0.65"/>
+                        </dgm:constrLst>
+                      </dgm:if>
+                      <dgm:else name="Name120">
+                        <dgm:alg type="hierRoot"/>
+                        <dgm:shape xmlns:r="http://schemas.openxmlformats.org/officeDocument/2006/relationships" r:blip="">
+                          <dgm:adjLst/>
+                        </dgm:shape>
+                        <dgm:presOf/>
+                        <dgm:constrLst>
+                          <dgm:constr type="alignOff"/>
+                          <dgm:constr type="bendDist" for="des" ptType="parTrans" refType="sp" fact="0.5"/>
+                        </dgm:constrLst>
+                      </dgm:else>
+                    </dgm:choose>
+                  </dgm:if>
+                  <dgm:else name="Name121"/>
+                </dgm:choose>
+                <dgm:ruleLst/>
+                <dgm:layoutNode name="rootComposite3">
+                  <dgm:alg type="composite"/>
+                  <dgm:shape xmlns:r="http://schemas.openxmlformats.org/officeDocument/2006/relationships" r:blip="">
+                    <dgm:adjLst/>
+                  </dgm:shape>
+                  <dgm:presOf axis="self" ptType="node" cnt="1"/>
+                  <dgm:choose name="Name122">
+                    <dgm:if name="Name123" func="var" arg="hierBranch" op="equ" val="init">
+                      <dgm:constrLst>
+                        <dgm:constr type="l" for="ch" forName="rootText3"/>
+                        <dgm:constr type="t" for="ch" forName="rootText3"/>
+                        <dgm:constr type="w" for="ch" forName="rootText3" refType="w"/>
+                        <dgm:constr type="h" for="ch" forName="rootText3" refType="h"/>
+                        <dgm:constr type="l" for="ch" forName="rootConnector3"/>
+                        <dgm:constr type="t" for="ch" forName="rootConnector3"/>
+                        <dgm:constr type="w" for="ch" forName="rootConnector3" refType="w" refFor="ch" refForName="rootText3" fact="0.2"/>
+                        <dgm:constr type="h" for="ch" forName="rootConnector3" refType="h" refFor="ch" refForName="rootText3"/>
+                      </dgm:constrLst>
+                    </dgm:if>
+                    <dgm:if name="Name124" func="var" arg="hierBranch" op="equ" val="l">
+                      <dgm:constrLst>
+                        <dgm:constr type="l" for="ch" forName="rootText3"/>
+                        <dgm:constr type="t" for="ch" forName="rootText3"/>
+                        <dgm:constr type="w" for="ch" forName="rootText3" refType="w"/>
+                        <dgm:constr type="h" for="ch" forName="rootText3" refType="h"/>
+                        <dgm:constr type="r" for="ch" forName="rootConnector3" refType="w"/>
+                        <dgm:constr type="t" for="ch" forName="rootConnector3"/>
+                        <dgm:constr type="w" for="ch" forName="rootConnector3" refType="w" refFor="ch" refForName="rootText3" fact="0.2"/>
+                        <dgm:constr type="h" for="ch" forName="rootConnector3" refType="h" refFor="ch" refForName="rootText3"/>
+                      </dgm:constrLst>
+                    </dgm:if>
+                    <dgm:if name="Name125" func="var" arg="hierBranch" op="equ" val="r">
+                      <dgm:constrLst>
+                        <dgm:constr type="l" for="ch" forName="rootText3"/>
+                        <dgm:constr type="t" for="ch" forName="rootText3"/>
+                        <dgm:constr type="w" for="ch" forName="rootText3" refType="w"/>
+                        <dgm:constr type="h" for="ch" forName="rootText3" refType="h"/>
+                        <dgm:constr type="l" for="ch" forName="rootConnector3"/>
+                        <dgm:constr type="t" for="ch" forName="rootConnector3"/>
+                        <dgm:constr type="w" for="ch" forName="rootConnector3" refType="w" refFor="ch" refForName="rootText3" fact="0.2"/>
+                        <dgm:constr type="h" for="ch" forName="rootConnector3" refType="h" refFor="ch" refForName="rootText3"/>
+                      </dgm:constrLst>
+                    </dgm:if>
+                    <dgm:else name="Name126">
+                      <dgm:constrLst>
+                        <dgm:constr type="l" for="ch" forName="rootText3"/>
+                        <dgm:constr type="t" for="ch" forName="rootText3"/>
+                        <dgm:constr type="w" for="ch" forName="rootText3" refType="w"/>
+                        <dgm:constr type="h" for="ch" forName="rootText3" refType="h"/>
+                        <dgm:constr type="r" for="ch" forName="rootConnector3" refType="w"/>
+                        <dgm:constr type="t" for="ch" forName="rootConnector3"/>
+                        <dgm:constr type="w" for="ch" forName="rootConnector3" refType="w" refFor="ch" refForName="rootText3" fact="0.2"/>
+                        <dgm:constr type="h" for="ch" forName="rootConnector3" refType="h" refFor="ch" refForName="rootText3"/>
+                      </dgm:constrLst>
+                    </dgm:else>
+                  </dgm:choose>
+                  <dgm:ruleLst/>
+                  <dgm:layoutNode name="rootText3">
+                    <dgm:varLst>
+                      <dgm:chPref val="3"/>
+                    </dgm:varLst>
+                    <dgm:alg type="tx"/>
+                    <dgm:shape xmlns:r="http://schemas.openxmlformats.org/officeDocument/2006/relationships" type="rect" r:blip="">
+                      <dgm:adjLst/>
+                    </dgm:shape>
+                    <dgm:presOf axis="self" ptType="node" cnt="1"/>
+                    <dgm:constrLst>
+                      <dgm:constr type="primFontSz" val="65"/>
+                      <dgm:constr type="lMarg" refType="primFontSz" fact="0.05"/>
+                      <dgm:constr type="rMarg" refType="primFontSz" fact="0.05"/>
+                      <dgm:constr type="tMarg" refType="primFontSz" fact="0.05"/>
+                      <dgm:constr type="bMarg" refType="primFontSz" fact="0.05"/>
+                    </dgm:constrLst>
+                    <dgm:ruleLst>
+                      <dgm:rule type="primFontSz" val="5" fact="NaN" max="NaN"/>
+                    </dgm:ruleLst>
+                  </dgm:layoutNode>
+                  <dgm:layoutNode name="rootConnector3" moveWith="rootText1">
+                    <dgm:alg type="sp"/>
+                    <dgm:shape xmlns:r="http://schemas.openxmlformats.org/officeDocument/2006/relationships" type="rect" r:blip="" hideGeom="1">
+                      <dgm:adjLst/>
+                    </dgm:shape>
+                    <dgm:presOf axis="self" ptType="node" cnt="1"/>
+                    <dgm:constrLst/>
+                    <dgm:ruleLst/>
+                  </dgm:layoutNode>
+                </dgm:layoutNode>
+                <dgm:layoutNode name="hierChild6">
+                  <dgm:choose name="Name127">
+                    <dgm:if name="Name128" func="var" arg="hierBranch" op="equ" val="l">
+                      <dgm:alg type="hierChild">
+                        <dgm:param type="chAlign" val="r"/>
+                        <dgm:param type="linDir" val="fromT"/>
+                      </dgm:alg>
+                    </dgm:if>
+                    <dgm:if name="Name129" func="var" arg="hierBranch" op="equ" val="r">
+                      <dgm:alg type="hierChild">
+                        <dgm:param type="chAlign" val="l"/>
+                        <dgm:param type="linDir" val="fromT"/>
+                      </dgm:alg>
+                    </dgm:if>
+                    <dgm:if name="Name130" func="var" arg="hierBranch" op="equ" val="hang">
+                      <dgm:choose name="Name131">
+                        <dgm:if name="Name132" func="var" arg="dir" op="equ" val="norm">
+                          <dgm:alg type="hierChild">
+                            <dgm:param type="chAlign" val="l"/>
+                            <dgm:param type="linDir" val="fromL"/>
+                            <dgm:param type="secChAlign" val="t"/>
+                            <dgm:param type="secLinDir" val="fromT"/>
+                          </dgm:alg>
+                        </dgm:if>
+                        <dgm:else name="Name133">
+                          <dgm:alg type="hierChild">
+                            <dgm:param type="chAlign" val="l"/>
+                            <dgm:param type="linDir" val="fromR"/>
+                            <dgm:param type="secChAlign" val="t"/>
+                            <dgm:param type="secLinDir" val="fromT"/>
+                          </dgm:alg>
+                        </dgm:else>
+                      </dgm:choose>
+                    </dgm:if>
+                    <dgm:if name="Name134" func="var" arg="hierBranch" op="equ" val="std">
+                      <dgm:choose name="Name135">
+                        <dgm:if name="Name136" func="var" arg="dir" op="equ" val="norm">
+                          <dgm:alg type="hierChild"/>
+                        </dgm:if>
+                        <dgm:else name="Name137">
+                          <dgm:alg type="hierChild">
+                            <dgm:param type="linDir" val="fromR"/>
+                          </dgm:alg>
+                        </dgm:else>
+                      </dgm:choose>
+                    </dgm:if>
+                    <dgm:if name="Name138" func="var" arg="hierBranch" op="equ" val="init">
+                      <dgm:choose name="Name139">
+                        <dgm:if name="Name140" axis="des" func="maxDepth" op="lte" val="1">
+                          <dgm:alg type="hierChild">
+                            <dgm:param type="chAlign" val="l"/>
+                            <dgm:param type="linDir" val="fromT"/>
+                          </dgm:alg>
+                        </dgm:if>
+                        <dgm:else name="Name141">
+                          <dgm:alg type="hierChild"/>
+                        </dgm:else>
+                      </dgm:choose>
+                    </dgm:if>
+                    <dgm:else name="Name142"/>
+                  </dgm:choose>
+                  <dgm:shape xmlns:r="http://schemas.openxmlformats.org/officeDocument/2006/relationships" r:blip="">
+                    <dgm:adjLst/>
+                  </dgm:shape>
+                  <dgm:presOf/>
+                  <dgm:constrLst/>
+                  <dgm:ruleLst/>
+                  <dgm:forEach name="Name143" ref="rep2a"/>
+                </dgm:layoutNode>
+                <dgm:layoutNode name="hierChild7">
+                  <dgm:choose name="Name144">
+                    <dgm:if name="Name145" func="var" arg="dir" op="equ" val="norm">
+                      <dgm:alg type="hierChild">
+                        <dgm:param type="chAlign" val="l"/>
+                        <dgm:param type="linDir" val="fromL"/>
+                        <dgm:param type="secChAlign" val="t"/>
+                        <dgm:param type="secLinDir" val="fromT"/>
+                      </dgm:alg>
+                    </dgm:if>
+                    <dgm:else name="Name146">
+                      <dgm:alg type="hierChild">
+                        <dgm:param type="chAlign" val="l"/>
+                        <dgm:param type="linDir" val="fromR"/>
+                        <dgm:param type="secChAlign" val="t"/>
+                        <dgm:param type="secLinDir" val="fromT"/>
+                      </dgm:alg>
+                    </dgm:else>
+                  </dgm:choose>
+                  <dgm:shape xmlns:r="http://schemas.openxmlformats.org/officeDocument/2006/relationships" r:blip="">
+                    <dgm:adjLst/>
+                  </dgm:shape>
+                  <dgm:presOf/>
+                  <dgm:constrLst/>
+                  <dgm:ruleLst/>
+                  <dgm:forEach name="Name147" ref="rep2b"/>
+                </dgm:layoutNode>
+              </dgm:layoutNode>
+            </dgm:forEach>
+          </dgm:layoutNode>
+        </dgm:layoutNode>
+      </dgm:forEach>
+    </dgm:forEach>
+  </dgm:layoutNode>
+</dgm:layoutDef>
+</file>
+
+<file path=ppt/diagrams/layout2.xml><?xml version="1.0" encoding="utf-8"?>
 <dgm:layoutDef xmlns:dgm="http://schemas.openxmlformats.org/drawingml/2006/diagram" xmlns:a="http://schemas.openxmlformats.org/drawingml/2006/main" uniqueId="urn:microsoft.com/office/officeart/2005/8/layout/chevron1">
   <dgm:title val=""/>
   <dgm:desc val=""/>
@@ -2978,6 +6711,1040 @@
 </file>
 
 <file path=ppt/diagrams/quickStyle1.xml><?xml version="1.0" encoding="utf-8"?>
+<dgm:styleDef xmlns:dgm="http://schemas.openxmlformats.org/drawingml/2006/diagram" xmlns:a="http://schemas.openxmlformats.org/drawingml/2006/main" uniqueId="urn:microsoft.com/office/officeart/2005/8/quickstyle/simple1">
+  <dgm:title val=""/>
+  <dgm:desc val=""/>
+  <dgm:catLst>
+    <dgm:cat type="simple" pri="10100"/>
+  </dgm:catLst>
+  <dgm:scene3d>
+    <a:camera prst="orthographicFront"/>
+    <a:lightRig rig="threePt" dir="t"/>
+  </dgm:scene3d>
+  <dgm:styleLbl name="node0">
+    <dgm:scene3d>
+      <a:camera prst="orthographicFront"/>
+      <a:lightRig rig="threePt" dir="t"/>
+    </dgm:scene3d>
+    <dgm:sp3d/>
+    <dgm:txPr/>
+    <dgm:style>
+      <a:lnRef idx="2">
+        <a:scrgbClr r="0" g="0" b="0"/>
+      </a:lnRef>
+      <a:fillRef idx="1">
+        <a:scrgbClr r="0" g="0" b="0"/>
+      </a:fillRef>
+      <a:effectRef idx="0">
+        <a:scrgbClr r="0" g="0" b="0"/>
+      </a:effectRef>
+      <a:fontRef idx="minor">
+        <a:schemeClr val="lt1"/>
+      </a:fontRef>
+    </dgm:style>
+  </dgm:styleLbl>
+  <dgm:styleLbl name="lnNode1">
+    <dgm:scene3d>
+      <a:camera prst="orthographicFront"/>
+      <a:lightRig rig="threePt" dir="t"/>
+    </dgm:scene3d>
+    <dgm:sp3d/>
+    <dgm:txPr/>
+    <dgm:style>
+      <a:lnRef idx="2">
+        <a:scrgbClr r="0" g="0" b="0"/>
+      </a:lnRef>
+      <a:fillRef idx="1">
+        <a:scrgbClr r="0" g="0" b="0"/>
+      </a:fillRef>
+      <a:effectRef idx="0">
+        <a:scrgbClr r="0" g="0" b="0"/>
+      </a:effectRef>
+      <a:fontRef idx="minor">
+        <a:schemeClr val="lt1"/>
+      </a:fontRef>
+    </dgm:style>
+  </dgm:styleLbl>
+  <dgm:styleLbl name="vennNode1">
+    <dgm:scene3d>
+      <a:camera prst="orthographicFront"/>
+      <a:lightRig rig="threePt" dir="t"/>
+    </dgm:scene3d>
+    <dgm:sp3d/>
+    <dgm:txPr/>
+    <dgm:style>
+      <a:lnRef idx="2">
+        <a:scrgbClr r="0" g="0" b="0"/>
+      </a:lnRef>
+      <a:fillRef idx="1">
+        <a:scrgbClr r="0" g="0" b="0"/>
+      </a:fillRef>
+      <a:effectRef idx="0">
+        <a:scrgbClr r="0" g="0" b="0"/>
+      </a:effectRef>
+      <a:fontRef idx="minor">
+        <a:schemeClr val="tx1"/>
+      </a:fontRef>
+    </dgm:style>
+  </dgm:styleLbl>
+  <dgm:styleLbl name="alignNode1">
+    <dgm:scene3d>
+      <a:camera prst="orthographicFront"/>
+      <a:lightRig rig="threePt" dir="t"/>
+    </dgm:scene3d>
+    <dgm:sp3d/>
+    <dgm:txPr/>
+    <dgm:style>
+      <a:lnRef idx="2">
+        <a:scrgbClr r="0" g="0" b="0"/>
+      </a:lnRef>
+      <a:fillRef idx="1">
+        <a:scrgbClr r="0" g="0" b="0"/>
+      </a:fillRef>
+      <a:effectRef idx="0">
+        <a:scrgbClr r="0" g="0" b="0"/>
+      </a:effectRef>
+      <a:fontRef idx="minor">
+        <a:schemeClr val="lt1"/>
+      </a:fontRef>
+    </dgm:style>
+  </dgm:styleLbl>
+  <dgm:styleLbl name="node1">
+    <dgm:scene3d>
+      <a:camera prst="orthographicFront"/>
+      <a:lightRig rig="threePt" dir="t"/>
+    </dgm:scene3d>
+    <dgm:sp3d/>
+    <dgm:txPr/>
+    <dgm:style>
+      <a:lnRef idx="2">
+        <a:scrgbClr r="0" g="0" b="0"/>
+      </a:lnRef>
+      <a:fillRef idx="1">
+        <a:scrgbClr r="0" g="0" b="0"/>
+      </a:fillRef>
+      <a:effectRef idx="0">
+        <a:scrgbClr r="0" g="0" b="0"/>
+      </a:effectRef>
+      <a:fontRef idx="minor">
+        <a:schemeClr val="lt1"/>
+      </a:fontRef>
+    </dgm:style>
+  </dgm:styleLbl>
+  <dgm:styleLbl name="node2">
+    <dgm:scene3d>
+      <a:camera prst="orthographicFront"/>
+      <a:lightRig rig="threePt" dir="t"/>
+    </dgm:scene3d>
+    <dgm:sp3d/>
+    <dgm:txPr/>
+    <dgm:style>
+      <a:lnRef idx="2">
+        <a:scrgbClr r="0" g="0" b="0"/>
+      </a:lnRef>
+      <a:fillRef idx="1">
+        <a:scrgbClr r="0" g="0" b="0"/>
+      </a:fillRef>
+      <a:effectRef idx="0">
+        <a:scrgbClr r="0" g="0" b="0"/>
+      </a:effectRef>
+      <a:fontRef idx="minor">
+        <a:schemeClr val="lt1"/>
+      </a:fontRef>
+    </dgm:style>
+  </dgm:styleLbl>
+  <dgm:styleLbl name="node3">
+    <dgm:scene3d>
+      <a:camera prst="orthographicFront"/>
+      <a:lightRig rig="threePt" dir="t"/>
+    </dgm:scene3d>
+    <dgm:sp3d/>
+    <dgm:txPr/>
+    <dgm:style>
+      <a:lnRef idx="2">
+        <a:scrgbClr r="0" g="0" b="0"/>
+      </a:lnRef>
+      <a:fillRef idx="1">
+        <a:scrgbClr r="0" g="0" b="0"/>
+      </a:fillRef>
+      <a:effectRef idx="0">
+        <a:scrgbClr r="0" g="0" b="0"/>
+      </a:effectRef>
+      <a:fontRef idx="minor">
+        <a:schemeClr val="lt1"/>
+      </a:fontRef>
+    </dgm:style>
+  </dgm:styleLbl>
+  <dgm:styleLbl name="node4">
+    <dgm:scene3d>
+      <a:camera prst="orthographicFront"/>
+      <a:lightRig rig="threePt" dir="t"/>
+    </dgm:scene3d>
+    <dgm:sp3d/>
+    <dgm:txPr/>
+    <dgm:style>
+      <a:lnRef idx="2">
+        <a:scrgbClr r="0" g="0" b="0"/>
+      </a:lnRef>
+      <a:fillRef idx="1">
+        <a:scrgbClr r="0" g="0" b="0"/>
+      </a:fillRef>
+      <a:effectRef idx="0">
+        <a:scrgbClr r="0" g="0" b="0"/>
+      </a:effectRef>
+      <a:fontRef idx="minor">
+        <a:schemeClr val="lt1"/>
+      </a:fontRef>
+    </dgm:style>
+  </dgm:styleLbl>
+  <dgm:styleLbl name="fgImgPlace1">
+    <dgm:scene3d>
+      <a:camera prst="orthographicFront"/>
+      <a:lightRig rig="threePt" dir="t"/>
+    </dgm:scene3d>
+    <dgm:sp3d/>
+    <dgm:txPr/>
+    <dgm:style>
+      <a:lnRef idx="2">
+        <a:scrgbClr r="0" g="0" b="0"/>
+      </a:lnRef>
+      <a:fillRef idx="1">
+        <a:scrgbClr r="0" g="0" b="0"/>
+      </a:fillRef>
+      <a:effectRef idx="0">
+        <a:scrgbClr r="0" g="0" b="0"/>
+      </a:effectRef>
+      <a:fontRef idx="minor"/>
+    </dgm:style>
+  </dgm:styleLbl>
+  <dgm:styleLbl name="alignImgPlace1">
+    <dgm:scene3d>
+      <a:camera prst="orthographicFront"/>
+      <a:lightRig rig="threePt" dir="t"/>
+    </dgm:scene3d>
+    <dgm:sp3d/>
+    <dgm:txPr/>
+    <dgm:style>
+      <a:lnRef idx="2">
+        <a:scrgbClr r="0" g="0" b="0"/>
+      </a:lnRef>
+      <a:fillRef idx="1">
+        <a:scrgbClr r="0" g="0" b="0"/>
+      </a:fillRef>
+      <a:effectRef idx="0">
+        <a:scrgbClr r="0" g="0" b="0"/>
+      </a:effectRef>
+      <a:fontRef idx="minor"/>
+    </dgm:style>
+  </dgm:styleLbl>
+  <dgm:styleLbl name="bgImgPlace1">
+    <dgm:scene3d>
+      <a:camera prst="orthographicFront"/>
+      <a:lightRig rig="threePt" dir="t"/>
+    </dgm:scene3d>
+    <dgm:sp3d/>
+    <dgm:txPr/>
+    <dgm:style>
+      <a:lnRef idx="2">
+        <a:scrgbClr r="0" g="0" b="0"/>
+      </a:lnRef>
+      <a:fillRef idx="1">
+        <a:scrgbClr r="0" g="0" b="0"/>
+      </a:fillRef>
+      <a:effectRef idx="0">
+        <a:scrgbClr r="0" g="0" b="0"/>
+      </a:effectRef>
+      <a:fontRef idx="minor"/>
+    </dgm:style>
+  </dgm:styleLbl>
+  <dgm:styleLbl name="sibTrans2D1">
+    <dgm:scene3d>
+      <a:camera prst="orthographicFront"/>
+      <a:lightRig rig="threePt" dir="t"/>
+    </dgm:scene3d>
+    <dgm:sp3d/>
+    <dgm:txPr/>
+    <dgm:style>
+      <a:lnRef idx="0">
+        <a:scrgbClr r="0" g="0" b="0"/>
+      </a:lnRef>
+      <a:fillRef idx="1">
+        <a:scrgbClr r="0" g="0" b="0"/>
+      </a:fillRef>
+      <a:effectRef idx="0">
+        <a:scrgbClr r="0" g="0" b="0"/>
+      </a:effectRef>
+      <a:fontRef idx="minor">
+        <a:schemeClr val="lt1"/>
+      </a:fontRef>
+    </dgm:style>
+  </dgm:styleLbl>
+  <dgm:styleLbl name="fgSibTrans2D1">
+    <dgm:scene3d>
+      <a:camera prst="orthographicFront"/>
+      <a:lightRig rig="threePt" dir="t"/>
+    </dgm:scene3d>
+    <dgm:sp3d/>
+    <dgm:txPr/>
+    <dgm:style>
+      <a:lnRef idx="0">
+        <a:scrgbClr r="0" g="0" b="0"/>
+      </a:lnRef>
+      <a:fillRef idx="1">
+        <a:scrgbClr r="0" g="0" b="0"/>
+      </a:fillRef>
+      <a:effectRef idx="0">
+        <a:scrgbClr r="0" g="0" b="0"/>
+      </a:effectRef>
+      <a:fontRef idx="minor">
+        <a:schemeClr val="lt1"/>
+      </a:fontRef>
+    </dgm:style>
+  </dgm:styleLbl>
+  <dgm:styleLbl name="bgSibTrans2D1">
+    <dgm:scene3d>
+      <a:camera prst="orthographicFront"/>
+      <a:lightRig rig="threePt" dir="t"/>
+    </dgm:scene3d>
+    <dgm:sp3d/>
+    <dgm:txPr/>
+    <dgm:style>
+      <a:lnRef idx="0">
+        <a:scrgbClr r="0" g="0" b="0"/>
+      </a:lnRef>
+      <a:fillRef idx="1">
+        <a:scrgbClr r="0" g="0" b="0"/>
+      </a:fillRef>
+      <a:effectRef idx="0">
+        <a:scrgbClr r="0" g="0" b="0"/>
+      </a:effectRef>
+      <a:fontRef idx="minor">
+        <a:schemeClr val="lt1"/>
+      </a:fontRef>
+    </dgm:style>
+  </dgm:styleLbl>
+  <dgm:styleLbl name="sibTrans1D1">
+    <dgm:scene3d>
+      <a:camera prst="orthographicFront"/>
+      <a:lightRig rig="threePt" dir="t"/>
+    </dgm:scene3d>
+    <dgm:sp3d/>
+    <dgm:txPr/>
+    <dgm:style>
+      <a:lnRef idx="1">
+        <a:scrgbClr r="0" g="0" b="0"/>
+      </a:lnRef>
+      <a:fillRef idx="0">
+        <a:scrgbClr r="0" g="0" b="0"/>
+      </a:fillRef>
+      <a:effectRef idx="0">
+        <a:scrgbClr r="0" g="0" b="0"/>
+      </a:effectRef>
+      <a:fontRef idx="minor"/>
+    </dgm:style>
+  </dgm:styleLbl>
+  <dgm:styleLbl name="callout">
+    <dgm:scene3d>
+      <a:camera prst="orthographicFront"/>
+      <a:lightRig rig="threePt" dir="t"/>
+    </dgm:scene3d>
+    <dgm:sp3d/>
+    <dgm:txPr/>
+    <dgm:style>
+      <a:lnRef idx="2">
+        <a:scrgbClr r="0" g="0" b="0"/>
+      </a:lnRef>
+      <a:fillRef idx="1">
+        <a:scrgbClr r="0" g="0" b="0"/>
+      </a:fillRef>
+      <a:effectRef idx="0">
+        <a:scrgbClr r="0" g="0" b="0"/>
+      </a:effectRef>
+      <a:fontRef idx="minor"/>
+    </dgm:style>
+  </dgm:styleLbl>
+  <dgm:styleLbl name="asst0">
+    <dgm:scene3d>
+      <a:camera prst="orthographicFront"/>
+      <a:lightRig rig="threePt" dir="t"/>
+    </dgm:scene3d>
+    <dgm:sp3d/>
+    <dgm:txPr/>
+    <dgm:style>
+      <a:lnRef idx="2">
+        <a:scrgbClr r="0" g="0" b="0"/>
+      </a:lnRef>
+      <a:fillRef idx="1">
+        <a:scrgbClr r="0" g="0" b="0"/>
+      </a:fillRef>
+      <a:effectRef idx="0">
+        <a:scrgbClr r="0" g="0" b="0"/>
+      </a:effectRef>
+      <a:fontRef idx="minor">
+        <a:schemeClr val="lt1"/>
+      </a:fontRef>
+    </dgm:style>
+  </dgm:styleLbl>
+  <dgm:styleLbl name="asst1">
+    <dgm:scene3d>
+      <a:camera prst="orthographicFront"/>
+      <a:lightRig rig="threePt" dir="t"/>
+    </dgm:scene3d>
+    <dgm:sp3d/>
+    <dgm:txPr/>
+    <dgm:style>
+      <a:lnRef idx="2">
+        <a:scrgbClr r="0" g="0" b="0"/>
+      </a:lnRef>
+      <a:fillRef idx="1">
+        <a:scrgbClr r="0" g="0" b="0"/>
+      </a:fillRef>
+      <a:effectRef idx="0">
+        <a:scrgbClr r="0" g="0" b="0"/>
+      </a:effectRef>
+      <a:fontRef idx="minor">
+        <a:schemeClr val="lt1"/>
+      </a:fontRef>
+    </dgm:style>
+  </dgm:styleLbl>
+  <dgm:styleLbl name="asst2">
+    <dgm:scene3d>
+      <a:camera prst="orthographicFront"/>
+      <a:lightRig rig="threePt" dir="t"/>
+    </dgm:scene3d>
+    <dgm:sp3d/>
+    <dgm:txPr/>
+    <dgm:style>
+      <a:lnRef idx="2">
+        <a:scrgbClr r="0" g="0" b="0"/>
+      </a:lnRef>
+      <a:fillRef idx="1">
+        <a:scrgbClr r="0" g="0" b="0"/>
+      </a:fillRef>
+      <a:effectRef idx="0">
+        <a:scrgbClr r="0" g="0" b="0"/>
+      </a:effectRef>
+      <a:fontRef idx="minor">
+        <a:schemeClr val="lt1"/>
+      </a:fontRef>
+    </dgm:style>
+  </dgm:styleLbl>
+  <dgm:styleLbl name="asst3">
+    <dgm:scene3d>
+      <a:camera prst="orthographicFront"/>
+      <a:lightRig rig="threePt" dir="t"/>
+    </dgm:scene3d>
+    <dgm:sp3d/>
+    <dgm:txPr/>
+    <dgm:style>
+      <a:lnRef idx="2">
+        <a:scrgbClr r="0" g="0" b="0"/>
+      </a:lnRef>
+      <a:fillRef idx="1">
+        <a:scrgbClr r="0" g="0" b="0"/>
+      </a:fillRef>
+      <a:effectRef idx="0">
+        <a:scrgbClr r="0" g="0" b="0"/>
+      </a:effectRef>
+      <a:fontRef idx="minor">
+        <a:schemeClr val="lt1"/>
+      </a:fontRef>
+    </dgm:style>
+  </dgm:styleLbl>
+  <dgm:styleLbl name="asst4">
+    <dgm:scene3d>
+      <a:camera prst="orthographicFront"/>
+      <a:lightRig rig="threePt" dir="t"/>
+    </dgm:scene3d>
+    <dgm:sp3d/>
+    <dgm:txPr/>
+    <dgm:style>
+      <a:lnRef idx="2">
+        <a:scrgbClr r="0" g="0" b="0"/>
+      </a:lnRef>
+      <a:fillRef idx="1">
+        <a:scrgbClr r="0" g="0" b="0"/>
+      </a:fillRef>
+      <a:effectRef idx="0">
+        <a:scrgbClr r="0" g="0" b="0"/>
+      </a:effectRef>
+      <a:fontRef idx="minor">
+        <a:schemeClr val="lt1"/>
+      </a:fontRef>
+    </dgm:style>
+  </dgm:styleLbl>
+  <dgm:styleLbl name="parChTrans2D1">
+    <dgm:scene3d>
+      <a:camera prst="orthographicFront"/>
+      <a:lightRig rig="threePt" dir="t"/>
+    </dgm:scene3d>
+    <dgm:sp3d/>
+    <dgm:txPr/>
+    <dgm:style>
+      <a:lnRef idx="2">
+        <a:scrgbClr r="0" g="0" b="0"/>
+      </a:lnRef>
+      <a:fillRef idx="1">
+        <a:scrgbClr r="0" g="0" b="0"/>
+      </a:fillRef>
+      <a:effectRef idx="0">
+        <a:scrgbClr r="0" g="0" b="0"/>
+      </a:effectRef>
+      <a:fontRef idx="minor">
+        <a:schemeClr val="lt1"/>
+      </a:fontRef>
+    </dgm:style>
+  </dgm:styleLbl>
+  <dgm:styleLbl name="parChTrans2D2">
+    <dgm:scene3d>
+      <a:camera prst="orthographicFront"/>
+      <a:lightRig rig="threePt" dir="t"/>
+    </dgm:scene3d>
+    <dgm:sp3d/>
+    <dgm:txPr/>
+    <dgm:style>
+      <a:lnRef idx="2">
+        <a:scrgbClr r="0" g="0" b="0"/>
+      </a:lnRef>
+      <a:fillRef idx="1">
+        <a:scrgbClr r="0" g="0" b="0"/>
+      </a:fillRef>
+      <a:effectRef idx="0">
+        <a:scrgbClr r="0" g="0" b="0"/>
+      </a:effectRef>
+      <a:fontRef idx="minor">
+        <a:schemeClr val="lt1"/>
+      </a:fontRef>
+    </dgm:style>
+  </dgm:styleLbl>
+  <dgm:styleLbl name="parChTrans2D3">
+    <dgm:scene3d>
+      <a:camera prst="orthographicFront"/>
+      <a:lightRig rig="threePt" dir="t"/>
+    </dgm:scene3d>
+    <dgm:sp3d/>
+    <dgm:txPr/>
+    <dgm:style>
+      <a:lnRef idx="2">
+        <a:scrgbClr r="0" g="0" b="0"/>
+      </a:lnRef>
+      <a:fillRef idx="1">
+        <a:scrgbClr r="0" g="0" b="0"/>
+      </a:fillRef>
+      <a:effectRef idx="0">
+        <a:scrgbClr r="0" g="0" b="0"/>
+      </a:effectRef>
+      <a:fontRef idx="minor">
+        <a:schemeClr val="lt1"/>
+      </a:fontRef>
+    </dgm:style>
+  </dgm:styleLbl>
+  <dgm:styleLbl name="parChTrans2D4">
+    <dgm:scene3d>
+      <a:camera prst="orthographicFront"/>
+      <a:lightRig rig="threePt" dir="t"/>
+    </dgm:scene3d>
+    <dgm:sp3d/>
+    <dgm:txPr/>
+    <dgm:style>
+      <a:lnRef idx="2">
+        <a:scrgbClr r="0" g="0" b="0"/>
+      </a:lnRef>
+      <a:fillRef idx="1">
+        <a:scrgbClr r="0" g="0" b="0"/>
+      </a:fillRef>
+      <a:effectRef idx="0">
+        <a:scrgbClr r="0" g="0" b="0"/>
+      </a:effectRef>
+      <a:fontRef idx="minor">
+        <a:schemeClr val="lt1"/>
+      </a:fontRef>
+    </dgm:style>
+  </dgm:styleLbl>
+  <dgm:styleLbl name="parChTrans1D1">
+    <dgm:scene3d>
+      <a:camera prst="orthographicFront"/>
+      <a:lightRig rig="threePt" dir="t"/>
+    </dgm:scene3d>
+    <dgm:sp3d/>
+    <dgm:txPr/>
+    <dgm:style>
+      <a:lnRef idx="2">
+        <a:scrgbClr r="0" g="0" b="0"/>
+      </a:lnRef>
+      <a:fillRef idx="0">
+        <a:scrgbClr r="0" g="0" b="0"/>
+      </a:fillRef>
+      <a:effectRef idx="0">
+        <a:scrgbClr r="0" g="0" b="0"/>
+      </a:effectRef>
+      <a:fontRef idx="minor"/>
+    </dgm:style>
+  </dgm:styleLbl>
+  <dgm:styleLbl name="parChTrans1D2">
+    <dgm:scene3d>
+      <a:camera prst="orthographicFront"/>
+      <a:lightRig rig="threePt" dir="t"/>
+    </dgm:scene3d>
+    <dgm:sp3d/>
+    <dgm:txPr/>
+    <dgm:style>
+      <a:lnRef idx="2">
+        <a:scrgbClr r="0" g="0" b="0"/>
+      </a:lnRef>
+      <a:fillRef idx="0">
+        <a:scrgbClr r="0" g="0" b="0"/>
+      </a:fillRef>
+      <a:effectRef idx="0">
+        <a:scrgbClr r="0" g="0" b="0"/>
+      </a:effectRef>
+      <a:fontRef idx="minor"/>
+    </dgm:style>
+  </dgm:styleLbl>
+  <dgm:styleLbl name="parChTrans1D3">
+    <dgm:scene3d>
+      <a:camera prst="orthographicFront"/>
+      <a:lightRig rig="threePt" dir="t"/>
+    </dgm:scene3d>
+    <dgm:sp3d/>
+    <dgm:txPr/>
+    <dgm:style>
+      <a:lnRef idx="2">
+        <a:scrgbClr r="0" g="0" b="0"/>
+      </a:lnRef>
+      <a:fillRef idx="0">
+        <a:scrgbClr r="0" g="0" b="0"/>
+      </a:fillRef>
+      <a:effectRef idx="0">
+        <a:scrgbClr r="0" g="0" b="0"/>
+      </a:effectRef>
+      <a:fontRef idx="minor"/>
+    </dgm:style>
+  </dgm:styleLbl>
+  <dgm:styleLbl name="parChTrans1D4">
+    <dgm:scene3d>
+      <a:camera prst="orthographicFront"/>
+      <a:lightRig rig="threePt" dir="t"/>
+    </dgm:scene3d>
+    <dgm:sp3d/>
+    <dgm:txPr/>
+    <dgm:style>
+      <a:lnRef idx="2">
+        <a:scrgbClr r="0" g="0" b="0"/>
+      </a:lnRef>
+      <a:fillRef idx="0">
+        <a:scrgbClr r="0" g="0" b="0"/>
+      </a:fillRef>
+      <a:effectRef idx="0">
+        <a:scrgbClr r="0" g="0" b="0"/>
+      </a:effectRef>
+      <a:fontRef idx="minor"/>
+    </dgm:style>
+  </dgm:styleLbl>
+  <dgm:styleLbl name="fgAcc1">
+    <dgm:scene3d>
+      <a:camera prst="orthographicFront"/>
+      <a:lightRig rig="threePt" dir="t"/>
+    </dgm:scene3d>
+    <dgm:sp3d/>
+    <dgm:txPr/>
+    <dgm:style>
+      <a:lnRef idx="2">
+        <a:scrgbClr r="0" g="0" b="0"/>
+      </a:lnRef>
+      <a:fillRef idx="1">
+        <a:scrgbClr r="0" g="0" b="0"/>
+      </a:fillRef>
+      <a:effectRef idx="0">
+        <a:scrgbClr r="0" g="0" b="0"/>
+      </a:effectRef>
+      <a:fontRef idx="minor"/>
+    </dgm:style>
+  </dgm:styleLbl>
+  <dgm:styleLbl name="conFgAcc1">
+    <dgm:scene3d>
+      <a:camera prst="orthographicFront"/>
+      <a:lightRig rig="threePt" dir="t"/>
+    </dgm:scene3d>
+    <dgm:sp3d/>
+    <dgm:txPr/>
+    <dgm:style>
+      <a:lnRef idx="2">
+        <a:scrgbClr r="0" g="0" b="0"/>
+      </a:lnRef>
+      <a:fillRef idx="1">
+        <a:scrgbClr r="0" g="0" b="0"/>
+      </a:fillRef>
+      <a:effectRef idx="0">
+        <a:scrgbClr r="0" g="0" b="0"/>
+      </a:effectRef>
+      <a:fontRef idx="minor"/>
+    </dgm:style>
+  </dgm:styleLbl>
+  <dgm:styleLbl name="alignAcc1">
+    <dgm:scene3d>
+      <a:camera prst="orthographicFront"/>
+      <a:lightRig rig="threePt" dir="t"/>
+    </dgm:scene3d>
+    <dgm:sp3d/>
+    <dgm:txPr/>
+    <dgm:style>
+      <a:lnRef idx="2">
+        <a:scrgbClr r="0" g="0" b="0"/>
+      </a:lnRef>
+      <a:fillRef idx="1">
+        <a:scrgbClr r="0" g="0" b="0"/>
+      </a:fillRef>
+      <a:effectRef idx="0">
+        <a:scrgbClr r="0" g="0" b="0"/>
+      </a:effectRef>
+      <a:fontRef idx="minor"/>
+    </dgm:style>
+  </dgm:styleLbl>
+  <dgm:styleLbl name="trAlignAcc1">
+    <dgm:scene3d>
+      <a:camera prst="orthographicFront"/>
+      <a:lightRig rig="threePt" dir="t"/>
+    </dgm:scene3d>
+    <dgm:sp3d/>
+    <dgm:txPr/>
+    <dgm:style>
+      <a:lnRef idx="1">
+        <a:scrgbClr r="0" g="0" b="0"/>
+      </a:lnRef>
+      <a:fillRef idx="1">
+        <a:scrgbClr r="0" g="0" b="0"/>
+      </a:fillRef>
+      <a:effectRef idx="0">
+        <a:scrgbClr r="0" g="0" b="0"/>
+      </a:effectRef>
+      <a:fontRef idx="minor"/>
+    </dgm:style>
+  </dgm:styleLbl>
+  <dgm:styleLbl name="bgAcc1">
+    <dgm:scene3d>
+      <a:camera prst="orthographicFront"/>
+      <a:lightRig rig="threePt" dir="t"/>
+    </dgm:scene3d>
+    <dgm:sp3d/>
+    <dgm:txPr/>
+    <dgm:style>
+      <a:lnRef idx="2">
+        <a:scrgbClr r="0" g="0" b="0"/>
+      </a:lnRef>
+      <a:fillRef idx="1">
+        <a:scrgbClr r="0" g="0" b="0"/>
+      </a:fillRef>
+      <a:effectRef idx="0">
+        <a:scrgbClr r="0" g="0" b="0"/>
+      </a:effectRef>
+      <a:fontRef idx="minor"/>
+    </dgm:style>
+  </dgm:styleLbl>
+  <dgm:styleLbl name="solidFgAcc1">
+    <dgm:scene3d>
+      <a:camera prst="orthographicFront"/>
+      <a:lightRig rig="threePt" dir="t"/>
+    </dgm:scene3d>
+    <dgm:sp3d/>
+    <dgm:txPr/>
+    <dgm:style>
+      <a:lnRef idx="2">
+        <a:scrgbClr r="0" g="0" b="0"/>
+      </a:lnRef>
+      <a:fillRef idx="1">
+        <a:scrgbClr r="0" g="0" b="0"/>
+      </a:fillRef>
+      <a:effectRef idx="0">
+        <a:scrgbClr r="0" g="0" b="0"/>
+      </a:effectRef>
+      <a:fontRef idx="minor"/>
+    </dgm:style>
+  </dgm:styleLbl>
+  <dgm:styleLbl name="solidAlignAcc1">
+    <dgm:scene3d>
+      <a:camera prst="orthographicFront"/>
+      <a:lightRig rig="threePt" dir="t"/>
+    </dgm:scene3d>
+    <dgm:sp3d/>
+    <dgm:txPr/>
+    <dgm:style>
+      <a:lnRef idx="2">
+        <a:scrgbClr r="0" g="0" b="0"/>
+      </a:lnRef>
+      <a:fillRef idx="1">
+        <a:scrgbClr r="0" g="0" b="0"/>
+      </a:fillRef>
+      <a:effectRef idx="0">
+        <a:scrgbClr r="0" g="0" b="0"/>
+      </a:effectRef>
+      <a:fontRef idx="minor"/>
+    </dgm:style>
+  </dgm:styleLbl>
+  <dgm:styleLbl name="solidBgAcc1">
+    <dgm:scene3d>
+      <a:camera prst="orthographicFront"/>
+      <a:lightRig rig="threePt" dir="t"/>
+    </dgm:scene3d>
+    <dgm:sp3d/>
+    <dgm:txPr/>
+    <dgm:style>
+      <a:lnRef idx="2">
+        <a:scrgbClr r="0" g="0" b="0"/>
+      </a:lnRef>
+      <a:fillRef idx="1">
+        <a:scrgbClr r="0" g="0" b="0"/>
+      </a:fillRef>
+      <a:effectRef idx="0">
+        <a:scrgbClr r="0" g="0" b="0"/>
+      </a:effectRef>
+      <a:fontRef idx="minor"/>
+    </dgm:style>
+  </dgm:styleLbl>
+  <dgm:styleLbl name="fgAccFollowNode1">
+    <dgm:scene3d>
+      <a:camera prst="orthographicFront"/>
+      <a:lightRig rig="threePt" dir="t"/>
+    </dgm:scene3d>
+    <dgm:sp3d/>
+    <dgm:txPr/>
+    <dgm:style>
+      <a:lnRef idx="2">
+        <a:scrgbClr r="0" g="0" b="0"/>
+      </a:lnRef>
+      <a:fillRef idx="1">
+        <a:scrgbClr r="0" g="0" b="0"/>
+      </a:fillRef>
+      <a:effectRef idx="0">
+        <a:scrgbClr r="0" g="0" b="0"/>
+      </a:effectRef>
+      <a:fontRef idx="minor"/>
+    </dgm:style>
+  </dgm:styleLbl>
+  <dgm:styleLbl name="alignAccFollowNode1">
+    <dgm:scene3d>
+      <a:camera prst="orthographicFront"/>
+      <a:lightRig rig="threePt" dir="t"/>
+    </dgm:scene3d>
+    <dgm:sp3d/>
+    <dgm:txPr/>
+    <dgm:style>
+      <a:lnRef idx="2">
+        <a:scrgbClr r="0" g="0" b="0"/>
+      </a:lnRef>
+      <a:fillRef idx="1">
+        <a:scrgbClr r="0" g="0" b="0"/>
+      </a:fillRef>
+      <a:effectRef idx="0">
+        <a:scrgbClr r="0" g="0" b="0"/>
+      </a:effectRef>
+      <a:fontRef idx="minor"/>
+    </dgm:style>
+  </dgm:styleLbl>
+  <dgm:styleLbl name="bgAccFollowNode1">
+    <dgm:scene3d>
+      <a:camera prst="orthographicFront"/>
+      <a:lightRig rig="threePt" dir="t"/>
+    </dgm:scene3d>
+    <dgm:sp3d/>
+    <dgm:txPr/>
+    <dgm:style>
+      <a:lnRef idx="2">
+        <a:scrgbClr r="0" g="0" b="0"/>
+      </a:lnRef>
+      <a:fillRef idx="1">
+        <a:scrgbClr r="0" g="0" b="0"/>
+      </a:fillRef>
+      <a:effectRef idx="0">
+        <a:scrgbClr r="0" g="0" b="0"/>
+      </a:effectRef>
+      <a:fontRef idx="minor"/>
+    </dgm:style>
+  </dgm:styleLbl>
+  <dgm:styleLbl name="fgAcc0">
+    <dgm:scene3d>
+      <a:camera prst="orthographicFront"/>
+      <a:lightRig rig="threePt" dir="t"/>
+    </dgm:scene3d>
+    <dgm:sp3d/>
+    <dgm:txPr/>
+    <dgm:style>
+      <a:lnRef idx="2">
+        <a:scrgbClr r="0" g="0" b="0"/>
+      </a:lnRef>
+      <a:fillRef idx="1">
+        <a:scrgbClr r="0" g="0" b="0"/>
+      </a:fillRef>
+      <a:effectRef idx="0">
+        <a:scrgbClr r="0" g="0" b="0"/>
+      </a:effectRef>
+      <a:fontRef idx="minor"/>
+    </dgm:style>
+  </dgm:styleLbl>
+  <dgm:styleLbl name="fgAcc2">
+    <dgm:scene3d>
+      <a:camera prst="orthographicFront"/>
+      <a:lightRig rig="threePt" dir="t"/>
+    </dgm:scene3d>
+    <dgm:sp3d/>
+    <dgm:txPr/>
+    <dgm:style>
+      <a:lnRef idx="2">
+        <a:scrgbClr r="0" g="0" b="0"/>
+      </a:lnRef>
+      <a:fillRef idx="1">
+        <a:scrgbClr r="0" g="0" b="0"/>
+      </a:fillRef>
+      <a:effectRef idx="0">
+        <a:scrgbClr r="0" g="0" b="0"/>
+      </a:effectRef>
+      <a:fontRef idx="minor"/>
+    </dgm:style>
+  </dgm:styleLbl>
+  <dgm:styleLbl name="fgAcc3">
+    <dgm:scene3d>
+      <a:camera prst="orthographicFront"/>
+      <a:lightRig rig="threePt" dir="t"/>
+    </dgm:scene3d>
+    <dgm:sp3d/>
+    <dgm:txPr/>
+    <dgm:style>
+      <a:lnRef idx="2">
+        <a:scrgbClr r="0" g="0" b="0"/>
+      </a:lnRef>
+      <a:fillRef idx="1">
+        <a:scrgbClr r="0" g="0" b="0"/>
+      </a:fillRef>
+      <a:effectRef idx="0">
+        <a:scrgbClr r="0" g="0" b="0"/>
+      </a:effectRef>
+      <a:fontRef idx="minor"/>
+    </dgm:style>
+  </dgm:styleLbl>
+  <dgm:styleLbl name="fgAcc4">
+    <dgm:scene3d>
+      <a:camera prst="orthographicFront"/>
+      <a:lightRig rig="threePt" dir="t"/>
+    </dgm:scene3d>
+    <dgm:sp3d/>
+    <dgm:txPr/>
+    <dgm:style>
+      <a:lnRef idx="2">
+        <a:scrgbClr r="0" g="0" b="0"/>
+      </a:lnRef>
+      <a:fillRef idx="1">
+        <a:scrgbClr r="0" g="0" b="0"/>
+      </a:fillRef>
+      <a:effectRef idx="0">
+        <a:scrgbClr r="0" g="0" b="0"/>
+      </a:effectRef>
+      <a:fontRef idx="minor"/>
+    </dgm:style>
+  </dgm:styleLbl>
+  <dgm:styleLbl name="bgShp">
+    <dgm:scene3d>
+      <a:camera prst="orthographicFront"/>
+      <a:lightRig rig="threePt" dir="t"/>
+    </dgm:scene3d>
+    <dgm:sp3d/>
+    <dgm:txPr/>
+    <dgm:style>
+      <a:lnRef idx="0">
+        <a:scrgbClr r="0" g="0" b="0"/>
+      </a:lnRef>
+      <a:fillRef idx="1">
+        <a:scrgbClr r="0" g="0" b="0"/>
+      </a:fillRef>
+      <a:effectRef idx="0">
+        <a:scrgbClr r="0" g="0" b="0"/>
+      </a:effectRef>
+      <a:fontRef idx="minor"/>
+    </dgm:style>
+  </dgm:styleLbl>
+  <dgm:styleLbl name="dkBgShp">
+    <dgm:scene3d>
+      <a:camera prst="orthographicFront"/>
+      <a:lightRig rig="threePt" dir="t"/>
+    </dgm:scene3d>
+    <dgm:sp3d/>
+    <dgm:txPr/>
+    <dgm:style>
+      <a:lnRef idx="0">
+        <a:scrgbClr r="0" g="0" b="0"/>
+      </a:lnRef>
+      <a:fillRef idx="1">
+        <a:scrgbClr r="0" g="0" b="0"/>
+      </a:fillRef>
+      <a:effectRef idx="0">
+        <a:scrgbClr r="0" g="0" b="0"/>
+      </a:effectRef>
+      <a:fontRef idx="minor"/>
+    </dgm:style>
+  </dgm:styleLbl>
+  <dgm:styleLbl name="trBgShp">
+    <dgm:scene3d>
+      <a:camera prst="orthographicFront"/>
+      <a:lightRig rig="threePt" dir="t"/>
+    </dgm:scene3d>
+    <dgm:sp3d/>
+    <dgm:txPr/>
+    <dgm:style>
+      <a:lnRef idx="0">
+        <a:scrgbClr r="0" g="0" b="0"/>
+      </a:lnRef>
+      <a:fillRef idx="1">
+        <a:scrgbClr r="0" g="0" b="0"/>
+      </a:fillRef>
+      <a:effectRef idx="0">
+        <a:scrgbClr r="0" g="0" b="0"/>
+      </a:effectRef>
+      <a:fontRef idx="minor"/>
+    </dgm:style>
+  </dgm:styleLbl>
+  <dgm:styleLbl name="fgShp">
+    <dgm:scene3d>
+      <a:camera prst="orthographicFront"/>
+      <a:lightRig rig="threePt" dir="t"/>
+    </dgm:scene3d>
+    <dgm:sp3d/>
+    <dgm:txPr/>
+    <dgm:style>
+      <a:lnRef idx="2">
+        <a:scrgbClr r="0" g="0" b="0"/>
+      </a:lnRef>
+      <a:fillRef idx="1">
+        <a:scrgbClr r="0" g="0" b="0"/>
+      </a:fillRef>
+      <a:effectRef idx="0">
+        <a:scrgbClr r="0" g="0" b="0"/>
+      </a:effectRef>
+      <a:fontRef idx="minor"/>
+    </dgm:style>
+  </dgm:styleLbl>
+  <dgm:styleLbl name="revTx">
+    <dgm:scene3d>
+      <a:camera prst="orthographicFront"/>
+      <a:lightRig rig="threePt" dir="t"/>
+    </dgm:scene3d>
+    <dgm:sp3d/>
+    <dgm:txPr/>
+    <dgm:style>
+      <a:lnRef idx="0">
+        <a:scrgbClr r="0" g="0" b="0"/>
+      </a:lnRef>
+      <a:fillRef idx="0">
+        <a:scrgbClr r="0" g="0" b="0"/>
+      </a:fillRef>
+      <a:effectRef idx="0">
+        <a:scrgbClr r="0" g="0" b="0"/>
+      </a:effectRef>
+      <a:fontRef idx="minor"/>
+    </dgm:style>
+  </dgm:styleLbl>
+</dgm:styleDef>
+</file>
+
+<file path=ppt/diagrams/quickStyle2.xml><?xml version="1.0" encoding="utf-8"?>
 <dgm:styleDef xmlns:dgm="http://schemas.openxmlformats.org/drawingml/2006/diagram" xmlns:a="http://schemas.openxmlformats.org/drawingml/2006/main" uniqueId="urn:microsoft.com/office/officeart/2005/8/quickstyle/simple4">
   <dgm:title val=""/>
   <dgm:desc val=""/>
@@ -4093,7 +8860,7 @@
           <a:p>
             <a:fld id="{D63D5444-F62C-42C3-A75A-D9DBA807730F}" type="datetimeFigureOut">
               <a:rPr lang="en-US" smtClean="0"/>
-              <a:t>10/19/2016</a:t>
+              <a:t>10/22/16</a:t>
             </a:fld>
             <a:endParaRPr lang="en-US"/>
           </a:p>
@@ -4258,7 +9025,7 @@
           <a:p>
             <a:fld id="{12CAA1FA-7B6A-47D2-8D61-F225D71B51FF}" type="datetimeFigureOut">
               <a:rPr lang="en-US" smtClean="0"/>
-              <a:t>10/19/2016</a:t>
+              <a:t>10/22/16</a:t>
             </a:fld>
             <a:endParaRPr lang="en-US"/>
           </a:p>
@@ -5096,7 +9863,7 @@
           <a:p>
             <a:fld id="{A79A3335-6331-4872-A8B7-ECD55539F4D0}" type="datetimeFigureOut">
               <a:rPr lang="en-US" smtClean="0"/>
-              <a:t>10/19/2016</a:t>
+              <a:t>10/22/16</a:t>
             </a:fld>
             <a:endParaRPr lang="en-US"/>
           </a:p>
@@ -5354,7 +10121,7 @@
           <a:p>
             <a:fld id="{A79A3335-6331-4872-A8B7-ECD55539F4D0}" type="datetimeFigureOut">
               <a:rPr lang="en-US" smtClean="0"/>
-              <a:t>10/19/2016</a:t>
+              <a:t>10/22/16</a:t>
             </a:fld>
             <a:endParaRPr lang="en-US"/>
           </a:p>
@@ -5880,7 +10647,7 @@
           <a:p>
             <a:fld id="{A79A3335-6331-4872-A8B7-ECD55539F4D0}" type="datetimeFigureOut">
               <a:rPr lang="en-US" smtClean="0"/>
-              <a:t>10/19/2016</a:t>
+              <a:t>10/22/16</a:t>
             </a:fld>
             <a:endParaRPr lang="en-US"/>
           </a:p>
@@ -6211,7 +10978,7 @@
           <a:p>
             <a:fld id="{A79A3335-6331-4872-A8B7-ECD55539F4D0}" type="datetimeFigureOut">
               <a:rPr lang="en-US" smtClean="0"/>
-              <a:t>10/19/2016</a:t>
+              <a:t>10/22/16</a:t>
             </a:fld>
             <a:endParaRPr lang="en-US"/>
           </a:p>
@@ -6391,7 +11158,7 @@
           <a:p>
             <a:fld id="{A79A3335-6331-4872-A8B7-ECD55539F4D0}" type="datetimeFigureOut">
               <a:rPr lang="en-US" smtClean="0"/>
-              <a:t>10/19/2016</a:t>
+              <a:t>10/22/16</a:t>
             </a:fld>
             <a:endParaRPr lang="en-US"/>
           </a:p>
@@ -7617,7 +12384,7 @@
           <a:p>
             <a:fld id="{A79A3335-6331-4872-A8B7-ECD55539F4D0}" type="datetimeFigureOut">
               <a:rPr lang="en-US" smtClean="0"/>
-              <a:t>10/19/2016</a:t>
+              <a:t>10/22/16</a:t>
             </a:fld>
             <a:endParaRPr lang="en-US"/>
           </a:p>
@@ -7998,7 +12765,7 @@
           <a:p>
             <a:fld id="{A79A3335-6331-4872-A8B7-ECD55539F4D0}" type="datetimeFigureOut">
               <a:rPr lang="en-US" smtClean="0"/>
-              <a:t>10/19/2016</a:t>
+              <a:t>10/22/16</a:t>
             </a:fld>
             <a:endParaRPr lang="en-US"/>
           </a:p>
@@ -8127,7 +12894,7 @@
           <a:p>
             <a:fld id="{A79A3335-6331-4872-A8B7-ECD55539F4D0}" type="datetimeFigureOut">
               <a:rPr lang="en-US" smtClean="0"/>
-              <a:t>10/19/2016</a:t>
+              <a:t>10/22/16</a:t>
             </a:fld>
             <a:endParaRPr lang="en-US"/>
           </a:p>
@@ -8234,7 +13001,7 @@
           <a:p>
             <a:fld id="{A79A3335-6331-4872-A8B7-ECD55539F4D0}" type="datetimeFigureOut">
               <a:rPr lang="en-US" smtClean="0"/>
-              <a:t>10/19/2016</a:t>
+              <a:t>10/22/16</a:t>
             </a:fld>
             <a:endParaRPr lang="en-US"/>
           </a:p>
@@ -8524,7 +13291,7 @@
           <a:p>
             <a:fld id="{A79A3335-6331-4872-A8B7-ECD55539F4D0}" type="datetimeFigureOut">
               <a:rPr lang="en-US" smtClean="0"/>
-              <a:t>10/19/2016</a:t>
+              <a:t>10/22/16</a:t>
             </a:fld>
             <a:endParaRPr lang="en-US"/>
           </a:p>
@@ -8888,7 +13655,7 @@
             <a:fld id="{A79A3335-6331-4872-A8B7-ECD55539F4D0}" type="datetimeFigureOut">
               <a:rPr lang="en-US" smtClean="0"/>
               <a:pPr/>
-              <a:t>10/19/2016</a:t>
+              <a:t>10/22/16</a:t>
             </a:fld>
             <a:endParaRPr lang="en-US"/>
           </a:p>
@@ -9427,451 +14194,6 @@
           <a:chExt cx="0" cy="0"/>
         </a:xfrm>
       </p:grpSpPr>
-    </p:spTree>
-    <p:extLst>
-      <p:ext uri="{BB962C8B-B14F-4D97-AF65-F5344CB8AC3E}">
-        <p14:creationId xmlns:p14="http://schemas.microsoft.com/office/powerpoint/2010/main" val="1455343978"/>
-      </p:ext>
-    </p:extLst>
-  </p:cSld>
-  <p:clrMapOvr>
-    <a:masterClrMapping/>
-  </p:clrMapOvr>
-  <mc:AlternateContent xmlns:mc="http://schemas.openxmlformats.org/markup-compatibility/2006" xmlns:p14="http://schemas.microsoft.com/office/powerpoint/2010/main">
-    <mc:Choice Requires="p14">
-      <p:transition spd="med" p14:dur="700">
-        <p:fade/>
-      </p:transition>
-    </mc:Choice>
-    <mc:Fallback xmlns="">
-      <p:transition spd="med">
-        <p:fade/>
-      </p:transition>
-    </mc:Fallback>
-  </mc:AlternateContent>
-</p:sld>
-</file>
-
-<file path=ppt/slides/slide11.xml><?xml version="1.0" encoding="utf-8"?>
-<p:sld xmlns:a="http://schemas.openxmlformats.org/drawingml/2006/main" xmlns:r="http://schemas.openxmlformats.org/officeDocument/2006/relationships" xmlns:p="http://schemas.openxmlformats.org/presentationml/2006/main">
-  <p:cSld>
-    <p:spTree>
-      <p:nvGrpSpPr>
-        <p:cNvPr id="1" name=""/>
-        <p:cNvGrpSpPr/>
-        <p:nvPr/>
-      </p:nvGrpSpPr>
-      <p:grpSpPr>
-        <a:xfrm>
-          <a:off x="0" y="0"/>
-          <a:ext cx="0" cy="0"/>
-          <a:chOff x="0" y="0"/>
-          <a:chExt cx="0" cy="0"/>
-        </a:xfrm>
-      </p:grpSpPr>
-      <p:sp>
-        <p:nvSpPr>
-          <p:cNvPr id="2" name="Title 1"/>
-          <p:cNvSpPr>
-            <a:spLocks noGrp="1"/>
-          </p:cNvSpPr>
-          <p:nvPr>
-            <p:ph type="title"/>
-          </p:nvPr>
-        </p:nvSpPr>
-        <p:spPr/>
-        <p:txBody>
-          <a:bodyPr/>
-          <a:lstStyle/>
-          <a:p>
-            <a:endParaRPr lang="en-US"/>
-          </a:p>
-        </p:txBody>
-      </p:sp>
-      <p:sp>
-        <p:nvSpPr>
-          <p:cNvPr id="3" name="Content Placeholder 2"/>
-          <p:cNvSpPr>
-            <a:spLocks noGrp="1"/>
-          </p:cNvSpPr>
-          <p:nvPr>
-            <p:ph idx="1"/>
-          </p:nvPr>
-        </p:nvSpPr>
-        <p:spPr/>
-        <p:txBody>
-          <a:bodyPr/>
-          <a:lstStyle/>
-          <a:p>
-            <a:endParaRPr lang="en-US"/>
-          </a:p>
-        </p:txBody>
-      </p:sp>
-      <p:sp>
-        <p:nvSpPr>
-          <p:cNvPr id="4" name="Text Placeholder 3"/>
-          <p:cNvSpPr>
-            <a:spLocks noGrp="1"/>
-          </p:cNvSpPr>
-          <p:nvPr>
-            <p:ph type="body" sz="half" idx="2"/>
-          </p:nvPr>
-        </p:nvSpPr>
-        <p:spPr/>
-        <p:txBody>
-          <a:bodyPr/>
-          <a:lstStyle/>
-          <a:p>
-            <a:endParaRPr lang="en-US"/>
-          </a:p>
-        </p:txBody>
-      </p:sp>
-    </p:spTree>
-    <p:extLst>
-      <p:ext uri="{BB962C8B-B14F-4D97-AF65-F5344CB8AC3E}">
-        <p14:creationId xmlns:p14="http://schemas.microsoft.com/office/powerpoint/2010/main" val="332843759"/>
-      </p:ext>
-    </p:extLst>
-  </p:cSld>
-  <p:clrMapOvr>
-    <a:masterClrMapping/>
-  </p:clrMapOvr>
-  <mc:AlternateContent xmlns:mc="http://schemas.openxmlformats.org/markup-compatibility/2006" xmlns:p14="http://schemas.microsoft.com/office/powerpoint/2010/main">
-    <mc:Choice Requires="p14">
-      <p:transition spd="med" p14:dur="700">
-        <p:fade/>
-      </p:transition>
-    </mc:Choice>
-    <mc:Fallback xmlns="">
-      <p:transition spd="med">
-        <p:fade/>
-      </p:transition>
-    </mc:Fallback>
-  </mc:AlternateContent>
-</p:sld>
-</file>
-
-<file path=ppt/slides/slide12.xml><?xml version="1.0" encoding="utf-8"?>
-<p:sld xmlns:a="http://schemas.openxmlformats.org/drawingml/2006/main" xmlns:r="http://schemas.openxmlformats.org/officeDocument/2006/relationships" xmlns:p="http://schemas.openxmlformats.org/presentationml/2006/main">
-  <p:cSld>
-    <p:spTree>
-      <p:nvGrpSpPr>
-        <p:cNvPr id="1" name=""/>
-        <p:cNvGrpSpPr/>
-        <p:nvPr/>
-      </p:nvGrpSpPr>
-      <p:grpSpPr>
-        <a:xfrm>
-          <a:off x="0" y="0"/>
-          <a:ext cx="0" cy="0"/>
-          <a:chOff x="0" y="0"/>
-          <a:chExt cx="0" cy="0"/>
-        </a:xfrm>
-      </p:grpSpPr>
-      <p:sp>
-        <p:nvSpPr>
-          <p:cNvPr id="2" name="Title 1"/>
-          <p:cNvSpPr>
-            <a:spLocks noGrp="1"/>
-          </p:cNvSpPr>
-          <p:nvPr>
-            <p:ph type="title"/>
-          </p:nvPr>
-        </p:nvSpPr>
-        <p:spPr/>
-        <p:txBody>
-          <a:bodyPr/>
-          <a:lstStyle/>
-          <a:p>
-            <a:endParaRPr lang="en-US"/>
-          </a:p>
-        </p:txBody>
-      </p:sp>
-      <p:sp>
-        <p:nvSpPr>
-          <p:cNvPr id="3" name="Picture Placeholder 2"/>
-          <p:cNvSpPr>
-            <a:spLocks noGrp="1"/>
-          </p:cNvSpPr>
-          <p:nvPr>
-            <p:ph type="pic" idx="1"/>
-          </p:nvPr>
-        </p:nvSpPr>
-        <p:spPr/>
-      </p:sp>
-      <p:sp>
-        <p:nvSpPr>
-          <p:cNvPr id="4" name="Text Placeholder 3"/>
-          <p:cNvSpPr>
-            <a:spLocks noGrp="1"/>
-          </p:cNvSpPr>
-          <p:nvPr>
-            <p:ph type="body" sz="half" idx="2"/>
-          </p:nvPr>
-        </p:nvSpPr>
-        <p:spPr/>
-        <p:txBody>
-          <a:bodyPr/>
-          <a:lstStyle/>
-          <a:p>
-            <a:endParaRPr lang="en-US"/>
-          </a:p>
-        </p:txBody>
-      </p:sp>
-    </p:spTree>
-    <p:extLst>
-      <p:ext uri="{BB962C8B-B14F-4D97-AF65-F5344CB8AC3E}">
-        <p14:creationId xmlns:p14="http://schemas.microsoft.com/office/powerpoint/2010/main" val="4129926194"/>
-      </p:ext>
-    </p:extLst>
-  </p:cSld>
-  <p:clrMapOvr>
-    <a:masterClrMapping/>
-  </p:clrMapOvr>
-  <mc:AlternateContent xmlns:mc="http://schemas.openxmlformats.org/markup-compatibility/2006" xmlns:p14="http://schemas.microsoft.com/office/powerpoint/2010/main">
-    <mc:Choice Requires="p14">
-      <p:transition spd="med" p14:dur="700">
-        <p:fade/>
-      </p:transition>
-    </mc:Choice>
-    <mc:Fallback xmlns="">
-      <p:transition spd="med">
-        <p:fade/>
-      </p:transition>
-    </mc:Fallback>
-  </mc:AlternateContent>
-</p:sld>
-</file>
-
-<file path=ppt/slides/slide13.xml><?xml version="1.0" encoding="utf-8"?>
-<p:sld xmlns:a="http://schemas.openxmlformats.org/drawingml/2006/main" xmlns:r="http://schemas.openxmlformats.org/officeDocument/2006/relationships" xmlns:p="http://schemas.openxmlformats.org/presentationml/2006/main">
-  <p:cSld>
-    <p:spTree>
-      <p:nvGrpSpPr>
-        <p:cNvPr id="1" name=""/>
-        <p:cNvGrpSpPr/>
-        <p:nvPr/>
-      </p:nvGrpSpPr>
-      <p:grpSpPr>
-        <a:xfrm>
-          <a:off x="0" y="0"/>
-          <a:ext cx="0" cy="0"/>
-          <a:chOff x="0" y="0"/>
-          <a:chExt cx="0" cy="0"/>
-        </a:xfrm>
-      </p:grpSpPr>
-      <p:sp>
-        <p:nvSpPr>
-          <p:cNvPr id="2" name="Title 1"/>
-          <p:cNvSpPr>
-            <a:spLocks noGrp="1"/>
-          </p:cNvSpPr>
-          <p:nvPr>
-            <p:ph type="title"/>
-          </p:nvPr>
-        </p:nvSpPr>
-        <p:spPr/>
-        <p:txBody>
-          <a:bodyPr/>
-          <a:lstStyle/>
-          <a:p>
-            <a:endParaRPr lang="en-US"/>
-          </a:p>
-        </p:txBody>
-      </p:sp>
-      <p:sp>
-        <p:nvSpPr>
-          <p:cNvPr id="3" name="Text Placeholder 2"/>
-          <p:cNvSpPr>
-            <a:spLocks noGrp="1"/>
-          </p:cNvSpPr>
-          <p:nvPr>
-            <p:ph type="body" sz="half" idx="2"/>
-          </p:nvPr>
-        </p:nvSpPr>
-        <p:spPr/>
-        <p:txBody>
-          <a:bodyPr/>
-          <a:lstStyle/>
-          <a:p>
-            <a:endParaRPr lang="en-US" dirty="0"/>
-          </a:p>
-        </p:txBody>
-      </p:sp>
-      <p:sp>
-        <p:nvSpPr>
-          <p:cNvPr id="4" name="Text Placeholder 3"/>
-          <p:cNvSpPr>
-            <a:spLocks noGrp="1"/>
-          </p:cNvSpPr>
-          <p:nvPr>
-            <p:ph type="body" sz="half" idx="14"/>
-          </p:nvPr>
-        </p:nvSpPr>
-        <p:spPr/>
-        <p:txBody>
-          <a:bodyPr/>
-          <a:lstStyle/>
-          <a:p>
-            <a:endParaRPr lang="en-US"/>
-          </a:p>
-        </p:txBody>
-      </p:sp>
-      <p:sp>
-        <p:nvSpPr>
-          <p:cNvPr id="5" name="Picture Placeholder 4"/>
-          <p:cNvSpPr>
-            <a:spLocks noGrp="1"/>
-          </p:cNvSpPr>
-          <p:nvPr>
-            <p:ph type="pic" idx="1"/>
-          </p:nvPr>
-        </p:nvSpPr>
-        <p:spPr/>
-      </p:sp>
-      <p:sp>
-        <p:nvSpPr>
-          <p:cNvPr id="6" name="Picture Placeholder 5"/>
-          <p:cNvSpPr>
-            <a:spLocks noGrp="1"/>
-          </p:cNvSpPr>
-          <p:nvPr>
-            <p:ph type="pic" idx="13"/>
-          </p:nvPr>
-        </p:nvSpPr>
-        <p:spPr/>
-      </p:sp>
-    </p:spTree>
-    <p:extLst>
-      <p:ext uri="{BB962C8B-B14F-4D97-AF65-F5344CB8AC3E}">
-        <p14:creationId xmlns:p14="http://schemas.microsoft.com/office/powerpoint/2010/main" val="188841400"/>
-      </p:ext>
-    </p:extLst>
-  </p:cSld>
-  <p:clrMapOvr>
-    <a:masterClrMapping/>
-  </p:clrMapOvr>
-  <mc:AlternateContent xmlns:mc="http://schemas.openxmlformats.org/markup-compatibility/2006" xmlns:p14="http://schemas.microsoft.com/office/powerpoint/2010/main">
-    <mc:Choice Requires="p14">
-      <p:transition spd="med" p14:dur="700">
-        <p:fade/>
-      </p:transition>
-    </mc:Choice>
-    <mc:Fallback xmlns="">
-      <p:transition spd="med">
-        <p:fade/>
-      </p:transition>
-    </mc:Fallback>
-  </mc:AlternateContent>
-</p:sld>
-</file>
-
-<file path=ppt/slides/slide14.xml><?xml version="1.0" encoding="utf-8"?>
-<p:sld xmlns:a="http://schemas.openxmlformats.org/drawingml/2006/main" xmlns:r="http://schemas.openxmlformats.org/officeDocument/2006/relationships" xmlns:p="http://schemas.openxmlformats.org/presentationml/2006/main">
-  <p:cSld>
-    <p:spTree>
-      <p:nvGrpSpPr>
-        <p:cNvPr id="1" name=""/>
-        <p:cNvGrpSpPr/>
-        <p:nvPr/>
-      </p:nvGrpSpPr>
-      <p:grpSpPr>
-        <a:xfrm>
-          <a:off x="0" y="0"/>
-          <a:ext cx="0" cy="0"/>
-          <a:chOff x="0" y="0"/>
-          <a:chExt cx="0" cy="0"/>
-        </a:xfrm>
-      </p:grpSpPr>
-      <p:sp>
-        <p:nvSpPr>
-          <p:cNvPr id="2" name="Title 1"/>
-          <p:cNvSpPr>
-            <a:spLocks noGrp="1"/>
-          </p:cNvSpPr>
-          <p:nvPr>
-            <p:ph type="title"/>
-          </p:nvPr>
-        </p:nvSpPr>
-        <p:spPr/>
-        <p:txBody>
-          <a:bodyPr/>
-          <a:lstStyle/>
-          <a:p>
-            <a:r>
-              <a:rPr lang="en-US" dirty="0"/>
-              <a:t>Title and Content Layout with Chart</a:t>
-            </a:r>
-          </a:p>
-        </p:txBody>
-      </p:sp>
-      <p:graphicFrame>
-        <p:nvGraphicFramePr>
-          <p:cNvPr id="6" name="Content Placeholder 5" descr="Clustered Column Chart" title="Chart"/>
-          <p:cNvGraphicFramePr>
-            <a:graphicFrameLocks noGrp="1"/>
-          </p:cNvGraphicFramePr>
-          <p:nvPr>
-            <p:ph idx="1"/>
-            <p:extLst>
-              <p:ext uri="{D42A27DB-BD31-4B8C-83A1-F6EECF244321}">
-                <p14:modId xmlns:p14="http://schemas.microsoft.com/office/powerpoint/2010/main" val="2942729827"/>
-              </p:ext>
-            </p:extLst>
-          </p:nvPr>
-        </p:nvGraphicFramePr>
-        <p:xfrm>
-          <a:off x="1295400" y="1828800"/>
-          <a:ext cx="9601200" cy="4343400"/>
-        </p:xfrm>
-        <a:graphic>
-          <a:graphicData uri="http://schemas.openxmlformats.org/drawingml/2006/chart">
-            <c:chart xmlns:c="http://schemas.openxmlformats.org/drawingml/2006/chart" xmlns:r="http://schemas.openxmlformats.org/officeDocument/2006/relationships" r:id="rId2"/>
-          </a:graphicData>
-        </a:graphic>
-      </p:graphicFrame>
-    </p:spTree>
-    <p:extLst>
-      <p:ext uri="{BB962C8B-B14F-4D97-AF65-F5344CB8AC3E}">
-        <p14:creationId xmlns:p14="http://schemas.microsoft.com/office/powerpoint/2010/main" val="3574231650"/>
-      </p:ext>
-    </p:extLst>
-  </p:cSld>
-  <p:clrMapOvr>
-    <a:masterClrMapping/>
-  </p:clrMapOvr>
-  <mc:AlternateContent xmlns:mc="http://schemas.openxmlformats.org/markup-compatibility/2006" xmlns:p14="http://schemas.microsoft.com/office/powerpoint/2010/main">
-    <mc:Choice Requires="p14">
-      <p:transition spd="med" p14:dur="700">
-        <p:fade/>
-      </p:transition>
-    </mc:Choice>
-    <mc:Fallback xmlns="">
-      <p:transition spd="med">
-        <p:fade/>
-      </p:transition>
-    </mc:Fallback>
-  </mc:AlternateContent>
-</p:sld>
-</file>
-
-<file path=ppt/slides/slide15.xml><?xml version="1.0" encoding="utf-8"?>
-<p:sld xmlns:a="http://schemas.openxmlformats.org/drawingml/2006/main" xmlns:r="http://schemas.openxmlformats.org/officeDocument/2006/relationships" xmlns:p="http://schemas.openxmlformats.org/presentationml/2006/main">
-  <p:cSld>
-    <p:spTree>
-      <p:nvGrpSpPr>
-        <p:cNvPr id="1" name=""/>
-        <p:cNvGrpSpPr/>
-        <p:nvPr/>
-      </p:nvGrpSpPr>
-      <p:grpSpPr>
-        <a:xfrm>
-          <a:off x="0" y="0"/>
-          <a:ext cx="0" cy="0"/>
-          <a:chOff x="0" y="0"/>
-          <a:chExt cx="0" cy="0"/>
-        </a:xfrm>
-      </p:grpSpPr>
       <p:sp>
         <p:nvSpPr>
           <p:cNvPr id="2" name="Title 1"/>
@@ -9957,21 +14279,21 @@
                 <a:gridCol w="1524000">
                   <a:extLst>
                     <a:ext uri="{9D8B030D-6E8A-4147-A177-3AD203B41FA5}">
-                      <a16:colId xmlns:a16="http://schemas.microsoft.com/office/drawing/2014/main" val="20000"/>
+                      <a16:colId xmlns:a16="http://schemas.microsoft.com/office/drawing/2014/main" xmlns="" val="20000"/>
                     </a:ext>
                   </a:extLst>
                 </a:gridCol>
                 <a:gridCol w="1524000">
                   <a:extLst>
                     <a:ext uri="{9D8B030D-6E8A-4147-A177-3AD203B41FA5}">
-                      <a16:colId xmlns:a16="http://schemas.microsoft.com/office/drawing/2014/main" val="20001"/>
+                      <a16:colId xmlns:a16="http://schemas.microsoft.com/office/drawing/2014/main" xmlns="" val="20001"/>
                     </a:ext>
                   </a:extLst>
                 </a:gridCol>
                 <a:gridCol w="1524000">
                   <a:extLst>
                     <a:ext uri="{9D8B030D-6E8A-4147-A177-3AD203B41FA5}">
-                      <a16:colId xmlns:a16="http://schemas.microsoft.com/office/drawing/2014/main" val="20002"/>
+                      <a16:colId xmlns:a16="http://schemas.microsoft.com/office/drawing/2014/main" xmlns="" val="20002"/>
                     </a:ext>
                   </a:extLst>
                 </a:gridCol>
@@ -10018,7 +14340,7 @@
                 </a:tc>
                 <a:extLst>
                   <a:ext uri="{0D108BD9-81ED-4DB2-BD59-A6C34878D82A}">
-                    <a16:rowId xmlns:a16="http://schemas.microsoft.com/office/drawing/2014/main" val="10000"/>
+                    <a16:rowId xmlns:a16="http://schemas.microsoft.com/office/drawing/2014/main" xmlns="" val="10000"/>
                   </a:ext>
                 </a:extLst>
               </a:tr>
@@ -10067,7 +14389,7 @@
                 </a:tc>
                 <a:extLst>
                   <a:ext uri="{0D108BD9-81ED-4DB2-BD59-A6C34878D82A}">
-                    <a16:rowId xmlns:a16="http://schemas.microsoft.com/office/drawing/2014/main" val="10001"/>
+                    <a16:rowId xmlns:a16="http://schemas.microsoft.com/office/drawing/2014/main" xmlns="" val="10001"/>
                   </a:ext>
                 </a:extLst>
               </a:tr>
@@ -10116,7 +14438,7 @@
                 </a:tc>
                 <a:extLst>
                   <a:ext uri="{0D108BD9-81ED-4DB2-BD59-A6C34878D82A}">
-                    <a16:rowId xmlns:a16="http://schemas.microsoft.com/office/drawing/2014/main" val="10002"/>
+                    <a16:rowId xmlns:a16="http://schemas.microsoft.com/office/drawing/2014/main" xmlns="" val="10002"/>
                   </a:ext>
                 </a:extLst>
               </a:tr>
@@ -10165,7 +14487,7 @@
                 </a:tc>
                 <a:extLst>
                   <a:ext uri="{0D108BD9-81ED-4DB2-BD59-A6C34878D82A}">
-                    <a16:rowId xmlns:a16="http://schemas.microsoft.com/office/drawing/2014/main" val="10003"/>
+                    <a16:rowId xmlns:a16="http://schemas.microsoft.com/office/drawing/2014/main" xmlns="" val="10003"/>
                   </a:ext>
                 </a:extLst>
               </a:tr>
@@ -10198,7 +14520,7 @@
 </p:sld>
 </file>
 
-<file path=ppt/slides/slide16.xml><?xml version="1.0" encoding="utf-8"?>
+<file path=ppt/slides/slide11.xml><?xml version="1.0" encoding="utf-8"?>
 <p:sld xmlns:a="http://schemas.openxmlformats.org/drawingml/2006/main" xmlns:r="http://schemas.openxmlformats.org/officeDocument/2006/relationships" xmlns:p="http://schemas.openxmlformats.org/presentationml/2006/main">
   <p:cSld>
     <p:spTree>
@@ -10491,8 +14813,32 @@
             </a:pPr>
             <a:r>
               <a:rPr lang="en-US" dirty="0"/>
-              <a:t>Walt Wells – Word Counts, Data Mining</a:t>
+              <a:t>Walt Wells – Word </a:t>
             </a:r>
+            <a:r>
+              <a:rPr lang="en-US" dirty="0" smtClean="0"/>
+              <a:t>Counts</a:t>
+            </a:r>
+          </a:p>
+          <a:p>
+            <a:pPr>
+              <a:spcBef>
+                <a:spcPts val="0"/>
+              </a:spcBef>
+            </a:pPr>
+            <a:r>
+              <a:rPr lang="en-US" dirty="0" smtClean="0"/>
+              <a:t>Liam </a:t>
+            </a:r>
+            <a:r>
+              <a:rPr lang="en-US" dirty="0"/>
+              <a:t>Byrne – Indeed </a:t>
+            </a:r>
+            <a:r>
+              <a:rPr lang="en-US" dirty="0" smtClean="0"/>
+              <a:t>Scraping</a:t>
+            </a:r>
+            <a:endParaRPr lang="en-US" dirty="0"/>
           </a:p>
           <a:p>
             <a:pPr>
@@ -10502,19 +14848,13 @@
             </a:pPr>
             <a:r>
               <a:rPr lang="en-US" dirty="0"/>
-              <a:t>Liam Byrne – Indeed scraping</a:t>
+              <a:t>Ravi Kothari – Indeed </a:t>
             </a:r>
-          </a:p>
-          <a:p>
-            <a:pPr>
-              <a:spcBef>
-                <a:spcPts val="0"/>
-              </a:spcBef>
-            </a:pPr>
             <a:r>
-              <a:rPr lang="en-US" dirty="0"/>
-              <a:t>Ravi Kothari – Indeed scraping</a:t>
+              <a:rPr lang="en-US" dirty="0" smtClean="0"/>
+              <a:t>Scraping</a:t>
             </a:r>
+            <a:endParaRPr lang="en-US" dirty="0"/>
           </a:p>
           <a:p>
             <a:pPr>
@@ -10793,27 +15133,131 @@
         </p:nvSpPr>
         <p:spPr>
           <a:xfrm>
-            <a:off x="1144567" y="1687398"/>
-            <a:ext cx="8046720" cy="2605480"/>
+            <a:off x="980605" y="681116"/>
+            <a:ext cx="8046720" cy="1557338"/>
+          </a:xfrm>
+        </p:spPr>
+        <p:txBody>
+          <a:bodyPr/>
+          <a:lstStyle/>
+          <a:p>
+            <a:r>
+              <a:rPr lang="en-US" dirty="0" smtClean="0"/>
+              <a:t>Parsing Skills:  </a:t>
+            </a:r>
+            <a:r>
+              <a:rPr lang="en-US" smtClean="0"/>
+              <a:t>Two Approaches</a:t>
+            </a:r>
+            <a:endParaRPr lang="en-US"/>
+          </a:p>
+        </p:txBody>
+      </p:sp>
+      <p:sp>
+        <p:nvSpPr>
+          <p:cNvPr id="3" name="Text Placeholder 2"/>
+          <p:cNvSpPr>
+            <a:spLocks noGrp="1"/>
+          </p:cNvSpPr>
+          <p:nvPr>
+            <p:ph type="body" idx="1"/>
+          </p:nvPr>
+        </p:nvSpPr>
+        <p:spPr>
+          <a:xfrm>
+            <a:off x="980605" y="2238454"/>
+            <a:ext cx="8046720" cy="3584830"/>
           </a:xfrm>
         </p:spPr>
         <p:txBody>
           <a:bodyPr>
-            <a:normAutofit fontScale="90000"/>
+            <a:normAutofit/>
           </a:bodyPr>
           <a:lstStyle/>
           <a:p>
+            <a:pPr marL="342900" indent="-342900">
+              <a:buFont typeface="Arial" charset="0"/>
+              <a:buChar char="•"/>
+            </a:pPr>
+            <a:r>
+              <a:rPr lang="en-US" dirty="0" smtClean="0"/>
+              <a:t>Approach 1:   “Supervised”</a:t>
+            </a:r>
+          </a:p>
+          <a:p>
+            <a:pPr marL="800100" lvl="1" indent="-342900">
+              <a:buFont typeface="Arial" charset="0"/>
+              <a:buChar char="•"/>
+            </a:pPr>
             <a:r>
               <a:rPr lang="en-US" dirty="0"/>
-              <a:t>(Walt Presents on mining work - parsing scraped data, dividing into single words, bigrams, trigrams, tallying frequency counts, and determining (in an unsupervised and supervised fashion) what are the desirable skills)</a:t>
+              <a:t>SME populates DB with a list of important skills.    </a:t>
             </a:r>
+            <a:endParaRPr lang="en-US" dirty="0" smtClean="0"/>
+          </a:p>
+          <a:p>
+            <a:pPr marL="800100" lvl="1" indent="-342900">
+              <a:buFont typeface="Arial" charset="0"/>
+              <a:buChar char="•"/>
+            </a:pPr>
+            <a:r>
+              <a:rPr lang="en-US" dirty="0" smtClean="0"/>
+              <a:t>Look through scrape data and count occurrences of those skills</a:t>
+            </a:r>
+          </a:p>
+          <a:p>
+            <a:pPr marL="342900" indent="-342900">
+              <a:buFont typeface="Arial" charset="0"/>
+              <a:buChar char="•"/>
+            </a:pPr>
+            <a:r>
+              <a:rPr lang="en-US" dirty="0" smtClean="0"/>
+              <a:t>Approach 2:  “Unsupervised”</a:t>
+            </a:r>
+          </a:p>
+          <a:p>
+            <a:pPr marL="800100" lvl="1" indent="-342900">
+              <a:buFont typeface="Arial" charset="0"/>
+              <a:buChar char="•"/>
+            </a:pPr>
+            <a:r>
+              <a:rPr lang="en-US" dirty="0" smtClean="0"/>
+              <a:t>Use Natural Language Processing (NLP) to determine frequency of skills in listing</a:t>
+            </a:r>
+          </a:p>
+          <a:p>
+            <a:pPr marL="800100" lvl="1" indent="-342900">
+              <a:buFont typeface="Arial" charset="0"/>
+              <a:buChar char="•"/>
+            </a:pPr>
+            <a:r>
+              <a:rPr lang="en-US" dirty="0" smtClean="0"/>
+              <a:t>Create N-Gram phrases, count phrase frequency</a:t>
+            </a:r>
+          </a:p>
+          <a:p>
+            <a:pPr marL="800100" lvl="1" indent="-342900">
+              <a:buFont typeface="Arial" charset="0"/>
+              <a:buChar char="•"/>
+            </a:pPr>
+            <a:r>
+              <a:rPr lang="en-US" dirty="0" smtClean="0"/>
+              <a:t>Perform cluster analysis on counts to show relationships</a:t>
+            </a:r>
+          </a:p>
+          <a:p>
+            <a:pPr marL="800100" lvl="1" indent="-342900">
+              <a:buFont typeface="Arial" charset="0"/>
+              <a:buChar char="•"/>
+            </a:pPr>
+            <a:endParaRPr lang="en-US" dirty="0"/>
           </a:p>
         </p:txBody>
       </p:sp>
     </p:spTree>
     <p:extLst>
       <p:ext uri="{BB962C8B-B14F-4D97-AF65-F5344CB8AC3E}">
-        <p14:creationId xmlns:p14="http://schemas.microsoft.com/office/powerpoint/2010/main" val="3374778722"/>
+        <p14:creationId xmlns:p14="http://schemas.microsoft.com/office/powerpoint/2010/main" val="62107164"/>
       </p:ext>
     </p:extLst>
   </p:cSld>
@@ -10864,8 +15308,8 @@
         </p:nvSpPr>
         <p:spPr>
           <a:xfrm>
-            <a:off x="1295396" y="784192"/>
-            <a:ext cx="8046720" cy="3250480"/>
+            <a:off x="495283" y="523741"/>
+            <a:ext cx="8412811" cy="623316"/>
           </a:xfrm>
         </p:spPr>
         <p:txBody>
@@ -10876,35 +15320,710 @@
           <a:p>
             <a:r>
               <a:rPr lang="en-US" dirty="0"/>
-              <a:t>(Brandon presents on Tableau visualizations)</a:t>
+              <a:t>Parsing Skills:   Unsupervised v. Supervised</a:t>
             </a:r>
-            <a:br>
-              <a:rPr lang="en-US" dirty="0"/>
-            </a:br>
-            <a:br>
-              <a:rPr lang="en-US" dirty="0"/>
-            </a:br>
-            <a:br>
-              <a:rPr lang="en-US" dirty="0"/>
-            </a:br>
+            <a:endParaRPr lang="en-US" dirty="0"/>
+          </a:p>
+        </p:txBody>
+      </p:sp>
+      <p:graphicFrame>
+        <p:nvGraphicFramePr>
+          <p:cNvPr id="8" name="Diagram 7"/>
+          <p:cNvGraphicFramePr/>
+          <p:nvPr>
+            <p:extLst>
+              <p:ext uri="{D42A27DB-BD31-4B8C-83A1-F6EECF244321}">
+                <p14:modId xmlns:p14="http://schemas.microsoft.com/office/powerpoint/2010/main" val="1285234618"/>
+              </p:ext>
+            </p:extLst>
+          </p:nvPr>
+        </p:nvGraphicFramePr>
+        <p:xfrm>
+          <a:off x="630195" y="1403607"/>
+          <a:ext cx="7812216" cy="4494884"/>
+        </p:xfrm>
+        <a:graphic>
+          <a:graphicData uri="http://schemas.openxmlformats.org/drawingml/2006/diagram">
+            <dgm:relIds xmlns:dgm="http://schemas.openxmlformats.org/drawingml/2006/diagram" xmlns:r="http://schemas.openxmlformats.org/officeDocument/2006/relationships" r:dm="rId2" r:lo="rId3" r:qs="rId4" r:cs="rId5"/>
+          </a:graphicData>
+        </a:graphic>
+      </p:graphicFrame>
+      <p:sp>
+        <p:nvSpPr>
+          <p:cNvPr id="9" name="TextBox 8"/>
+          <p:cNvSpPr txBox="1"/>
+          <p:nvPr/>
+        </p:nvSpPr>
+        <p:spPr>
+          <a:xfrm>
+            <a:off x="1542013" y="2457152"/>
+            <a:ext cx="1813809" cy="369332"/>
+          </a:xfrm>
+          <a:prstGeom prst="rect">
+            <a:avLst/>
+          </a:prstGeom>
+          <a:noFill/>
+        </p:spPr>
+        <p:txBody>
+          <a:bodyPr wrap="square" rtlCol="0">
+            <a:spAutoFit/>
+          </a:bodyPr>
+          <a:lstStyle/>
+          <a:p>
             <a:r>
-              <a:rPr lang="en-US" dirty="0"/>
-              <a:t>Embedded Tableau here</a:t>
+              <a:rPr lang="en-US" b="1" dirty="0" smtClean="0"/>
+              <a:t>Supervised</a:t>
             </a:r>
-            <a:br>
-              <a:rPr lang="en-US" dirty="0"/>
-            </a:br>
-            <a:br>
-              <a:rPr lang="en-US" dirty="0"/>
-            </a:br>
-            <a:endParaRPr lang="en-US" dirty="0"/>
+            <a:endParaRPr lang="en-US" b="1" dirty="0"/>
+          </a:p>
+        </p:txBody>
+      </p:sp>
+      <p:sp>
+        <p:nvSpPr>
+          <p:cNvPr id="10" name="Rectangle 9"/>
+          <p:cNvSpPr/>
+          <p:nvPr/>
+        </p:nvSpPr>
+        <p:spPr>
+          <a:xfrm>
+            <a:off x="5685233" y="2457152"/>
+            <a:ext cx="1659429" cy="369332"/>
+          </a:xfrm>
+          <a:prstGeom prst="rect">
+            <a:avLst/>
+          </a:prstGeom>
+        </p:spPr>
+        <p:txBody>
+          <a:bodyPr wrap="none">
+            <a:spAutoFit/>
+          </a:bodyPr>
+          <a:lstStyle/>
+          <a:p>
+            <a:pPr lvl="0"/>
+            <a:r>
+              <a:rPr lang="en-US" b="1" dirty="0" smtClean="0"/>
+              <a:t>Unsupervised</a:t>
+            </a:r>
+            <a:endParaRPr lang="en-US" b="1" dirty="0"/>
+          </a:p>
+        </p:txBody>
+      </p:sp>
+      <p:sp>
+        <p:nvSpPr>
+          <p:cNvPr id="11" name="Rectangle 10"/>
+          <p:cNvSpPr/>
+          <p:nvPr/>
+        </p:nvSpPr>
+        <p:spPr>
+          <a:xfrm>
+            <a:off x="2826385" y="5693376"/>
+            <a:ext cx="2223686" cy="923330"/>
+          </a:xfrm>
+          <a:prstGeom prst="rect">
+            <a:avLst/>
+          </a:prstGeom>
+          <a:noFill/>
+        </p:spPr>
+        <p:txBody>
+          <a:bodyPr wrap="none" lIns="91440" tIns="45720" rIns="91440" bIns="45720">
+            <a:spAutoFit/>
+          </a:bodyPr>
+          <a:lstStyle/>
+          <a:p>
+            <a:pPr algn="ctr"/>
+            <a:r>
+              <a:rPr lang="en-US" sz="5400" b="1" dirty="0" smtClean="0">
+                <a:ln w="22225">
+                  <a:solidFill>
+                    <a:schemeClr val="accent2"/>
+                  </a:solidFill>
+                  <a:prstDash val="solid"/>
+                </a:ln>
+                <a:solidFill>
+                  <a:schemeClr val="accent2">
+                    <a:lumMod val="40000"/>
+                    <a:lumOff val="60000"/>
+                  </a:schemeClr>
+                </a:solidFill>
+              </a:rPr>
+              <a:t>Skills!</a:t>
+            </a:r>
+            <a:endParaRPr lang="en-US" sz="5400" b="1" cap="none" spc="0" dirty="0">
+              <a:ln w="22225">
+                <a:solidFill>
+                  <a:schemeClr val="accent2"/>
+                </a:solidFill>
+                <a:prstDash val="solid"/>
+              </a:ln>
+              <a:solidFill>
+                <a:schemeClr val="accent2">
+                  <a:lumMod val="40000"/>
+                  <a:lumOff val="60000"/>
+                </a:schemeClr>
+              </a:solidFill>
+              <a:effectLst/>
+            </a:endParaRPr>
+          </a:p>
+        </p:txBody>
+      </p:sp>
+      <p:pic>
+        <p:nvPicPr>
+          <p:cNvPr id="12" name="Picture 11"/>
+          <p:cNvPicPr>
+            <a:picLocks noChangeAspect="1"/>
+          </p:cNvPicPr>
+          <p:nvPr/>
+        </p:nvPicPr>
+        <p:blipFill>
+          <a:blip r:embed="rId7">
+            <a:extLst>
+              <a:ext uri="{28A0092B-C50C-407E-A947-70E740481C1C}">
+                <a14:useLocalDpi xmlns:a14="http://schemas.microsoft.com/office/drawing/2010/main" val="0"/>
+              </a:ext>
+            </a:extLst>
+          </a:blip>
+          <a:stretch>
+            <a:fillRect/>
+          </a:stretch>
+        </p:blipFill>
+        <p:spPr>
+          <a:xfrm>
+            <a:off x="3908248" y="3986900"/>
+            <a:ext cx="598075" cy="660098"/>
+          </a:xfrm>
+          <a:prstGeom prst="rect">
+            <a:avLst/>
+          </a:prstGeom>
+        </p:spPr>
+      </p:pic>
+      <p:sp>
+        <p:nvSpPr>
+          <p:cNvPr id="13" name="Rectangle 12"/>
+          <p:cNvSpPr/>
+          <p:nvPr/>
+        </p:nvSpPr>
+        <p:spPr>
+          <a:xfrm>
+            <a:off x="7935546" y="2645936"/>
+            <a:ext cx="1945096" cy="707886"/>
+          </a:xfrm>
+          <a:prstGeom prst="rect">
+            <a:avLst/>
+          </a:prstGeom>
+          <a:noFill/>
+        </p:spPr>
+        <p:txBody>
+          <a:bodyPr wrap="square" lIns="91440" tIns="45720" rIns="91440" bIns="45720">
+            <a:spAutoFit/>
+          </a:bodyPr>
+          <a:lstStyle/>
+          <a:p>
+            <a:pPr algn="ctr"/>
+            <a:r>
+              <a:rPr lang="en-US" sz="2000" b="1" dirty="0">
+                <a:ln w="22225">
+                  <a:solidFill>
+                    <a:schemeClr val="accent2"/>
+                  </a:solidFill>
+                  <a:prstDash val="solid"/>
+                </a:ln>
+                <a:solidFill>
+                  <a:schemeClr val="accent2">
+                    <a:lumMod val="40000"/>
+                    <a:lumOff val="60000"/>
+                  </a:schemeClr>
+                </a:solidFill>
+              </a:rPr>
+              <a:t>"I went to a park</a:t>
+            </a:r>
+            <a:r>
+              <a:rPr lang="en-US" sz="2000" b="1" dirty="0" smtClean="0">
+                <a:ln w="22225">
+                  <a:solidFill>
+                    <a:schemeClr val="accent2"/>
+                  </a:solidFill>
+                  <a:prstDash val="solid"/>
+                </a:ln>
+                <a:solidFill>
+                  <a:schemeClr val="accent2">
+                    <a:lumMod val="40000"/>
+                    <a:lumOff val="60000"/>
+                  </a:schemeClr>
+                </a:solidFill>
+              </a:rPr>
+              <a:t>"</a:t>
+            </a:r>
+            <a:endParaRPr lang="en-US" sz="2000" b="1" cap="none" spc="0" dirty="0">
+              <a:ln w="22225">
+                <a:solidFill>
+                  <a:schemeClr val="accent2"/>
+                </a:solidFill>
+                <a:prstDash val="solid"/>
+              </a:ln>
+              <a:solidFill>
+                <a:schemeClr val="accent2">
+                  <a:lumMod val="40000"/>
+                  <a:lumOff val="60000"/>
+                </a:schemeClr>
+              </a:solidFill>
+              <a:effectLst/>
+            </a:endParaRPr>
+          </a:p>
+        </p:txBody>
+      </p:sp>
+      <p:sp>
+        <p:nvSpPr>
+          <p:cNvPr id="14" name="Rectangle 13"/>
+          <p:cNvSpPr/>
+          <p:nvPr/>
+        </p:nvSpPr>
+        <p:spPr>
+          <a:xfrm>
+            <a:off x="7643889" y="4981312"/>
+            <a:ext cx="1945096" cy="1323439"/>
+          </a:xfrm>
+          <a:prstGeom prst="rect">
+            <a:avLst/>
+          </a:prstGeom>
+          <a:noFill/>
+        </p:spPr>
+        <p:txBody>
+          <a:bodyPr wrap="square" lIns="91440" tIns="45720" rIns="91440" bIns="45720">
+            <a:spAutoFit/>
+          </a:bodyPr>
+          <a:lstStyle/>
+          <a:p>
+            <a:pPr algn="ctr"/>
+            <a:r>
+              <a:rPr lang="en-US" sz="2000" b="1" dirty="0">
+                <a:ln w="22225">
+                  <a:solidFill>
+                    <a:schemeClr val="accent2"/>
+                  </a:solidFill>
+                  <a:prstDash val="solid"/>
+                </a:ln>
+                <a:solidFill>
+                  <a:schemeClr val="accent2">
+                    <a:lumMod val="40000"/>
+                    <a:lumOff val="60000"/>
+                  </a:schemeClr>
+                </a:solidFill>
+              </a:rPr>
+              <a:t>"I </a:t>
+            </a:r>
+            <a:r>
+              <a:rPr lang="en-US" sz="2000" b="1" dirty="0" smtClean="0">
+                <a:ln w="22225">
+                  <a:solidFill>
+                    <a:schemeClr val="accent2"/>
+                  </a:solidFill>
+                  <a:prstDash val="solid"/>
+                </a:ln>
+                <a:solidFill>
+                  <a:schemeClr val="accent2">
+                    <a:lumMod val="40000"/>
+                    <a:lumOff val="60000"/>
+                  </a:schemeClr>
+                </a:solidFill>
+              </a:rPr>
+              <a:t>went”</a:t>
+            </a:r>
+          </a:p>
+          <a:p>
+            <a:pPr algn="ctr"/>
+            <a:r>
+              <a:rPr lang="en-US" sz="2000" b="1" cap="none" spc="0" dirty="0" smtClean="0">
+                <a:ln w="22225">
+                  <a:solidFill>
+                    <a:schemeClr val="accent2"/>
+                  </a:solidFill>
+                  <a:prstDash val="solid"/>
+                </a:ln>
+                <a:solidFill>
+                  <a:schemeClr val="accent2">
+                    <a:lumMod val="40000"/>
+                    <a:lumOff val="60000"/>
+                  </a:schemeClr>
+                </a:solidFill>
+                <a:effectLst/>
+              </a:rPr>
+              <a:t>“went to”</a:t>
+            </a:r>
+          </a:p>
+          <a:p>
+            <a:pPr algn="ctr"/>
+            <a:r>
+              <a:rPr lang="en-US" sz="2000" b="1" dirty="0" smtClean="0">
+                <a:ln w="22225">
+                  <a:solidFill>
+                    <a:schemeClr val="accent2"/>
+                  </a:solidFill>
+                  <a:prstDash val="solid"/>
+                </a:ln>
+                <a:solidFill>
+                  <a:schemeClr val="accent2">
+                    <a:lumMod val="40000"/>
+                    <a:lumOff val="60000"/>
+                  </a:schemeClr>
+                </a:solidFill>
+              </a:rPr>
+              <a:t>“to a”</a:t>
+            </a:r>
+          </a:p>
+          <a:p>
+            <a:pPr algn="ctr"/>
+            <a:r>
+              <a:rPr lang="en-US" sz="2000" b="1" cap="none" spc="0" dirty="0" smtClean="0">
+                <a:ln w="22225">
+                  <a:solidFill>
+                    <a:schemeClr val="accent2"/>
+                  </a:solidFill>
+                  <a:prstDash val="solid"/>
+                </a:ln>
+                <a:solidFill>
+                  <a:schemeClr val="accent2">
+                    <a:lumMod val="40000"/>
+                    <a:lumOff val="60000"/>
+                  </a:schemeClr>
+                </a:solidFill>
+                <a:effectLst/>
+              </a:rPr>
+              <a:t>“a park”</a:t>
+            </a:r>
+            <a:endParaRPr lang="en-US" sz="2000" b="1" cap="none" spc="0" dirty="0">
+              <a:ln w="22225">
+                <a:solidFill>
+                  <a:schemeClr val="accent2"/>
+                </a:solidFill>
+                <a:prstDash val="solid"/>
+              </a:ln>
+              <a:solidFill>
+                <a:schemeClr val="accent2">
+                  <a:lumMod val="40000"/>
+                  <a:lumOff val="60000"/>
+                </a:schemeClr>
+              </a:solidFill>
+              <a:effectLst/>
+            </a:endParaRPr>
+          </a:p>
+        </p:txBody>
+      </p:sp>
+      <p:cxnSp>
+        <p:nvCxnSpPr>
+          <p:cNvPr id="22" name="Straight Arrow Connector 21"/>
+          <p:cNvCxnSpPr/>
+          <p:nvPr/>
+        </p:nvCxnSpPr>
+        <p:spPr>
+          <a:xfrm flipH="1" flipV="1">
+            <a:off x="2293496" y="3762533"/>
+            <a:ext cx="1460357" cy="544790"/>
+          </a:xfrm>
+          <a:prstGeom prst="straightConnector1">
+            <a:avLst/>
+          </a:prstGeom>
+          <a:ln w="19050">
+            <a:solidFill>
+              <a:schemeClr val="accent4"/>
+            </a:solidFill>
+            <a:prstDash val="dash"/>
+            <a:tailEnd type="triangle"/>
+          </a:ln>
+        </p:spPr>
+        <p:style>
+          <a:lnRef idx="1">
+            <a:schemeClr val="accent1"/>
+          </a:lnRef>
+          <a:fillRef idx="0">
+            <a:schemeClr val="accent1"/>
+          </a:fillRef>
+          <a:effectRef idx="0">
+            <a:schemeClr val="accent1"/>
+          </a:effectRef>
+          <a:fontRef idx="minor">
+            <a:schemeClr val="tx1"/>
+          </a:fontRef>
+        </p:style>
+      </p:cxnSp>
+      <p:cxnSp>
+        <p:nvCxnSpPr>
+          <p:cNvPr id="23" name="Straight Arrow Connector 22"/>
+          <p:cNvCxnSpPr/>
+          <p:nvPr/>
+        </p:nvCxnSpPr>
+        <p:spPr>
+          <a:xfrm flipV="1">
+            <a:off x="3076598" y="4726330"/>
+            <a:ext cx="861630" cy="683448"/>
+          </a:xfrm>
+          <a:prstGeom prst="straightConnector1">
+            <a:avLst/>
+          </a:prstGeom>
+          <a:ln w="19050">
+            <a:solidFill>
+              <a:schemeClr val="accent4"/>
+            </a:solidFill>
+            <a:prstDash val="dash"/>
+            <a:tailEnd type="triangle"/>
+          </a:ln>
+        </p:spPr>
+        <p:style>
+          <a:lnRef idx="1">
+            <a:schemeClr val="accent1"/>
+          </a:lnRef>
+          <a:fillRef idx="0">
+            <a:schemeClr val="accent1"/>
+          </a:fillRef>
+          <a:effectRef idx="0">
+            <a:schemeClr val="accent1"/>
+          </a:effectRef>
+          <a:fontRef idx="minor">
+            <a:schemeClr val="tx1"/>
+          </a:fontRef>
+        </p:style>
+      </p:cxnSp>
+      <p:cxnSp>
+        <p:nvCxnSpPr>
+          <p:cNvPr id="26" name="Straight Arrow Connector 25"/>
+          <p:cNvCxnSpPr/>
+          <p:nvPr/>
+        </p:nvCxnSpPr>
+        <p:spPr>
+          <a:xfrm flipH="1" flipV="1">
+            <a:off x="4536303" y="4429177"/>
+            <a:ext cx="1584773" cy="442189"/>
+          </a:xfrm>
+          <a:prstGeom prst="straightConnector1">
+            <a:avLst/>
+          </a:prstGeom>
+          <a:ln w="19050">
+            <a:solidFill>
+              <a:schemeClr val="accent4"/>
+            </a:solidFill>
+            <a:prstDash val="dash"/>
+            <a:tailEnd type="triangle"/>
+          </a:ln>
+        </p:spPr>
+        <p:style>
+          <a:lnRef idx="1">
+            <a:schemeClr val="accent1"/>
+          </a:lnRef>
+          <a:fillRef idx="0">
+            <a:schemeClr val="accent1"/>
+          </a:fillRef>
+          <a:effectRef idx="0">
+            <a:schemeClr val="accent1"/>
+          </a:effectRef>
+          <a:fontRef idx="minor">
+            <a:schemeClr val="tx1"/>
+          </a:fontRef>
+        </p:style>
+      </p:cxnSp>
+      <p:sp>
+        <p:nvSpPr>
+          <p:cNvPr id="29" name="Rectangle 28"/>
+          <p:cNvSpPr/>
+          <p:nvPr/>
+        </p:nvSpPr>
+        <p:spPr>
+          <a:xfrm>
+            <a:off x="8160615" y="3905957"/>
+            <a:ext cx="1945096" cy="523220"/>
+          </a:xfrm>
+          <a:prstGeom prst="rect">
+            <a:avLst/>
+          </a:prstGeom>
+          <a:noFill/>
+        </p:spPr>
+        <p:txBody>
+          <a:bodyPr wrap="square" lIns="91440" tIns="45720" rIns="91440" bIns="45720">
+            <a:spAutoFit/>
+          </a:bodyPr>
+          <a:lstStyle/>
+          <a:p>
+            <a:pPr algn="ctr"/>
+            <a:r>
+              <a:rPr lang="en-US" sz="2800" b="1" dirty="0" smtClean="0">
+                <a:ln w="22225">
+                  <a:solidFill>
+                    <a:schemeClr val="accent1"/>
+                  </a:solidFill>
+                  <a:prstDash val="solid"/>
+                </a:ln>
+                <a:solidFill>
+                  <a:schemeClr val="tx2"/>
+                </a:solidFill>
+              </a:rPr>
+              <a:t>N=2</a:t>
+            </a:r>
+            <a:endParaRPr lang="en-US" sz="2800" b="1" cap="none" spc="0" dirty="0">
+              <a:ln w="22225">
+                <a:solidFill>
+                  <a:schemeClr val="accent1"/>
+                </a:solidFill>
+                <a:prstDash val="solid"/>
+              </a:ln>
+              <a:solidFill>
+                <a:schemeClr val="tx2"/>
+              </a:solidFill>
+              <a:effectLst/>
+            </a:endParaRPr>
+          </a:p>
+        </p:txBody>
+      </p:sp>
+      <p:cxnSp>
+        <p:nvCxnSpPr>
+          <p:cNvPr id="30" name="Straight Arrow Connector 29"/>
+          <p:cNvCxnSpPr>
+            <a:stCxn id="13" idx="2"/>
+            <a:endCxn id="29" idx="0"/>
+          </p:cNvCxnSpPr>
+          <p:nvPr/>
+        </p:nvCxnSpPr>
+        <p:spPr>
+          <a:xfrm>
+            <a:off x="8908094" y="3353822"/>
+            <a:ext cx="225069" cy="552135"/>
+          </a:xfrm>
+          <a:prstGeom prst="straightConnector1">
+            <a:avLst/>
+          </a:prstGeom>
+          <a:ln w="19050">
+            <a:solidFill>
+              <a:schemeClr val="accent4"/>
+            </a:solidFill>
+            <a:prstDash val="dash"/>
+            <a:tailEnd type="triangle"/>
+          </a:ln>
+        </p:spPr>
+        <p:style>
+          <a:lnRef idx="1">
+            <a:schemeClr val="accent1"/>
+          </a:lnRef>
+          <a:fillRef idx="0">
+            <a:schemeClr val="accent1"/>
+          </a:fillRef>
+          <a:effectRef idx="0">
+            <a:schemeClr val="accent1"/>
+          </a:effectRef>
+          <a:fontRef idx="minor">
+            <a:schemeClr val="tx1"/>
+          </a:fontRef>
+        </p:style>
+      </p:cxnSp>
+      <p:cxnSp>
+        <p:nvCxnSpPr>
+          <p:cNvPr id="34" name="Straight Arrow Connector 33"/>
+          <p:cNvCxnSpPr>
+            <a:stCxn id="29" idx="2"/>
+            <a:endCxn id="14" idx="0"/>
+          </p:cNvCxnSpPr>
+          <p:nvPr/>
+        </p:nvCxnSpPr>
+        <p:spPr>
+          <a:xfrm flipH="1">
+            <a:off x="8616437" y="4429177"/>
+            <a:ext cx="516726" cy="552135"/>
+          </a:xfrm>
+          <a:prstGeom prst="straightConnector1">
+            <a:avLst/>
+          </a:prstGeom>
+          <a:ln w="19050">
+            <a:solidFill>
+              <a:schemeClr val="accent4"/>
+            </a:solidFill>
+            <a:prstDash val="dash"/>
+            <a:tailEnd type="triangle"/>
+          </a:ln>
+        </p:spPr>
+        <p:style>
+          <a:lnRef idx="1">
+            <a:schemeClr val="accent1"/>
+          </a:lnRef>
+          <a:fillRef idx="0">
+            <a:schemeClr val="accent1"/>
+          </a:fillRef>
+          <a:effectRef idx="0">
+            <a:schemeClr val="accent1"/>
+          </a:effectRef>
+          <a:fontRef idx="minor">
+            <a:schemeClr val="tx1"/>
+          </a:fontRef>
+        </p:style>
+      </p:cxnSp>
+      <p:sp>
+        <p:nvSpPr>
+          <p:cNvPr id="42" name="Rectangle 41"/>
+          <p:cNvSpPr/>
+          <p:nvPr/>
+        </p:nvSpPr>
+        <p:spPr>
+          <a:xfrm>
+            <a:off x="6600769" y="1450667"/>
+            <a:ext cx="2988216" cy="954107"/>
+          </a:xfrm>
+          <a:prstGeom prst="rect">
+            <a:avLst/>
+          </a:prstGeom>
+          <a:noFill/>
+        </p:spPr>
+        <p:txBody>
+          <a:bodyPr wrap="square" lIns="91440" tIns="45720" rIns="91440" bIns="45720">
+            <a:spAutoFit/>
+          </a:bodyPr>
+          <a:lstStyle/>
+          <a:p>
+            <a:pPr algn="ctr"/>
+            <a:r>
+              <a:rPr lang="en-US" sz="2800" b="1" dirty="0" smtClean="0">
+                <a:ln w="22225">
+                  <a:solidFill>
+                    <a:schemeClr val="accent1"/>
+                  </a:solidFill>
+                  <a:prstDash val="solid"/>
+                </a:ln>
+                <a:solidFill>
+                  <a:schemeClr val="tx2"/>
+                </a:solidFill>
+              </a:rPr>
+              <a:t>Making an </a:t>
+            </a:r>
+          </a:p>
+          <a:p>
+            <a:pPr algn="ctr"/>
+            <a:r>
+              <a:rPr lang="en-US" sz="2800" b="1" dirty="0" smtClean="0">
+                <a:ln w="22225">
+                  <a:solidFill>
+                    <a:schemeClr val="accent1"/>
+                  </a:solidFill>
+                  <a:prstDash val="solid"/>
+                </a:ln>
+                <a:solidFill>
+                  <a:schemeClr val="tx2"/>
+                </a:solidFill>
+              </a:rPr>
+              <a:t>“N-Gram”</a:t>
+            </a:r>
+            <a:endParaRPr lang="en-US" sz="2800" b="1" cap="none" spc="0" dirty="0">
+              <a:ln w="22225">
+                <a:solidFill>
+                  <a:schemeClr val="accent1"/>
+                </a:solidFill>
+                <a:prstDash val="solid"/>
+              </a:ln>
+              <a:solidFill>
+                <a:schemeClr val="tx2"/>
+              </a:solidFill>
+              <a:effectLst/>
+            </a:endParaRPr>
           </a:p>
         </p:txBody>
       </p:sp>
     </p:spTree>
     <p:extLst>
       <p:ext uri="{BB962C8B-B14F-4D97-AF65-F5344CB8AC3E}">
-        <p14:creationId xmlns:p14="http://schemas.microsoft.com/office/powerpoint/2010/main" val="1541802763"/>
+        <p14:creationId xmlns:p14="http://schemas.microsoft.com/office/powerpoint/2010/main" val="3374778722"/>
       </p:ext>
     </p:extLst>
   </p:cSld>
@@ -10953,95 +16072,51 @@
             <p:ph type="title"/>
           </p:nvPr>
         </p:nvSpPr>
-        <p:spPr/>
+        <p:spPr>
+          <a:xfrm>
+            <a:off x="1295396" y="784192"/>
+            <a:ext cx="8046720" cy="3250480"/>
+          </a:xfrm>
+        </p:spPr>
         <p:txBody>
-          <a:bodyPr/>
+          <a:bodyPr>
+            <a:normAutofit/>
+          </a:bodyPr>
           <a:lstStyle/>
           <a:p>
-            <a:endParaRPr lang="en-US"/>
-          </a:p>
-        </p:txBody>
-      </p:sp>
-      <p:sp>
-        <p:nvSpPr>
-          <p:cNvPr id="3" name="Text Placeholder 2"/>
-          <p:cNvSpPr>
-            <a:spLocks noGrp="1"/>
-          </p:cNvSpPr>
-          <p:nvPr>
-            <p:ph type="body" idx="1"/>
-          </p:nvPr>
-        </p:nvSpPr>
-        <p:spPr/>
-        <p:txBody>
-          <a:bodyPr/>
-          <a:lstStyle/>
-          <a:p>
+            <a:r>
+              <a:rPr lang="en-US" dirty="0" smtClean="0"/>
+              <a:t>(Clustering Results Overview)</a:t>
+            </a:r>
+            <a:r>
+              <a:rPr lang="en-US" dirty="0"/>
+              <a:t/>
+            </a:r>
+            <a:br>
+              <a:rPr lang="en-US" dirty="0"/>
+            </a:br>
+            <a:r>
+              <a:rPr lang="en-US" dirty="0"/>
+              <a:t/>
+            </a:r>
+            <a:br>
+              <a:rPr lang="en-US" dirty="0"/>
+            </a:br>
+            <a:r>
+              <a:rPr lang="en-US" dirty="0"/>
+              <a:t/>
+            </a:r>
+            <a:br>
+              <a:rPr lang="en-US" dirty="0"/>
+            </a:br>
             <a:endParaRPr lang="en-US" dirty="0"/>
-          </a:p>
-        </p:txBody>
-      </p:sp>
-      <p:sp>
-        <p:nvSpPr>
-          <p:cNvPr id="4" name="Content Placeholder 3"/>
-          <p:cNvSpPr>
-            <a:spLocks noGrp="1"/>
-          </p:cNvSpPr>
-          <p:nvPr>
-            <p:ph sz="half" idx="2"/>
-          </p:nvPr>
-        </p:nvSpPr>
-        <p:spPr/>
-        <p:txBody>
-          <a:bodyPr/>
-          <a:lstStyle/>
-          <a:p>
-            <a:endParaRPr lang="en-US" dirty="0"/>
-          </a:p>
-        </p:txBody>
-      </p:sp>
-      <p:sp>
-        <p:nvSpPr>
-          <p:cNvPr id="5" name="Text Placeholder 4"/>
-          <p:cNvSpPr>
-            <a:spLocks noGrp="1"/>
-          </p:cNvSpPr>
-          <p:nvPr>
-            <p:ph type="body" sz="quarter" idx="3"/>
-          </p:nvPr>
-        </p:nvSpPr>
-        <p:spPr/>
-        <p:txBody>
-          <a:bodyPr/>
-          <a:lstStyle/>
-          <a:p>
-            <a:endParaRPr lang="en-US"/>
-          </a:p>
-        </p:txBody>
-      </p:sp>
-      <p:sp>
-        <p:nvSpPr>
-          <p:cNvPr id="6" name="Content Placeholder 5"/>
-          <p:cNvSpPr>
-            <a:spLocks noGrp="1"/>
-          </p:cNvSpPr>
-          <p:nvPr>
-            <p:ph sz="quarter" idx="4"/>
-          </p:nvPr>
-        </p:nvSpPr>
-        <p:spPr/>
-        <p:txBody>
-          <a:bodyPr/>
-          <a:lstStyle/>
-          <a:p>
-            <a:endParaRPr lang="en-US"/>
           </a:p>
         </p:txBody>
       </p:sp>
     </p:spTree>
     <p:extLst>
       <p:ext uri="{BB962C8B-B14F-4D97-AF65-F5344CB8AC3E}">
-        <p14:creationId xmlns:p14="http://schemas.microsoft.com/office/powerpoint/2010/main" val="737118897"/>
+        <p14:creationId xmlns:p14="http://schemas.microsoft.com/office/powerpoint/2010/main" val="1541802763"/>
       </p:ext>
     </p:extLst>
   </p:cSld>
@@ -11090,95 +16165,61 @@
             <p:ph type="title"/>
           </p:nvPr>
         </p:nvSpPr>
-        <p:spPr/>
+        <p:spPr>
+          <a:xfrm>
+            <a:off x="1295396" y="784192"/>
+            <a:ext cx="8046720" cy="3250480"/>
+          </a:xfrm>
+        </p:spPr>
         <p:txBody>
-          <a:bodyPr/>
+          <a:bodyPr>
+            <a:normAutofit/>
+          </a:bodyPr>
           <a:lstStyle/>
           <a:p>
-            <a:endParaRPr lang="en-US"/>
-          </a:p>
-        </p:txBody>
-      </p:sp>
-      <p:sp>
-        <p:nvSpPr>
-          <p:cNvPr id="3" name="Text Placeholder 2"/>
-          <p:cNvSpPr>
-            <a:spLocks noGrp="1"/>
-          </p:cNvSpPr>
-          <p:nvPr>
-            <p:ph type="body" idx="1"/>
-          </p:nvPr>
-        </p:nvSpPr>
-        <p:spPr/>
-        <p:txBody>
-          <a:bodyPr/>
-          <a:lstStyle/>
-          <a:p>
-            <a:endParaRPr lang="en-US"/>
-          </a:p>
-        </p:txBody>
-      </p:sp>
-      <p:sp>
-        <p:nvSpPr>
-          <p:cNvPr id="4" name="Content Placeholder 3"/>
-          <p:cNvSpPr>
-            <a:spLocks noGrp="1"/>
-          </p:cNvSpPr>
-          <p:nvPr>
-            <p:ph sz="half" idx="2"/>
-          </p:nvPr>
-        </p:nvSpPr>
-        <p:spPr/>
-        <p:txBody>
-          <a:bodyPr/>
-          <a:lstStyle/>
-          <a:p>
-            <a:endParaRPr lang="en-US"/>
-          </a:p>
-        </p:txBody>
-      </p:sp>
-      <p:sp>
-        <p:nvSpPr>
-          <p:cNvPr id="5" name="Text Placeholder 4"/>
-          <p:cNvSpPr>
-            <a:spLocks noGrp="1"/>
-          </p:cNvSpPr>
-          <p:nvPr>
-            <p:ph type="body" sz="quarter" idx="3"/>
-          </p:nvPr>
-        </p:nvSpPr>
-        <p:spPr/>
-        <p:txBody>
-          <a:bodyPr/>
-          <a:lstStyle/>
-          <a:p>
-            <a:endParaRPr lang="en-US"/>
-          </a:p>
-        </p:txBody>
-      </p:sp>
-      <p:sp>
-        <p:nvSpPr>
-          <p:cNvPr id="6" name="Content Placeholder 5"/>
-          <p:cNvSpPr>
-            <a:spLocks noGrp="1"/>
-          </p:cNvSpPr>
-          <p:nvPr>
-            <p:ph sz="quarter" idx="4"/>
-          </p:nvPr>
-        </p:nvSpPr>
-        <p:spPr/>
-        <p:txBody>
-          <a:bodyPr/>
-          <a:lstStyle/>
-          <a:p>
-            <a:endParaRPr lang="en-US"/>
+            <a:r>
+              <a:rPr lang="en-US" dirty="0"/>
+              <a:t>(Brandon presents on Tableau visualizations)</a:t>
+            </a:r>
+            <a:br>
+              <a:rPr lang="en-US" dirty="0"/>
+            </a:br>
+            <a:r>
+              <a:rPr lang="en-US" dirty="0"/>
+              <a:t/>
+            </a:r>
+            <a:br>
+              <a:rPr lang="en-US" dirty="0"/>
+            </a:br>
+            <a:r>
+              <a:rPr lang="en-US" dirty="0"/>
+              <a:t/>
+            </a:r>
+            <a:br>
+              <a:rPr lang="en-US" dirty="0"/>
+            </a:br>
+            <a:r>
+              <a:rPr lang="en-US" dirty="0"/>
+              <a:t>Embedded Tableau here</a:t>
+            </a:r>
+            <a:br>
+              <a:rPr lang="en-US" dirty="0"/>
+            </a:br>
+            <a:r>
+              <a:rPr lang="en-US" dirty="0"/>
+              <a:t/>
+            </a:r>
+            <a:br>
+              <a:rPr lang="en-US" dirty="0"/>
+            </a:br>
+            <a:endParaRPr lang="en-US" dirty="0"/>
           </a:p>
         </p:txBody>
       </p:sp>
     </p:spTree>
     <p:extLst>
       <p:ext uri="{BB962C8B-B14F-4D97-AF65-F5344CB8AC3E}">
-        <p14:creationId xmlns:p14="http://schemas.microsoft.com/office/powerpoint/2010/main" val="304348832"/>
+        <p14:creationId xmlns:p14="http://schemas.microsoft.com/office/powerpoint/2010/main" val="1167488830"/>
       </p:ext>
     </p:extLst>
   </p:cSld>
@@ -11232,14 +16273,42 @@
           <a:bodyPr/>
           <a:lstStyle/>
           <a:p>
-            <a:endParaRPr lang="en-US"/>
+            <a:r>
+              <a:rPr lang="en-US" dirty="0"/>
+              <a:t>Title and Content Layout with Chart</a:t>
+            </a:r>
           </a:p>
         </p:txBody>
       </p:sp>
+      <p:graphicFrame>
+        <p:nvGraphicFramePr>
+          <p:cNvPr id="6" name="Content Placeholder 5" descr="Clustered Column Chart" title="Chart"/>
+          <p:cNvGraphicFramePr>
+            <a:graphicFrameLocks noGrp="1"/>
+          </p:cNvGraphicFramePr>
+          <p:nvPr>
+            <p:ph idx="1"/>
+            <p:extLst>
+              <p:ext uri="{D42A27DB-BD31-4B8C-83A1-F6EECF244321}">
+                <p14:modId xmlns:p14="http://schemas.microsoft.com/office/powerpoint/2010/main" val="2942729827"/>
+              </p:ext>
+            </p:extLst>
+          </p:nvPr>
+        </p:nvGraphicFramePr>
+        <p:xfrm>
+          <a:off x="1295400" y="1828800"/>
+          <a:ext cx="9601200" cy="4343400"/>
+        </p:xfrm>
+        <a:graphic>
+          <a:graphicData uri="http://schemas.openxmlformats.org/drawingml/2006/chart">
+            <c:chart xmlns:c="http://schemas.openxmlformats.org/drawingml/2006/chart" xmlns:r="http://schemas.openxmlformats.org/officeDocument/2006/relationships" r:id="rId2"/>
+          </a:graphicData>
+        </a:graphic>
+      </p:graphicFrame>
     </p:spTree>
     <p:extLst>
       <p:ext uri="{BB962C8B-B14F-4D97-AF65-F5344CB8AC3E}">
-        <p14:creationId xmlns:p14="http://schemas.microsoft.com/office/powerpoint/2010/main" val="3061729273"/>
+        <p14:creationId xmlns:p14="http://schemas.microsoft.com/office/powerpoint/2010/main" val="3574231650"/>
       </p:ext>
     </p:extLst>
   </p:cSld>
